--- a/AI_03_Machinelearning vs Deep learning.pptx
+++ b/AI_03_Machinelearning vs Deep learning.pptx
@@ -7,17 +7,17 @@
   <p:sldIdLst>
     <p:sldId id="272" r:id="rId2"/>
     <p:sldId id="295" r:id="rId3"/>
-    <p:sldId id="309" r:id="rId4"/>
-    <p:sldId id="298" r:id="rId5"/>
-    <p:sldId id="280" r:id="rId6"/>
-    <p:sldId id="279" r:id="rId7"/>
-    <p:sldId id="312" r:id="rId8"/>
-    <p:sldId id="313" r:id="rId9"/>
-    <p:sldId id="314" r:id="rId10"/>
-    <p:sldId id="335" r:id="rId11"/>
-    <p:sldId id="326" r:id="rId12"/>
-    <p:sldId id="327" r:id="rId13"/>
-    <p:sldId id="324" r:id="rId14"/>
+    <p:sldId id="326" r:id="rId4"/>
+    <p:sldId id="324" r:id="rId5"/>
+    <p:sldId id="327" r:id="rId6"/>
+    <p:sldId id="309" r:id="rId7"/>
+    <p:sldId id="298" r:id="rId8"/>
+    <p:sldId id="280" r:id="rId9"/>
+    <p:sldId id="279" r:id="rId10"/>
+    <p:sldId id="312" r:id="rId11"/>
+    <p:sldId id="313" r:id="rId12"/>
+    <p:sldId id="314" r:id="rId13"/>
+    <p:sldId id="335" r:id="rId14"/>
     <p:sldId id="315" r:id="rId15"/>
     <p:sldId id="320" r:id="rId16"/>
   </p:sldIdLst>
@@ -118,6 +118,11 @@
       </a:defRPr>
     </a:lvl9pPr>
   </p:defaultTextStyle>
+  <p:extLst>
+    <p:ext uri="{EFAFB233-063F-42B5-8137-9DF3F51BA10A}">
+      <p15:sldGuideLst xmlns:p15="http://schemas.microsoft.com/office/powerpoint/2012/main"/>
+    </p:ext>
+  </p:extLst>
 </p:presentation>
 </file>
 
@@ -3416,6 +3421,243 @@
       </p:grpSpPr>
       <p:pic>
         <p:nvPicPr>
+          <p:cNvPr id="6146" name="Picture 2">
+            <a:extLst>
+              <a:ext uri="{FF2B5EF4-FFF2-40B4-BE49-F238E27FC236}">
+                <a16:creationId xmlns:a16="http://schemas.microsoft.com/office/drawing/2014/main" id="{6913617A-6A80-409A-A9D3-5A38693C3C6F}"/>
+              </a:ext>
+            </a:extLst>
+          </p:cNvPr>
+          <p:cNvPicPr>
+            <a:picLocks noGrp="1" noChangeAspect="1" noChangeArrowheads="1"/>
+          </p:cNvPicPr>
+          <p:nvPr>
+            <p:ph idx="1"/>
+          </p:nvPr>
+        </p:nvPicPr>
+        <p:blipFill>
+          <a:blip r:embed="rId2">
+            <a:extLst>
+              <a:ext uri="{28A0092B-C50C-407E-A947-70E740481C1C}">
+                <a14:useLocalDpi xmlns:a14="http://schemas.microsoft.com/office/drawing/2010/main" val="0"/>
+              </a:ext>
+            </a:extLst>
+          </a:blip>
+          <a:srcRect/>
+          <a:stretch>
+            <a:fillRect/>
+          </a:stretch>
+        </p:blipFill>
+        <p:spPr bwMode="auto">
+          <a:xfrm>
+            <a:off x="1474097" y="810491"/>
+            <a:ext cx="9799013" cy="5511945"/>
+          </a:xfrm>
+          <a:prstGeom prst="rect">
+            <a:avLst/>
+          </a:prstGeom>
+          <a:noFill/>
+          <a:extLst>
+            <a:ext uri="{909E8E84-426E-40DD-AFC4-6F175D3DCCD1}">
+              <a14:hiddenFill xmlns:a14="http://schemas.microsoft.com/office/drawing/2010/main">
+                <a:solidFill>
+                  <a:srgbClr val="FFFFFF"/>
+                </a:solidFill>
+              </a14:hiddenFill>
+            </a:ext>
+          </a:extLst>
+        </p:spPr>
+      </p:pic>
+    </p:spTree>
+    <p:extLst>
+      <p:ext uri="{BB962C8B-B14F-4D97-AF65-F5344CB8AC3E}">
+        <p14:creationId xmlns:p14="http://schemas.microsoft.com/office/powerpoint/2010/main" val="1428894077"/>
+      </p:ext>
+    </p:extLst>
+  </p:cSld>
+  <p:clrMapOvr>
+    <a:masterClrMapping/>
+  </p:clrMapOvr>
+</p:sld>
+</file>
+
+<file path=ppt/slides/slide11.xml><?xml version="1.0" encoding="utf-8"?>
+<p:sld xmlns:a="http://schemas.openxmlformats.org/drawingml/2006/main" xmlns:r="http://schemas.openxmlformats.org/officeDocument/2006/relationships" xmlns:p="http://schemas.openxmlformats.org/presentationml/2006/main">
+  <p:cSld>
+    <p:spTree>
+      <p:nvGrpSpPr>
+        <p:cNvPr id="1" name=""/>
+        <p:cNvGrpSpPr/>
+        <p:nvPr/>
+      </p:nvGrpSpPr>
+      <p:grpSpPr>
+        <a:xfrm>
+          <a:off x="0" y="0"/>
+          <a:ext cx="0" cy="0"/>
+          <a:chOff x="0" y="0"/>
+          <a:chExt cx="0" cy="0"/>
+        </a:xfrm>
+      </p:grpSpPr>
+      <p:pic>
+        <p:nvPicPr>
+          <p:cNvPr id="7170" name="Picture 2" descr="Future Internet | Free Full-Text | Predicting Dog Emotions Based on Posture  Analysis Using DeepLabCut">
+            <a:extLst>
+              <a:ext uri="{FF2B5EF4-FFF2-40B4-BE49-F238E27FC236}">
+                <a16:creationId xmlns:a16="http://schemas.microsoft.com/office/drawing/2014/main" id="{8E62A480-36E6-4063-922A-82A61180D5A9}"/>
+              </a:ext>
+            </a:extLst>
+          </p:cNvPr>
+          <p:cNvPicPr>
+            <a:picLocks noGrp="1" noChangeAspect="1" noChangeArrowheads="1"/>
+          </p:cNvPicPr>
+          <p:nvPr>
+            <p:ph idx="1"/>
+          </p:nvPr>
+        </p:nvPicPr>
+        <p:blipFill>
+          <a:blip r:embed="rId2">
+            <a:extLst>
+              <a:ext uri="{28A0092B-C50C-407E-A947-70E740481C1C}">
+                <a14:useLocalDpi xmlns:a14="http://schemas.microsoft.com/office/drawing/2010/main" val="0"/>
+              </a:ext>
+            </a:extLst>
+          </a:blip>
+          <a:srcRect/>
+          <a:stretch>
+            <a:fillRect/>
+          </a:stretch>
+        </p:blipFill>
+        <p:spPr bwMode="auto">
+          <a:xfrm>
+            <a:off x="2005446" y="108374"/>
+            <a:ext cx="7684714" cy="6006244"/>
+          </a:xfrm>
+          <a:prstGeom prst="rect">
+            <a:avLst/>
+          </a:prstGeom>
+          <a:noFill/>
+          <a:extLst>
+            <a:ext uri="{909E8E84-426E-40DD-AFC4-6F175D3DCCD1}">
+              <a14:hiddenFill xmlns:a14="http://schemas.microsoft.com/office/drawing/2010/main">
+                <a:solidFill>
+                  <a:srgbClr val="FFFFFF"/>
+                </a:solidFill>
+              </a14:hiddenFill>
+            </a:ext>
+          </a:extLst>
+        </p:spPr>
+      </p:pic>
+    </p:spTree>
+    <p:extLst>
+      <p:ext uri="{BB962C8B-B14F-4D97-AF65-F5344CB8AC3E}">
+        <p14:creationId xmlns:p14="http://schemas.microsoft.com/office/powerpoint/2010/main" val="2515599592"/>
+      </p:ext>
+    </p:extLst>
+  </p:cSld>
+  <p:clrMapOvr>
+    <a:masterClrMapping/>
+  </p:clrMapOvr>
+</p:sld>
+</file>
+
+<file path=ppt/slides/slide12.xml><?xml version="1.0" encoding="utf-8"?>
+<p:sld xmlns:a="http://schemas.openxmlformats.org/drawingml/2006/main" xmlns:r="http://schemas.openxmlformats.org/officeDocument/2006/relationships" xmlns:p="http://schemas.openxmlformats.org/presentationml/2006/main">
+  <p:cSld>
+    <p:spTree>
+      <p:nvGrpSpPr>
+        <p:cNvPr id="1" name=""/>
+        <p:cNvGrpSpPr/>
+        <p:nvPr/>
+      </p:nvGrpSpPr>
+      <p:grpSpPr>
+        <a:xfrm>
+          <a:off x="0" y="0"/>
+          <a:ext cx="0" cy="0"/>
+          <a:chOff x="0" y="0"/>
+          <a:chExt cx="0" cy="0"/>
+        </a:xfrm>
+      </p:grpSpPr>
+      <p:pic>
+        <p:nvPicPr>
+          <p:cNvPr id="8194" name="Picture 2" descr="An analysis on computer vision problems | by Shravan Murali | Shravan's  Blog | Medium">
+            <a:extLst>
+              <a:ext uri="{FF2B5EF4-FFF2-40B4-BE49-F238E27FC236}">
+                <a16:creationId xmlns:a16="http://schemas.microsoft.com/office/drawing/2014/main" id="{0CB1F4C2-2CD5-4C17-BC44-BABD1D165316}"/>
+              </a:ext>
+            </a:extLst>
+          </p:cNvPr>
+          <p:cNvPicPr>
+            <a:picLocks noGrp="1" noChangeAspect="1" noChangeArrowheads="1"/>
+          </p:cNvPicPr>
+          <p:nvPr>
+            <p:ph idx="1"/>
+          </p:nvPr>
+        </p:nvPicPr>
+        <p:blipFill>
+          <a:blip r:embed="rId2">
+            <a:extLst>
+              <a:ext uri="{28A0092B-C50C-407E-A947-70E740481C1C}">
+                <a14:useLocalDpi xmlns:a14="http://schemas.microsoft.com/office/drawing/2010/main" val="0"/>
+              </a:ext>
+            </a:extLst>
+          </a:blip>
+          <a:srcRect/>
+          <a:stretch>
+            <a:fillRect/>
+          </a:stretch>
+        </p:blipFill>
+        <p:spPr bwMode="auto">
+          <a:xfrm>
+            <a:off x="1670292" y="444427"/>
+            <a:ext cx="8549969" cy="5969145"/>
+          </a:xfrm>
+          <a:prstGeom prst="rect">
+            <a:avLst/>
+          </a:prstGeom>
+          <a:noFill/>
+          <a:extLst>
+            <a:ext uri="{909E8E84-426E-40DD-AFC4-6F175D3DCCD1}">
+              <a14:hiddenFill xmlns:a14="http://schemas.microsoft.com/office/drawing/2010/main">
+                <a:solidFill>
+                  <a:srgbClr val="FFFFFF"/>
+                </a:solidFill>
+              </a14:hiddenFill>
+            </a:ext>
+          </a:extLst>
+        </p:spPr>
+      </p:pic>
+    </p:spTree>
+    <p:extLst>
+      <p:ext uri="{BB962C8B-B14F-4D97-AF65-F5344CB8AC3E}">
+        <p14:creationId xmlns:p14="http://schemas.microsoft.com/office/powerpoint/2010/main" val="225178533"/>
+      </p:ext>
+    </p:extLst>
+  </p:cSld>
+  <p:clrMapOvr>
+    <a:masterClrMapping/>
+  </p:clrMapOvr>
+</p:sld>
+</file>
+
+<file path=ppt/slides/slide13.xml><?xml version="1.0" encoding="utf-8"?>
+<p:sld xmlns:a="http://schemas.openxmlformats.org/drawingml/2006/main" xmlns:r="http://schemas.openxmlformats.org/officeDocument/2006/relationships" xmlns:p="http://schemas.openxmlformats.org/presentationml/2006/main">
+  <p:cSld>
+    <p:spTree>
+      <p:nvGrpSpPr>
+        <p:cNvPr id="1" name=""/>
+        <p:cNvGrpSpPr/>
+        <p:nvPr/>
+      </p:nvGrpSpPr>
+      <p:grpSpPr>
+        <a:xfrm>
+          <a:off x="0" y="0"/>
+          <a:ext cx="0" cy="0"/>
+          <a:chOff x="0" y="0"/>
+          <a:chExt cx="0" cy="0"/>
+        </a:xfrm>
+      </p:grpSpPr>
+      <p:pic>
+        <p:nvPicPr>
           <p:cNvPr id="9218" name="Picture 2" descr="Dispelling Myths: Deep Learning vs. Machine Learning">
             <a:extLst>
               <a:ext uri="{FF2B5EF4-FFF2-40B4-BE49-F238E27FC236}">
@@ -3467,624 +3709,6 @@
     <p:extLst>
       <p:ext uri="{BB962C8B-B14F-4D97-AF65-F5344CB8AC3E}">
         <p14:creationId xmlns:p14="http://schemas.microsoft.com/office/powerpoint/2010/main" val="2840329664"/>
-      </p:ext>
-    </p:extLst>
-  </p:cSld>
-  <p:clrMapOvr>
-    <a:masterClrMapping/>
-  </p:clrMapOvr>
-</p:sld>
-</file>
-
-<file path=ppt/slides/slide11.xml><?xml version="1.0" encoding="utf-8"?>
-<p:sld xmlns:a="http://schemas.openxmlformats.org/drawingml/2006/main" xmlns:r="http://schemas.openxmlformats.org/officeDocument/2006/relationships" xmlns:p="http://schemas.openxmlformats.org/presentationml/2006/main">
-  <p:cSld>
-    <p:spTree>
-      <p:nvGrpSpPr>
-        <p:cNvPr id="1" name=""/>
-        <p:cNvGrpSpPr/>
-        <p:nvPr/>
-      </p:nvGrpSpPr>
-      <p:grpSpPr>
-        <a:xfrm>
-          <a:off x="0" y="0"/>
-          <a:ext cx="0" cy="0"/>
-          <a:chOff x="0" y="0"/>
-          <a:chExt cx="0" cy="0"/>
-        </a:xfrm>
-      </p:grpSpPr>
-      <p:sp>
-        <p:nvSpPr>
-          <p:cNvPr id="2" name="제목 1">
-            <a:extLst>
-              <a:ext uri="{FF2B5EF4-FFF2-40B4-BE49-F238E27FC236}">
-                <a16:creationId xmlns:a16="http://schemas.microsoft.com/office/drawing/2014/main" id="{C4FDD06B-ED4C-4874-9CEC-6266E17A59B3}"/>
-              </a:ext>
-            </a:extLst>
-          </p:cNvPr>
-          <p:cNvSpPr>
-            <a:spLocks noGrp="1"/>
-          </p:cNvSpPr>
-          <p:nvPr>
-            <p:ph type="title"/>
-          </p:nvPr>
-        </p:nvSpPr>
-        <p:spPr/>
-        <p:txBody>
-          <a:bodyPr>
-            <a:noAutofit/>
-          </a:bodyPr>
-          <a:lstStyle/>
-          <a:p>
-            <a:pPr algn="ctr"/>
-            <a:r>
-              <a:rPr lang="en-US" altLang="ko-KR" sz="2800" dirty="0"/>
-              <a:t>The ML explosion in materials science. </a:t>
-            </a:r>
-            <a:br>
-              <a:rPr lang="en-US" altLang="ko-KR" sz="2800" dirty="0"/>
-            </a:br>
-            <a:r>
-              <a:rPr lang="en-US" altLang="ko-KR" sz="2800" dirty="0"/>
-              <a:t>The number of papers containing the terms machine learning</a:t>
-            </a:r>
-            <a:endParaRPr lang="ko-KR" altLang="en-US" sz="2800" dirty="0"/>
-          </a:p>
-        </p:txBody>
-      </p:sp>
-      <p:sp>
-        <p:nvSpPr>
-          <p:cNvPr id="6" name="AutoShape 6" descr="Figure 4. ">
-            <a:extLst>
-              <a:ext uri="{FF2B5EF4-FFF2-40B4-BE49-F238E27FC236}">
-                <a16:creationId xmlns:a16="http://schemas.microsoft.com/office/drawing/2014/main" id="{C6A2BF5C-1B6D-4045-8A20-3D5E7F8E840D}"/>
-              </a:ext>
-            </a:extLst>
-          </p:cNvPr>
-          <p:cNvSpPr>
-            <a:spLocks noChangeAspect="1" noChangeArrowheads="1"/>
-          </p:cNvSpPr>
-          <p:nvPr/>
-        </p:nvSpPr>
-        <p:spPr bwMode="auto">
-          <a:xfrm>
-            <a:off x="5943600" y="3276600"/>
-            <a:ext cx="304800" cy="304800"/>
-          </a:xfrm>
-          <a:prstGeom prst="rect">
-            <a:avLst/>
-          </a:prstGeom>
-          <a:noFill/>
-          <a:extLst>
-            <a:ext uri="{909E8E84-426E-40DD-AFC4-6F175D3DCCD1}">
-              <a14:hiddenFill xmlns:a14="http://schemas.microsoft.com/office/drawing/2010/main">
-                <a:solidFill>
-                  <a:srgbClr val="FFFFFF"/>
-                </a:solidFill>
-              </a14:hiddenFill>
-            </a:ext>
-          </a:extLst>
-        </p:spPr>
-        <p:txBody>
-          <a:bodyPr vert="horz" wrap="square" lIns="91440" tIns="45720" rIns="91440" bIns="45720" numCol="1" anchor="t" anchorCtr="0" compatLnSpc="1">
-            <a:prstTxWarp prst="textNoShape">
-              <a:avLst/>
-            </a:prstTxWarp>
-          </a:bodyPr>
-          <a:lstStyle/>
-          <a:p>
-            <a:endParaRPr lang="ko-KR" altLang="en-US"/>
-          </a:p>
-        </p:txBody>
-      </p:sp>
-      <p:pic>
-        <p:nvPicPr>
-          <p:cNvPr id="10" name="내용 개체 틀 9">
-            <a:extLst>
-              <a:ext uri="{FF2B5EF4-FFF2-40B4-BE49-F238E27FC236}">
-                <a16:creationId xmlns:a16="http://schemas.microsoft.com/office/drawing/2014/main" id="{87A21B1E-763A-4547-98AF-4B652EC8A60A}"/>
-              </a:ext>
-            </a:extLst>
-          </p:cNvPr>
-          <p:cNvPicPr>
-            <a:picLocks noGrp="1" noChangeAspect="1"/>
-          </p:cNvPicPr>
-          <p:nvPr>
-            <p:ph idx="1"/>
-          </p:nvPr>
-        </p:nvPicPr>
-        <p:blipFill>
-          <a:blip r:embed="rId2"/>
-          <a:stretch>
-            <a:fillRect/>
-          </a:stretch>
-        </p:blipFill>
-        <p:spPr>
-          <a:xfrm>
-            <a:off x="2413015" y="1611475"/>
-            <a:ext cx="7502771" cy="4688454"/>
-          </a:xfrm>
-          <a:prstGeom prst="rect">
-            <a:avLst/>
-          </a:prstGeom>
-        </p:spPr>
-      </p:pic>
-      <p:sp>
-        <p:nvSpPr>
-          <p:cNvPr id="11" name="직사각형 10">
-            <a:extLst>
-              <a:ext uri="{FF2B5EF4-FFF2-40B4-BE49-F238E27FC236}">
-                <a16:creationId xmlns:a16="http://schemas.microsoft.com/office/drawing/2014/main" id="{9879F7F6-A68E-481F-B034-EFF5A36B1827}"/>
-              </a:ext>
-            </a:extLst>
-          </p:cNvPr>
-          <p:cNvSpPr/>
-          <p:nvPr/>
-        </p:nvSpPr>
-        <p:spPr>
-          <a:xfrm>
-            <a:off x="113141" y="6620903"/>
-            <a:ext cx="12102518" cy="184666"/>
-          </a:xfrm>
-          <a:prstGeom prst="rect">
-            <a:avLst/>
-          </a:prstGeom>
-        </p:spPr>
-        <p:txBody>
-          <a:bodyPr wrap="square">
-            <a:spAutoFit/>
-          </a:bodyPr>
-          <a:lstStyle/>
-          <a:p>
-            <a:r>
-              <a:rPr lang="en-US" altLang="ko-KR" sz="600" b="1" dirty="0">
-                <a:solidFill>
-                  <a:srgbClr val="333132"/>
-                </a:solidFill>
-                <a:latin typeface="Proxima Nova Subset"/>
-              </a:rPr>
-              <a:t>Machine learning and big scientific data </a:t>
-            </a:r>
-            <a:r>
-              <a:rPr lang="en-US" altLang="ko-KR" sz="600" dirty="0">
-                <a:solidFill>
-                  <a:srgbClr val="000000"/>
-                </a:solidFill>
-                <a:latin typeface="Proxima Nova Subset"/>
-                <a:hlinkClick r:id="rId3" tooltip="Tony Hey"/>
-              </a:rPr>
-              <a:t>Tony Hey</a:t>
-            </a:r>
-            <a:r>
-              <a:rPr lang="en-US" altLang="ko-KR" sz="600" dirty="0">
-                <a:solidFill>
-                  <a:srgbClr val="000000"/>
-                </a:solidFill>
-                <a:latin typeface="Proxima Nova Subset"/>
-              </a:rPr>
-              <a:t> </a:t>
-            </a:r>
-            <a:r>
-              <a:rPr lang="en-US" altLang="ko-KR" sz="600" dirty="0">
-                <a:solidFill>
-                  <a:srgbClr val="333132"/>
-                </a:solidFill>
-                <a:latin typeface="Proxima Nova Subset"/>
-              </a:rPr>
-              <a:t>, </a:t>
-            </a:r>
-            <a:r>
-              <a:rPr lang="en-US" altLang="ko-KR" sz="600" dirty="0">
-                <a:solidFill>
-                  <a:srgbClr val="000000"/>
-                </a:solidFill>
-                <a:latin typeface="Proxima Nova Subset"/>
-                <a:hlinkClick r:id="rId3" tooltip="Keith Butler"/>
-              </a:rPr>
-              <a:t>Keith Butler</a:t>
-            </a:r>
-            <a:r>
-              <a:rPr lang="en-US" altLang="ko-KR" sz="600" dirty="0">
-                <a:solidFill>
-                  <a:srgbClr val="000000"/>
-                </a:solidFill>
-                <a:latin typeface="Proxima Nova Subset"/>
-              </a:rPr>
-              <a:t> </a:t>
-            </a:r>
-            <a:r>
-              <a:rPr lang="en-US" altLang="ko-KR" sz="600" dirty="0">
-                <a:solidFill>
-                  <a:srgbClr val="333132"/>
-                </a:solidFill>
-                <a:latin typeface="Proxima Nova Subset"/>
-              </a:rPr>
-              <a:t>, </a:t>
-            </a:r>
-            <a:r>
-              <a:rPr lang="en-US" altLang="ko-KR" sz="600" dirty="0">
-                <a:solidFill>
-                  <a:srgbClr val="000000"/>
-                </a:solidFill>
-                <a:latin typeface="Proxima Nova Subset"/>
-                <a:hlinkClick r:id="rId3" tooltip="Sam Jackson"/>
-              </a:rPr>
-              <a:t>Sam Jackson</a:t>
-            </a:r>
-            <a:r>
-              <a:rPr lang="en-US" altLang="ko-KR" sz="600" dirty="0">
-                <a:solidFill>
-                  <a:srgbClr val="000000"/>
-                </a:solidFill>
-                <a:latin typeface="Proxima Nova Subset"/>
-              </a:rPr>
-              <a:t> </a:t>
-            </a:r>
-            <a:r>
-              <a:rPr lang="en-US" altLang="ko-KR" sz="600" dirty="0">
-                <a:solidFill>
-                  <a:srgbClr val="333132"/>
-                </a:solidFill>
-                <a:latin typeface="Proxima Nova Subset"/>
-              </a:rPr>
-              <a:t>and </a:t>
-            </a:r>
-            <a:r>
-              <a:rPr lang="en-US" altLang="ko-KR" sz="600" dirty="0" err="1">
-                <a:solidFill>
-                  <a:srgbClr val="000000"/>
-                </a:solidFill>
-                <a:latin typeface="Proxima Nova Subset"/>
-                <a:hlinkClick r:id="rId3" tooltip="Jeyarajan Thiyagalingam"/>
-              </a:rPr>
-              <a:t>Jeyarajan</a:t>
-            </a:r>
-            <a:r>
-              <a:rPr lang="en-US" altLang="ko-KR" sz="600" dirty="0">
-                <a:solidFill>
-                  <a:srgbClr val="000000"/>
-                </a:solidFill>
-                <a:latin typeface="Proxima Nova Subset"/>
-                <a:hlinkClick r:id="rId3" tooltip="Jeyarajan Thiyagalingam"/>
-              </a:rPr>
-              <a:t> </a:t>
-            </a:r>
-            <a:r>
-              <a:rPr lang="en-US" altLang="ko-KR" sz="600" dirty="0" err="1">
-                <a:solidFill>
-                  <a:srgbClr val="000000"/>
-                </a:solidFill>
-                <a:latin typeface="Proxima Nova Subset"/>
-                <a:hlinkClick r:id="rId3" tooltip="Jeyarajan Thiyagalingam"/>
-              </a:rPr>
-              <a:t>Thiyagalingam</a:t>
-            </a:r>
-            <a:r>
-              <a:rPr lang="en-US" altLang="ko-KR" sz="600" dirty="0">
-                <a:solidFill>
-                  <a:srgbClr val="000000"/>
-                </a:solidFill>
-                <a:latin typeface="Proxima Nova Subset"/>
-              </a:rPr>
-              <a:t> </a:t>
-            </a:r>
-            <a:r>
-              <a:rPr lang="en-US" altLang="ko-KR" sz="600" dirty="0">
-                <a:solidFill>
-                  <a:srgbClr val="333132"/>
-                </a:solidFill>
-                <a:latin typeface="Proxima Nova Subset"/>
-              </a:rPr>
-              <a:t>Published:</a:t>
-            </a:r>
-            <a:r>
-              <a:rPr lang="en-US" altLang="ko-KR" sz="600" b="1" dirty="0">
-                <a:solidFill>
-                  <a:srgbClr val="333132"/>
-                </a:solidFill>
-                <a:latin typeface="Proxima Nova Subset"/>
-              </a:rPr>
-              <a:t>20 January 2020</a:t>
-            </a:r>
-            <a:endParaRPr lang="en-US" altLang="ko-KR" sz="600" b="0" i="0" dirty="0">
-              <a:solidFill>
-                <a:srgbClr val="333132"/>
-              </a:solidFill>
-              <a:effectLst/>
-              <a:latin typeface="Proxima Nova Subset"/>
-            </a:endParaRPr>
-          </a:p>
-        </p:txBody>
-      </p:sp>
-    </p:spTree>
-    <p:extLst>
-      <p:ext uri="{BB962C8B-B14F-4D97-AF65-F5344CB8AC3E}">
-        <p14:creationId xmlns:p14="http://schemas.microsoft.com/office/powerpoint/2010/main" val="1118936987"/>
-      </p:ext>
-    </p:extLst>
-  </p:cSld>
-  <p:clrMapOvr>
-    <a:masterClrMapping/>
-  </p:clrMapOvr>
-</p:sld>
-</file>
-
-<file path=ppt/slides/slide12.xml><?xml version="1.0" encoding="utf-8"?>
-<p:sld xmlns:a="http://schemas.openxmlformats.org/drawingml/2006/main" xmlns:r="http://schemas.openxmlformats.org/officeDocument/2006/relationships" xmlns:p="http://schemas.openxmlformats.org/presentationml/2006/main">
-  <p:cSld>
-    <p:spTree>
-      <p:nvGrpSpPr>
-        <p:cNvPr id="1" name=""/>
-        <p:cNvGrpSpPr/>
-        <p:nvPr/>
-      </p:nvGrpSpPr>
-      <p:grpSpPr>
-        <a:xfrm>
-          <a:off x="0" y="0"/>
-          <a:ext cx="0" cy="0"/>
-          <a:chOff x="0" y="0"/>
-          <a:chExt cx="0" cy="0"/>
-        </a:xfrm>
-      </p:grpSpPr>
-      <p:sp>
-        <p:nvSpPr>
-          <p:cNvPr id="2" name="제목 1">
-            <a:extLst>
-              <a:ext uri="{FF2B5EF4-FFF2-40B4-BE49-F238E27FC236}">
-                <a16:creationId xmlns:a16="http://schemas.microsoft.com/office/drawing/2014/main" id="{A0F7A97A-9677-4628-B5DA-A9F8E8C16FEE}"/>
-              </a:ext>
-            </a:extLst>
-          </p:cNvPr>
-          <p:cNvSpPr>
-            <a:spLocks noGrp="1"/>
-          </p:cNvSpPr>
-          <p:nvPr>
-            <p:ph type="title"/>
-          </p:nvPr>
-        </p:nvSpPr>
-        <p:spPr/>
-        <p:txBody>
-          <a:bodyPr>
-            <a:normAutofit fontScale="90000"/>
-          </a:bodyPr>
-          <a:lstStyle/>
-          <a:p>
-            <a:pPr algn="ctr"/>
-            <a:r>
-              <a:rPr lang="en-US" altLang="ko-KR" sz="2200" dirty="0"/>
-              <a:t>Error rate in the ImageNet Large Scale Visual Recognition Challenge. Data for AI performance from </a:t>
-            </a:r>
-            <a:r>
-              <a:rPr lang="en-US" altLang="ko-KR" sz="2200" dirty="0" err="1"/>
-              <a:t>Shoham</a:t>
-            </a:r>
-            <a:r>
-              <a:rPr lang="en-US" altLang="ko-KR" sz="2200" dirty="0"/>
-              <a:t> et al. (2018, p. 90), for human performance from </a:t>
-            </a:r>
-            <a:r>
-              <a:rPr lang="en-US" altLang="ko-KR" sz="2200" dirty="0" err="1"/>
-              <a:t>Russakovsky</a:t>
-            </a:r>
-            <a:r>
-              <a:rPr lang="en-US" altLang="ko-KR" sz="2200" dirty="0"/>
-              <a:t> et al. (2015, pp. 241&amp;242).</a:t>
-            </a:r>
-            <a:br>
-              <a:rPr lang="en-US" altLang="ko-KR" dirty="0"/>
-            </a:br>
-            <a:endParaRPr lang="ko-KR" altLang="en-US" dirty="0"/>
-          </a:p>
-        </p:txBody>
-      </p:sp>
-      <p:pic>
-        <p:nvPicPr>
-          <p:cNvPr id="7" name="내용 개체 틀 6">
-            <a:extLst>
-              <a:ext uri="{FF2B5EF4-FFF2-40B4-BE49-F238E27FC236}">
-                <a16:creationId xmlns:a16="http://schemas.microsoft.com/office/drawing/2014/main" id="{B5156492-3148-4F0E-9ED8-775A6E978ACA}"/>
-              </a:ext>
-            </a:extLst>
-          </p:cNvPr>
-          <p:cNvPicPr>
-            <a:picLocks noGrp="1" noChangeAspect="1"/>
-          </p:cNvPicPr>
-          <p:nvPr>
-            <p:ph idx="1"/>
-          </p:nvPr>
-        </p:nvPicPr>
-        <p:blipFill>
-          <a:blip r:embed="rId2">
-            <a:extLst>
-              <a:ext uri="{28A0092B-C50C-407E-A947-70E740481C1C}">
-                <a14:useLocalDpi xmlns:a14="http://schemas.microsoft.com/office/drawing/2010/main" val="0"/>
-              </a:ext>
-            </a:extLst>
-          </a:blip>
-          <a:stretch>
-            <a:fillRect/>
-          </a:stretch>
-        </p:blipFill>
-        <p:spPr bwMode="auto">
-          <a:xfrm>
-            <a:off x="1299207" y="1933969"/>
-            <a:ext cx="10054593" cy="3678798"/>
-          </a:xfrm>
-          <a:prstGeom prst="rect">
-            <a:avLst/>
-          </a:prstGeom>
-          <a:noFill/>
-          <a:extLst>
-            <a:ext uri="{909E8E84-426E-40DD-AFC4-6F175D3DCCD1}">
-              <a14:hiddenFill xmlns:a14="http://schemas.microsoft.com/office/drawing/2010/main">
-                <a:solidFill>
-                  <a:srgbClr val="FFFFFF"/>
-                </a:solidFill>
-              </a14:hiddenFill>
-            </a:ext>
-          </a:extLst>
-        </p:spPr>
-      </p:pic>
-    </p:spTree>
-    <p:extLst>
-      <p:ext uri="{BB962C8B-B14F-4D97-AF65-F5344CB8AC3E}">
-        <p14:creationId xmlns:p14="http://schemas.microsoft.com/office/powerpoint/2010/main" val="3403398167"/>
-      </p:ext>
-    </p:extLst>
-  </p:cSld>
-  <p:clrMapOvr>
-    <a:masterClrMapping/>
-  </p:clrMapOvr>
-</p:sld>
-</file>
-
-<file path=ppt/slides/slide13.xml><?xml version="1.0" encoding="utf-8"?>
-<p:sld xmlns:a="http://schemas.openxmlformats.org/drawingml/2006/main" xmlns:r="http://schemas.openxmlformats.org/officeDocument/2006/relationships" xmlns:p="http://schemas.openxmlformats.org/presentationml/2006/main">
-  <p:cSld>
-    <p:spTree>
-      <p:nvGrpSpPr>
-        <p:cNvPr id="1" name=""/>
-        <p:cNvGrpSpPr/>
-        <p:nvPr/>
-      </p:nvGrpSpPr>
-      <p:grpSpPr>
-        <a:xfrm>
-          <a:off x="0" y="0"/>
-          <a:ext cx="0" cy="0"/>
-          <a:chOff x="0" y="0"/>
-          <a:chExt cx="0" cy="0"/>
-        </a:xfrm>
-      </p:grpSpPr>
-      <p:sp>
-        <p:nvSpPr>
-          <p:cNvPr id="2" name="제목 1">
-            <a:extLst>
-              <a:ext uri="{FF2B5EF4-FFF2-40B4-BE49-F238E27FC236}">
-                <a16:creationId xmlns:a16="http://schemas.microsoft.com/office/drawing/2014/main" id="{A9A7CCC1-3A7F-4618-84CE-B095DA748B69}"/>
-              </a:ext>
-            </a:extLst>
-          </p:cNvPr>
-          <p:cNvSpPr>
-            <a:spLocks noGrp="1"/>
-          </p:cNvSpPr>
-          <p:nvPr>
-            <p:ph type="title"/>
-          </p:nvPr>
-        </p:nvSpPr>
-        <p:spPr/>
-        <p:txBody>
-          <a:bodyPr>
-            <a:normAutofit/>
-          </a:bodyPr>
-          <a:lstStyle/>
-          <a:p>
-            <a:pPr algn="ctr"/>
-            <a:r>
-              <a:rPr lang="en-US" altLang="ko-KR" sz="2400" dirty="0"/>
-              <a:t>Number of publications in dependence </a:t>
-            </a:r>
-            <a:br>
-              <a:rPr lang="en-US" altLang="ko-KR" sz="2400" dirty="0"/>
-            </a:br>
-            <a:r>
-              <a:rPr lang="en-US" altLang="ko-KR" sz="2400" dirty="0"/>
-              <a:t>on the publication year for DL, deep learning;</a:t>
-            </a:r>
-            <a:endParaRPr lang="ko-KR" altLang="en-US" sz="2400" dirty="0"/>
-          </a:p>
-        </p:txBody>
-      </p:sp>
-      <p:pic>
-        <p:nvPicPr>
-          <p:cNvPr id="10242" name="Picture 2">
-            <a:extLst>
-              <a:ext uri="{FF2B5EF4-FFF2-40B4-BE49-F238E27FC236}">
-                <a16:creationId xmlns:a16="http://schemas.microsoft.com/office/drawing/2014/main" id="{E95F5A67-0967-4E5E-953C-F657D643C7A5}"/>
-              </a:ext>
-            </a:extLst>
-          </p:cNvPr>
-          <p:cNvPicPr>
-            <a:picLocks noGrp="1" noChangeAspect="1" noChangeArrowheads="1"/>
-          </p:cNvPicPr>
-          <p:nvPr>
-            <p:ph idx="1"/>
-          </p:nvPr>
-        </p:nvPicPr>
-        <p:blipFill>
-          <a:blip r:embed="rId2">
-            <a:extLst>
-              <a:ext uri="{28A0092B-C50C-407E-A947-70E740481C1C}">
-                <a14:useLocalDpi xmlns:a14="http://schemas.microsoft.com/office/drawing/2010/main" val="0"/>
-              </a:ext>
-            </a:extLst>
-          </a:blip>
-          <a:srcRect/>
-          <a:stretch>
-            <a:fillRect/>
-          </a:stretch>
-        </p:blipFill>
-        <p:spPr bwMode="auto">
-          <a:xfrm>
-            <a:off x="2838450" y="1999798"/>
-            <a:ext cx="6515100" cy="3860800"/>
-          </a:xfrm>
-          <a:prstGeom prst="rect">
-            <a:avLst/>
-          </a:prstGeom>
-          <a:noFill/>
-          <a:extLst>
-            <a:ext uri="{909E8E84-426E-40DD-AFC4-6F175D3DCCD1}">
-              <a14:hiddenFill xmlns:a14="http://schemas.microsoft.com/office/drawing/2010/main">
-                <a:solidFill>
-                  <a:srgbClr val="FFFFFF"/>
-                </a:solidFill>
-              </a14:hiddenFill>
-            </a:ext>
-          </a:extLst>
-        </p:spPr>
-      </p:pic>
-      <p:sp>
-        <p:nvSpPr>
-          <p:cNvPr id="4" name="직사각형 3">
-            <a:extLst>
-              <a:ext uri="{FF2B5EF4-FFF2-40B4-BE49-F238E27FC236}">
-                <a16:creationId xmlns:a16="http://schemas.microsoft.com/office/drawing/2014/main" id="{789A4F46-E1D4-4BDC-8378-7CD634AD66DB}"/>
-              </a:ext>
-            </a:extLst>
-          </p:cNvPr>
-          <p:cNvSpPr/>
-          <p:nvPr/>
-        </p:nvSpPr>
-        <p:spPr>
-          <a:xfrm>
-            <a:off x="89042" y="6169709"/>
-            <a:ext cx="12102957" cy="261610"/>
-          </a:xfrm>
-          <a:prstGeom prst="rect">
-            <a:avLst/>
-          </a:prstGeom>
-        </p:spPr>
-        <p:txBody>
-          <a:bodyPr wrap="square">
-            <a:spAutoFit/>
-          </a:bodyPr>
-          <a:lstStyle/>
-          <a:p>
-            <a:pPr algn="ctr"/>
-            <a:r>
-              <a:rPr lang="en-US" altLang="ko-KR" sz="1100" dirty="0">
-                <a:hlinkClick r:id="rId3"/>
-              </a:rPr>
-              <a:t>Frontiers | An Introductory Review of Deep Learning for Prediction Models With Big Data (frontiersin.org)</a:t>
-            </a:r>
-            <a:endParaRPr lang="ko-KR" altLang="en-US" sz="1100" dirty="0"/>
-          </a:p>
-        </p:txBody>
-      </p:sp>
-    </p:spTree>
-    <p:extLst>
-      <p:ext uri="{BB962C8B-B14F-4D97-AF65-F5344CB8AC3E}">
-        <p14:creationId xmlns:p14="http://schemas.microsoft.com/office/powerpoint/2010/main" val="2013402916"/>
       </p:ext>
     </p:extLst>
   </p:cSld>
@@ -4690,6 +4314,632 @@
           <p:cNvPr id="2" name="제목 1">
             <a:extLst>
               <a:ext uri="{FF2B5EF4-FFF2-40B4-BE49-F238E27FC236}">
+                <a16:creationId xmlns:a16="http://schemas.microsoft.com/office/drawing/2014/main" id="{C4FDD06B-ED4C-4874-9CEC-6266E17A59B3}"/>
+              </a:ext>
+            </a:extLst>
+          </p:cNvPr>
+          <p:cNvSpPr>
+            <a:spLocks noGrp="1"/>
+          </p:cNvSpPr>
+          <p:nvPr>
+            <p:ph type="title"/>
+          </p:nvPr>
+        </p:nvSpPr>
+        <p:spPr/>
+        <p:txBody>
+          <a:bodyPr>
+            <a:noAutofit/>
+          </a:bodyPr>
+          <a:lstStyle/>
+          <a:p>
+            <a:pPr algn="ctr"/>
+            <a:r>
+              <a:rPr lang="en-US" altLang="ko-KR" sz="2800" dirty="0"/>
+              <a:t>The ML explosion in materials science. </a:t>
+            </a:r>
+            <a:br>
+              <a:rPr lang="en-US" altLang="ko-KR" sz="2800" dirty="0"/>
+            </a:br>
+            <a:r>
+              <a:rPr lang="en-US" altLang="ko-KR" sz="2800" dirty="0"/>
+              <a:t>The number of papers containing the terms machine learning</a:t>
+            </a:r>
+            <a:endParaRPr lang="ko-KR" altLang="en-US" sz="2800" dirty="0"/>
+          </a:p>
+        </p:txBody>
+      </p:sp>
+      <p:sp>
+        <p:nvSpPr>
+          <p:cNvPr id="6" name="AutoShape 6" descr="Figure 4. ">
+            <a:extLst>
+              <a:ext uri="{FF2B5EF4-FFF2-40B4-BE49-F238E27FC236}">
+                <a16:creationId xmlns:a16="http://schemas.microsoft.com/office/drawing/2014/main" id="{C6A2BF5C-1B6D-4045-8A20-3D5E7F8E840D}"/>
+              </a:ext>
+            </a:extLst>
+          </p:cNvPr>
+          <p:cNvSpPr>
+            <a:spLocks noChangeAspect="1" noChangeArrowheads="1"/>
+          </p:cNvSpPr>
+          <p:nvPr/>
+        </p:nvSpPr>
+        <p:spPr bwMode="auto">
+          <a:xfrm>
+            <a:off x="5943600" y="3276600"/>
+            <a:ext cx="304800" cy="304800"/>
+          </a:xfrm>
+          <a:prstGeom prst="rect">
+            <a:avLst/>
+          </a:prstGeom>
+          <a:noFill/>
+          <a:extLst>
+            <a:ext uri="{909E8E84-426E-40DD-AFC4-6F175D3DCCD1}">
+              <a14:hiddenFill xmlns:a14="http://schemas.microsoft.com/office/drawing/2010/main">
+                <a:solidFill>
+                  <a:srgbClr val="FFFFFF"/>
+                </a:solidFill>
+              </a14:hiddenFill>
+            </a:ext>
+          </a:extLst>
+        </p:spPr>
+        <p:txBody>
+          <a:bodyPr vert="horz" wrap="square" lIns="91440" tIns="45720" rIns="91440" bIns="45720" numCol="1" anchor="t" anchorCtr="0" compatLnSpc="1">
+            <a:prstTxWarp prst="textNoShape">
+              <a:avLst/>
+            </a:prstTxWarp>
+          </a:bodyPr>
+          <a:lstStyle/>
+          <a:p>
+            <a:endParaRPr lang="ko-KR" altLang="en-US"/>
+          </a:p>
+        </p:txBody>
+      </p:sp>
+      <p:pic>
+        <p:nvPicPr>
+          <p:cNvPr id="10" name="내용 개체 틀 9">
+            <a:extLst>
+              <a:ext uri="{FF2B5EF4-FFF2-40B4-BE49-F238E27FC236}">
+                <a16:creationId xmlns:a16="http://schemas.microsoft.com/office/drawing/2014/main" id="{87A21B1E-763A-4547-98AF-4B652EC8A60A}"/>
+              </a:ext>
+            </a:extLst>
+          </p:cNvPr>
+          <p:cNvPicPr>
+            <a:picLocks noGrp="1" noChangeAspect="1"/>
+          </p:cNvPicPr>
+          <p:nvPr>
+            <p:ph idx="1"/>
+          </p:nvPr>
+        </p:nvPicPr>
+        <p:blipFill>
+          <a:blip r:embed="rId2"/>
+          <a:stretch>
+            <a:fillRect/>
+          </a:stretch>
+        </p:blipFill>
+        <p:spPr>
+          <a:xfrm>
+            <a:off x="2413015" y="1611475"/>
+            <a:ext cx="7502771" cy="4688454"/>
+          </a:xfrm>
+          <a:prstGeom prst="rect">
+            <a:avLst/>
+          </a:prstGeom>
+        </p:spPr>
+      </p:pic>
+      <p:sp>
+        <p:nvSpPr>
+          <p:cNvPr id="11" name="직사각형 10">
+            <a:extLst>
+              <a:ext uri="{FF2B5EF4-FFF2-40B4-BE49-F238E27FC236}">
+                <a16:creationId xmlns:a16="http://schemas.microsoft.com/office/drawing/2014/main" id="{9879F7F6-A68E-481F-B034-EFF5A36B1827}"/>
+              </a:ext>
+            </a:extLst>
+          </p:cNvPr>
+          <p:cNvSpPr/>
+          <p:nvPr/>
+        </p:nvSpPr>
+        <p:spPr>
+          <a:xfrm>
+            <a:off x="113141" y="6620903"/>
+            <a:ext cx="12102518" cy="184666"/>
+          </a:xfrm>
+          <a:prstGeom prst="rect">
+            <a:avLst/>
+          </a:prstGeom>
+        </p:spPr>
+        <p:txBody>
+          <a:bodyPr wrap="square">
+            <a:spAutoFit/>
+          </a:bodyPr>
+          <a:lstStyle/>
+          <a:p>
+            <a:r>
+              <a:rPr lang="en-US" altLang="ko-KR" sz="600" b="1" dirty="0">
+                <a:solidFill>
+                  <a:srgbClr val="333132"/>
+                </a:solidFill>
+                <a:latin typeface="Proxima Nova Subset"/>
+              </a:rPr>
+              <a:t>Machine learning and big scientific data </a:t>
+            </a:r>
+            <a:r>
+              <a:rPr lang="en-US" altLang="ko-KR" sz="600" dirty="0">
+                <a:solidFill>
+                  <a:srgbClr val="000000"/>
+                </a:solidFill>
+                <a:latin typeface="Proxima Nova Subset"/>
+                <a:hlinkClick r:id="rId3" tooltip="Tony Hey"/>
+              </a:rPr>
+              <a:t>Tony Hey</a:t>
+            </a:r>
+            <a:r>
+              <a:rPr lang="en-US" altLang="ko-KR" sz="600" dirty="0">
+                <a:solidFill>
+                  <a:srgbClr val="000000"/>
+                </a:solidFill>
+                <a:latin typeface="Proxima Nova Subset"/>
+              </a:rPr>
+              <a:t> </a:t>
+            </a:r>
+            <a:r>
+              <a:rPr lang="en-US" altLang="ko-KR" sz="600" dirty="0">
+                <a:solidFill>
+                  <a:srgbClr val="333132"/>
+                </a:solidFill>
+                <a:latin typeface="Proxima Nova Subset"/>
+              </a:rPr>
+              <a:t>, </a:t>
+            </a:r>
+            <a:r>
+              <a:rPr lang="en-US" altLang="ko-KR" sz="600" dirty="0">
+                <a:solidFill>
+                  <a:srgbClr val="000000"/>
+                </a:solidFill>
+                <a:latin typeface="Proxima Nova Subset"/>
+                <a:hlinkClick r:id="rId3" tooltip="Keith Butler"/>
+              </a:rPr>
+              <a:t>Keith Butler</a:t>
+            </a:r>
+            <a:r>
+              <a:rPr lang="en-US" altLang="ko-KR" sz="600" dirty="0">
+                <a:solidFill>
+                  <a:srgbClr val="000000"/>
+                </a:solidFill>
+                <a:latin typeface="Proxima Nova Subset"/>
+              </a:rPr>
+              <a:t> </a:t>
+            </a:r>
+            <a:r>
+              <a:rPr lang="en-US" altLang="ko-KR" sz="600" dirty="0">
+                <a:solidFill>
+                  <a:srgbClr val="333132"/>
+                </a:solidFill>
+                <a:latin typeface="Proxima Nova Subset"/>
+              </a:rPr>
+              <a:t>, </a:t>
+            </a:r>
+            <a:r>
+              <a:rPr lang="en-US" altLang="ko-KR" sz="600" dirty="0">
+                <a:solidFill>
+                  <a:srgbClr val="000000"/>
+                </a:solidFill>
+                <a:latin typeface="Proxima Nova Subset"/>
+                <a:hlinkClick r:id="rId3" tooltip="Sam Jackson"/>
+              </a:rPr>
+              <a:t>Sam Jackson</a:t>
+            </a:r>
+            <a:r>
+              <a:rPr lang="en-US" altLang="ko-KR" sz="600" dirty="0">
+                <a:solidFill>
+                  <a:srgbClr val="000000"/>
+                </a:solidFill>
+                <a:latin typeface="Proxima Nova Subset"/>
+              </a:rPr>
+              <a:t> </a:t>
+            </a:r>
+            <a:r>
+              <a:rPr lang="en-US" altLang="ko-KR" sz="600" dirty="0">
+                <a:solidFill>
+                  <a:srgbClr val="333132"/>
+                </a:solidFill>
+                <a:latin typeface="Proxima Nova Subset"/>
+              </a:rPr>
+              <a:t>and </a:t>
+            </a:r>
+            <a:r>
+              <a:rPr lang="en-US" altLang="ko-KR" sz="600" dirty="0" err="1">
+                <a:solidFill>
+                  <a:srgbClr val="000000"/>
+                </a:solidFill>
+                <a:latin typeface="Proxima Nova Subset"/>
+                <a:hlinkClick r:id="rId3" tooltip="Jeyarajan Thiyagalingam"/>
+              </a:rPr>
+              <a:t>Jeyarajan</a:t>
+            </a:r>
+            <a:r>
+              <a:rPr lang="en-US" altLang="ko-KR" sz="600" dirty="0">
+                <a:solidFill>
+                  <a:srgbClr val="000000"/>
+                </a:solidFill>
+                <a:latin typeface="Proxima Nova Subset"/>
+                <a:hlinkClick r:id="rId3" tooltip="Jeyarajan Thiyagalingam"/>
+              </a:rPr>
+              <a:t> </a:t>
+            </a:r>
+            <a:r>
+              <a:rPr lang="en-US" altLang="ko-KR" sz="600" dirty="0" err="1">
+                <a:solidFill>
+                  <a:srgbClr val="000000"/>
+                </a:solidFill>
+                <a:latin typeface="Proxima Nova Subset"/>
+                <a:hlinkClick r:id="rId3" tooltip="Jeyarajan Thiyagalingam"/>
+              </a:rPr>
+              <a:t>Thiyagalingam</a:t>
+            </a:r>
+            <a:r>
+              <a:rPr lang="en-US" altLang="ko-KR" sz="600" dirty="0">
+                <a:solidFill>
+                  <a:srgbClr val="000000"/>
+                </a:solidFill>
+                <a:latin typeface="Proxima Nova Subset"/>
+              </a:rPr>
+              <a:t> </a:t>
+            </a:r>
+            <a:r>
+              <a:rPr lang="en-US" altLang="ko-KR" sz="600" dirty="0">
+                <a:solidFill>
+                  <a:srgbClr val="333132"/>
+                </a:solidFill>
+                <a:latin typeface="Proxima Nova Subset"/>
+              </a:rPr>
+              <a:t>Published:</a:t>
+            </a:r>
+            <a:r>
+              <a:rPr lang="en-US" altLang="ko-KR" sz="600" b="1" dirty="0">
+                <a:solidFill>
+                  <a:srgbClr val="333132"/>
+                </a:solidFill>
+                <a:latin typeface="Proxima Nova Subset"/>
+              </a:rPr>
+              <a:t>20 January 2020</a:t>
+            </a:r>
+            <a:endParaRPr lang="en-US" altLang="ko-KR" sz="600" b="0" i="0" dirty="0">
+              <a:solidFill>
+                <a:srgbClr val="333132"/>
+              </a:solidFill>
+              <a:effectLst/>
+              <a:latin typeface="Proxima Nova Subset"/>
+            </a:endParaRPr>
+          </a:p>
+        </p:txBody>
+      </p:sp>
+    </p:spTree>
+    <p:extLst>
+      <p:ext uri="{BB962C8B-B14F-4D97-AF65-F5344CB8AC3E}">
+        <p14:creationId xmlns:p14="http://schemas.microsoft.com/office/powerpoint/2010/main" val="1118936987"/>
+      </p:ext>
+    </p:extLst>
+  </p:cSld>
+  <p:clrMapOvr>
+    <a:masterClrMapping/>
+  </p:clrMapOvr>
+</p:sld>
+</file>
+
+<file path=ppt/slides/slide4.xml><?xml version="1.0" encoding="utf-8"?>
+<p:sld xmlns:a="http://schemas.openxmlformats.org/drawingml/2006/main" xmlns:r="http://schemas.openxmlformats.org/officeDocument/2006/relationships" xmlns:p="http://schemas.openxmlformats.org/presentationml/2006/main">
+  <p:cSld>
+    <p:spTree>
+      <p:nvGrpSpPr>
+        <p:cNvPr id="1" name=""/>
+        <p:cNvGrpSpPr/>
+        <p:nvPr/>
+      </p:nvGrpSpPr>
+      <p:grpSpPr>
+        <a:xfrm>
+          <a:off x="0" y="0"/>
+          <a:ext cx="0" cy="0"/>
+          <a:chOff x="0" y="0"/>
+          <a:chExt cx="0" cy="0"/>
+        </a:xfrm>
+      </p:grpSpPr>
+      <p:sp>
+        <p:nvSpPr>
+          <p:cNvPr id="2" name="제목 1">
+            <a:extLst>
+              <a:ext uri="{FF2B5EF4-FFF2-40B4-BE49-F238E27FC236}">
+                <a16:creationId xmlns:a16="http://schemas.microsoft.com/office/drawing/2014/main" id="{A9A7CCC1-3A7F-4618-84CE-B095DA748B69}"/>
+              </a:ext>
+            </a:extLst>
+          </p:cNvPr>
+          <p:cNvSpPr>
+            <a:spLocks noGrp="1"/>
+          </p:cNvSpPr>
+          <p:nvPr>
+            <p:ph type="title"/>
+          </p:nvPr>
+        </p:nvSpPr>
+        <p:spPr/>
+        <p:txBody>
+          <a:bodyPr>
+            <a:normAutofit/>
+          </a:bodyPr>
+          <a:lstStyle/>
+          <a:p>
+            <a:pPr algn="ctr"/>
+            <a:r>
+              <a:rPr lang="en-US" altLang="ko-KR" sz="2400" dirty="0"/>
+              <a:t>Number of publications in dependence </a:t>
+            </a:r>
+            <a:br>
+              <a:rPr lang="en-US" altLang="ko-KR" sz="2400" dirty="0"/>
+            </a:br>
+            <a:r>
+              <a:rPr lang="en-US" altLang="ko-KR" sz="2400" dirty="0"/>
+              <a:t>on the publication year for DL, deep learning;</a:t>
+            </a:r>
+            <a:endParaRPr lang="ko-KR" altLang="en-US" sz="2400" dirty="0"/>
+          </a:p>
+        </p:txBody>
+      </p:sp>
+      <p:pic>
+        <p:nvPicPr>
+          <p:cNvPr id="10242" name="Picture 2">
+            <a:extLst>
+              <a:ext uri="{FF2B5EF4-FFF2-40B4-BE49-F238E27FC236}">
+                <a16:creationId xmlns:a16="http://schemas.microsoft.com/office/drawing/2014/main" id="{E95F5A67-0967-4E5E-953C-F657D643C7A5}"/>
+              </a:ext>
+            </a:extLst>
+          </p:cNvPr>
+          <p:cNvPicPr>
+            <a:picLocks noGrp="1" noChangeAspect="1" noChangeArrowheads="1"/>
+          </p:cNvPicPr>
+          <p:nvPr>
+            <p:ph idx="1"/>
+          </p:nvPr>
+        </p:nvPicPr>
+        <p:blipFill>
+          <a:blip r:embed="rId2">
+            <a:extLst>
+              <a:ext uri="{28A0092B-C50C-407E-A947-70E740481C1C}">
+                <a14:useLocalDpi xmlns:a14="http://schemas.microsoft.com/office/drawing/2010/main" val="0"/>
+              </a:ext>
+            </a:extLst>
+          </a:blip>
+          <a:srcRect/>
+          <a:stretch>
+            <a:fillRect/>
+          </a:stretch>
+        </p:blipFill>
+        <p:spPr bwMode="auto">
+          <a:xfrm>
+            <a:off x="2838450" y="1999798"/>
+            <a:ext cx="6515100" cy="3860800"/>
+          </a:xfrm>
+          <a:prstGeom prst="rect">
+            <a:avLst/>
+          </a:prstGeom>
+          <a:noFill/>
+          <a:extLst>
+            <a:ext uri="{909E8E84-426E-40DD-AFC4-6F175D3DCCD1}">
+              <a14:hiddenFill xmlns:a14="http://schemas.microsoft.com/office/drawing/2010/main">
+                <a:solidFill>
+                  <a:srgbClr val="FFFFFF"/>
+                </a:solidFill>
+              </a14:hiddenFill>
+            </a:ext>
+          </a:extLst>
+        </p:spPr>
+      </p:pic>
+      <p:sp>
+        <p:nvSpPr>
+          <p:cNvPr id="4" name="직사각형 3">
+            <a:extLst>
+              <a:ext uri="{FF2B5EF4-FFF2-40B4-BE49-F238E27FC236}">
+                <a16:creationId xmlns:a16="http://schemas.microsoft.com/office/drawing/2014/main" id="{789A4F46-E1D4-4BDC-8378-7CD634AD66DB}"/>
+              </a:ext>
+            </a:extLst>
+          </p:cNvPr>
+          <p:cNvSpPr/>
+          <p:nvPr/>
+        </p:nvSpPr>
+        <p:spPr>
+          <a:xfrm>
+            <a:off x="89042" y="6169709"/>
+            <a:ext cx="12102957" cy="261610"/>
+          </a:xfrm>
+          <a:prstGeom prst="rect">
+            <a:avLst/>
+          </a:prstGeom>
+        </p:spPr>
+        <p:txBody>
+          <a:bodyPr wrap="square">
+            <a:spAutoFit/>
+          </a:bodyPr>
+          <a:lstStyle/>
+          <a:p>
+            <a:pPr algn="ctr"/>
+            <a:r>
+              <a:rPr lang="en-US" altLang="ko-KR" sz="1100" dirty="0">
+                <a:hlinkClick r:id="rId3"/>
+              </a:rPr>
+              <a:t>Frontiers | An Introductory Review of Deep Learning for Prediction Models With Big Data (frontiersin.org)</a:t>
+            </a:r>
+            <a:endParaRPr lang="ko-KR" altLang="en-US" sz="1100" dirty="0"/>
+          </a:p>
+        </p:txBody>
+      </p:sp>
+    </p:spTree>
+    <p:extLst>
+      <p:ext uri="{BB962C8B-B14F-4D97-AF65-F5344CB8AC3E}">
+        <p14:creationId xmlns:p14="http://schemas.microsoft.com/office/powerpoint/2010/main" val="2013402916"/>
+      </p:ext>
+    </p:extLst>
+  </p:cSld>
+  <p:clrMapOvr>
+    <a:masterClrMapping/>
+  </p:clrMapOvr>
+</p:sld>
+</file>
+
+<file path=ppt/slides/slide5.xml><?xml version="1.0" encoding="utf-8"?>
+<p:sld xmlns:a="http://schemas.openxmlformats.org/drawingml/2006/main" xmlns:r="http://schemas.openxmlformats.org/officeDocument/2006/relationships" xmlns:p="http://schemas.openxmlformats.org/presentationml/2006/main">
+  <p:cSld>
+    <p:spTree>
+      <p:nvGrpSpPr>
+        <p:cNvPr id="1" name=""/>
+        <p:cNvGrpSpPr/>
+        <p:nvPr/>
+      </p:nvGrpSpPr>
+      <p:grpSpPr>
+        <a:xfrm>
+          <a:off x="0" y="0"/>
+          <a:ext cx="0" cy="0"/>
+          <a:chOff x="0" y="0"/>
+          <a:chExt cx="0" cy="0"/>
+        </a:xfrm>
+      </p:grpSpPr>
+      <p:sp>
+        <p:nvSpPr>
+          <p:cNvPr id="2" name="제목 1">
+            <a:extLst>
+              <a:ext uri="{FF2B5EF4-FFF2-40B4-BE49-F238E27FC236}">
+                <a16:creationId xmlns:a16="http://schemas.microsoft.com/office/drawing/2014/main" id="{A0F7A97A-9677-4628-B5DA-A9F8E8C16FEE}"/>
+              </a:ext>
+            </a:extLst>
+          </p:cNvPr>
+          <p:cNvSpPr>
+            <a:spLocks noGrp="1"/>
+          </p:cNvSpPr>
+          <p:nvPr>
+            <p:ph type="title"/>
+          </p:nvPr>
+        </p:nvSpPr>
+        <p:spPr/>
+        <p:txBody>
+          <a:bodyPr>
+            <a:normAutofit/>
+          </a:bodyPr>
+          <a:lstStyle/>
+          <a:p>
+            <a:pPr algn="ctr"/>
+            <a:r>
+              <a:rPr lang="en-US" altLang="ko-KR" sz="1200" dirty="0"/>
+              <a:t>Error rate in the </a:t>
+            </a:r>
+            <a:r>
+              <a:rPr lang="en-US" altLang="ko-KR" sz="2200" dirty="0"/>
+              <a:t>ImageNet Large Scale Visual Recognition Challenge. </a:t>
+            </a:r>
+            <a:r>
+              <a:rPr lang="en-US" altLang="ko-KR" sz="500" dirty="0"/>
+              <a:t>Data for AI performance from </a:t>
+            </a:r>
+            <a:r>
+              <a:rPr lang="en-US" altLang="ko-KR" sz="500" dirty="0" err="1"/>
+              <a:t>Shoham</a:t>
+            </a:r>
+            <a:r>
+              <a:rPr lang="en-US" altLang="ko-KR" sz="500" dirty="0"/>
+              <a:t> et al. (2018, p. 90), for human performance from </a:t>
+            </a:r>
+            <a:r>
+              <a:rPr lang="en-US" altLang="ko-KR" sz="500" dirty="0" err="1"/>
+              <a:t>Russakovsky</a:t>
+            </a:r>
+            <a:r>
+              <a:rPr lang="en-US" altLang="ko-KR" sz="500" dirty="0"/>
+              <a:t> et al. (2015, pp. 241&amp;242).</a:t>
+            </a:r>
+            <a:br>
+              <a:rPr lang="en-US" altLang="ko-KR" sz="1000" dirty="0"/>
+            </a:br>
+            <a:endParaRPr lang="ko-KR" altLang="en-US" dirty="0"/>
+          </a:p>
+        </p:txBody>
+      </p:sp>
+      <p:pic>
+        <p:nvPicPr>
+          <p:cNvPr id="7" name="내용 개체 틀 6">
+            <a:extLst>
+              <a:ext uri="{FF2B5EF4-FFF2-40B4-BE49-F238E27FC236}">
+                <a16:creationId xmlns:a16="http://schemas.microsoft.com/office/drawing/2014/main" id="{B5156492-3148-4F0E-9ED8-775A6E978ACA}"/>
+              </a:ext>
+            </a:extLst>
+          </p:cNvPr>
+          <p:cNvPicPr>
+            <a:picLocks noGrp="1" noChangeAspect="1"/>
+          </p:cNvPicPr>
+          <p:nvPr>
+            <p:ph idx="1"/>
+          </p:nvPr>
+        </p:nvPicPr>
+        <p:blipFill>
+          <a:blip r:embed="rId2">
+            <a:extLst>
+              <a:ext uri="{28A0092B-C50C-407E-A947-70E740481C1C}">
+                <a14:useLocalDpi xmlns:a14="http://schemas.microsoft.com/office/drawing/2010/main" val="0"/>
+              </a:ext>
+            </a:extLst>
+          </a:blip>
+          <a:stretch>
+            <a:fillRect/>
+          </a:stretch>
+        </p:blipFill>
+        <p:spPr bwMode="auto">
+          <a:xfrm>
+            <a:off x="1299207" y="1933969"/>
+            <a:ext cx="10054593" cy="3678798"/>
+          </a:xfrm>
+          <a:prstGeom prst="rect">
+            <a:avLst/>
+          </a:prstGeom>
+          <a:noFill/>
+          <a:extLst>
+            <a:ext uri="{909E8E84-426E-40DD-AFC4-6F175D3DCCD1}">
+              <a14:hiddenFill xmlns:a14="http://schemas.microsoft.com/office/drawing/2010/main">
+                <a:solidFill>
+                  <a:srgbClr val="FFFFFF"/>
+                </a:solidFill>
+              </a14:hiddenFill>
+            </a:ext>
+          </a:extLst>
+        </p:spPr>
+      </p:pic>
+    </p:spTree>
+    <p:extLst>
+      <p:ext uri="{BB962C8B-B14F-4D97-AF65-F5344CB8AC3E}">
+        <p14:creationId xmlns:p14="http://schemas.microsoft.com/office/powerpoint/2010/main" val="3403398167"/>
+      </p:ext>
+    </p:extLst>
+  </p:cSld>
+  <p:clrMapOvr>
+    <a:masterClrMapping/>
+  </p:clrMapOvr>
+</p:sld>
+</file>
+
+<file path=ppt/slides/slide6.xml><?xml version="1.0" encoding="utf-8"?>
+<p:sld xmlns:a="http://schemas.openxmlformats.org/drawingml/2006/main" xmlns:r="http://schemas.openxmlformats.org/officeDocument/2006/relationships" xmlns:p="http://schemas.openxmlformats.org/presentationml/2006/main">
+  <p:cSld>
+    <p:spTree>
+      <p:nvGrpSpPr>
+        <p:cNvPr id="1" name=""/>
+        <p:cNvGrpSpPr/>
+        <p:nvPr/>
+      </p:nvGrpSpPr>
+      <p:grpSpPr>
+        <a:xfrm>
+          <a:off x="0" y="0"/>
+          <a:ext cx="0" cy="0"/>
+          <a:chOff x="0" y="0"/>
+          <a:chExt cx="0" cy="0"/>
+        </a:xfrm>
+      </p:grpSpPr>
+      <p:sp>
+        <p:nvSpPr>
+          <p:cNvPr id="2" name="제목 1">
+            <a:extLst>
+              <a:ext uri="{FF2B5EF4-FFF2-40B4-BE49-F238E27FC236}">
                 <a16:creationId xmlns:a16="http://schemas.microsoft.com/office/drawing/2014/main" id="{2D519A7D-D7F1-4736-B840-FEFC10711E32}"/>
               </a:ext>
             </a:extLst>
@@ -4776,7 +5026,7 @@
 </p:sld>
 </file>
 
-<file path=ppt/slides/slide4.xml><?xml version="1.0" encoding="utf-8"?>
+<file path=ppt/slides/slide7.xml><?xml version="1.0" encoding="utf-8"?>
 <p:sld xmlns:a="http://schemas.openxmlformats.org/drawingml/2006/main" xmlns:r="http://schemas.openxmlformats.org/officeDocument/2006/relationships" xmlns:p="http://schemas.openxmlformats.org/presentationml/2006/main">
   <p:cSld>
     <p:spTree>
@@ -4951,7 +5201,7 @@
 </p:sld>
 </file>
 
-<file path=ppt/slides/slide5.xml><?xml version="1.0" encoding="utf-8"?>
+<file path=ppt/slides/slide8.xml><?xml version="1.0" encoding="utf-8"?>
 <p:sld xmlns:a="http://schemas.openxmlformats.org/drawingml/2006/main" xmlns:r="http://schemas.openxmlformats.org/officeDocument/2006/relationships" xmlns:p="http://schemas.openxmlformats.org/presentationml/2006/main">
   <p:cSld>
     <p:spTree>
@@ -5059,7 +5309,7 @@
 </p:sld>
 </file>
 
-<file path=ppt/slides/slide6.xml><?xml version="1.0" encoding="utf-8"?>
+<file path=ppt/slides/slide9.xml><?xml version="1.0" encoding="utf-8"?>
 <p:sld xmlns:a="http://schemas.openxmlformats.org/drawingml/2006/main" xmlns:r="http://schemas.openxmlformats.org/officeDocument/2006/relationships" xmlns:p="http://schemas.openxmlformats.org/presentationml/2006/main">
   <p:cSld>
     <p:spTree>
@@ -5158,243 +5408,6 @@
     <p:extLst>
       <p:ext uri="{BB962C8B-B14F-4D97-AF65-F5344CB8AC3E}">
         <p14:creationId xmlns:p14="http://schemas.microsoft.com/office/powerpoint/2010/main" val="1105603061"/>
-      </p:ext>
-    </p:extLst>
-  </p:cSld>
-  <p:clrMapOvr>
-    <a:masterClrMapping/>
-  </p:clrMapOvr>
-</p:sld>
-</file>
-
-<file path=ppt/slides/slide7.xml><?xml version="1.0" encoding="utf-8"?>
-<p:sld xmlns:a="http://schemas.openxmlformats.org/drawingml/2006/main" xmlns:r="http://schemas.openxmlformats.org/officeDocument/2006/relationships" xmlns:p="http://schemas.openxmlformats.org/presentationml/2006/main">
-  <p:cSld>
-    <p:spTree>
-      <p:nvGrpSpPr>
-        <p:cNvPr id="1" name=""/>
-        <p:cNvGrpSpPr/>
-        <p:nvPr/>
-      </p:nvGrpSpPr>
-      <p:grpSpPr>
-        <a:xfrm>
-          <a:off x="0" y="0"/>
-          <a:ext cx="0" cy="0"/>
-          <a:chOff x="0" y="0"/>
-          <a:chExt cx="0" cy="0"/>
-        </a:xfrm>
-      </p:grpSpPr>
-      <p:pic>
-        <p:nvPicPr>
-          <p:cNvPr id="6146" name="Picture 2">
-            <a:extLst>
-              <a:ext uri="{FF2B5EF4-FFF2-40B4-BE49-F238E27FC236}">
-                <a16:creationId xmlns:a16="http://schemas.microsoft.com/office/drawing/2014/main" id="{6913617A-6A80-409A-A9D3-5A38693C3C6F}"/>
-              </a:ext>
-            </a:extLst>
-          </p:cNvPr>
-          <p:cNvPicPr>
-            <a:picLocks noGrp="1" noChangeAspect="1" noChangeArrowheads="1"/>
-          </p:cNvPicPr>
-          <p:nvPr>
-            <p:ph idx="1"/>
-          </p:nvPr>
-        </p:nvPicPr>
-        <p:blipFill>
-          <a:blip r:embed="rId2">
-            <a:extLst>
-              <a:ext uri="{28A0092B-C50C-407E-A947-70E740481C1C}">
-                <a14:useLocalDpi xmlns:a14="http://schemas.microsoft.com/office/drawing/2010/main" val="0"/>
-              </a:ext>
-            </a:extLst>
-          </a:blip>
-          <a:srcRect/>
-          <a:stretch>
-            <a:fillRect/>
-          </a:stretch>
-        </p:blipFill>
-        <p:spPr bwMode="auto">
-          <a:xfrm>
-            <a:off x="1474097" y="810491"/>
-            <a:ext cx="9799013" cy="5511945"/>
-          </a:xfrm>
-          <a:prstGeom prst="rect">
-            <a:avLst/>
-          </a:prstGeom>
-          <a:noFill/>
-          <a:extLst>
-            <a:ext uri="{909E8E84-426E-40DD-AFC4-6F175D3DCCD1}">
-              <a14:hiddenFill xmlns:a14="http://schemas.microsoft.com/office/drawing/2010/main">
-                <a:solidFill>
-                  <a:srgbClr val="FFFFFF"/>
-                </a:solidFill>
-              </a14:hiddenFill>
-            </a:ext>
-          </a:extLst>
-        </p:spPr>
-      </p:pic>
-    </p:spTree>
-    <p:extLst>
-      <p:ext uri="{BB962C8B-B14F-4D97-AF65-F5344CB8AC3E}">
-        <p14:creationId xmlns:p14="http://schemas.microsoft.com/office/powerpoint/2010/main" val="1428894077"/>
-      </p:ext>
-    </p:extLst>
-  </p:cSld>
-  <p:clrMapOvr>
-    <a:masterClrMapping/>
-  </p:clrMapOvr>
-</p:sld>
-</file>
-
-<file path=ppt/slides/slide8.xml><?xml version="1.0" encoding="utf-8"?>
-<p:sld xmlns:a="http://schemas.openxmlformats.org/drawingml/2006/main" xmlns:r="http://schemas.openxmlformats.org/officeDocument/2006/relationships" xmlns:p="http://schemas.openxmlformats.org/presentationml/2006/main">
-  <p:cSld>
-    <p:spTree>
-      <p:nvGrpSpPr>
-        <p:cNvPr id="1" name=""/>
-        <p:cNvGrpSpPr/>
-        <p:nvPr/>
-      </p:nvGrpSpPr>
-      <p:grpSpPr>
-        <a:xfrm>
-          <a:off x="0" y="0"/>
-          <a:ext cx="0" cy="0"/>
-          <a:chOff x="0" y="0"/>
-          <a:chExt cx="0" cy="0"/>
-        </a:xfrm>
-      </p:grpSpPr>
-      <p:pic>
-        <p:nvPicPr>
-          <p:cNvPr id="7170" name="Picture 2" descr="Future Internet | Free Full-Text | Predicting Dog Emotions Based on Posture  Analysis Using DeepLabCut">
-            <a:extLst>
-              <a:ext uri="{FF2B5EF4-FFF2-40B4-BE49-F238E27FC236}">
-                <a16:creationId xmlns:a16="http://schemas.microsoft.com/office/drawing/2014/main" id="{8E62A480-36E6-4063-922A-82A61180D5A9}"/>
-              </a:ext>
-            </a:extLst>
-          </p:cNvPr>
-          <p:cNvPicPr>
-            <a:picLocks noGrp="1" noChangeAspect="1" noChangeArrowheads="1"/>
-          </p:cNvPicPr>
-          <p:nvPr>
-            <p:ph idx="1"/>
-          </p:nvPr>
-        </p:nvPicPr>
-        <p:blipFill>
-          <a:blip r:embed="rId2">
-            <a:extLst>
-              <a:ext uri="{28A0092B-C50C-407E-A947-70E740481C1C}">
-                <a14:useLocalDpi xmlns:a14="http://schemas.microsoft.com/office/drawing/2010/main" val="0"/>
-              </a:ext>
-            </a:extLst>
-          </a:blip>
-          <a:srcRect/>
-          <a:stretch>
-            <a:fillRect/>
-          </a:stretch>
-        </p:blipFill>
-        <p:spPr bwMode="auto">
-          <a:xfrm>
-            <a:off x="2005446" y="108374"/>
-            <a:ext cx="7684714" cy="6006244"/>
-          </a:xfrm>
-          <a:prstGeom prst="rect">
-            <a:avLst/>
-          </a:prstGeom>
-          <a:noFill/>
-          <a:extLst>
-            <a:ext uri="{909E8E84-426E-40DD-AFC4-6F175D3DCCD1}">
-              <a14:hiddenFill xmlns:a14="http://schemas.microsoft.com/office/drawing/2010/main">
-                <a:solidFill>
-                  <a:srgbClr val="FFFFFF"/>
-                </a:solidFill>
-              </a14:hiddenFill>
-            </a:ext>
-          </a:extLst>
-        </p:spPr>
-      </p:pic>
-    </p:spTree>
-    <p:extLst>
-      <p:ext uri="{BB962C8B-B14F-4D97-AF65-F5344CB8AC3E}">
-        <p14:creationId xmlns:p14="http://schemas.microsoft.com/office/powerpoint/2010/main" val="2515599592"/>
-      </p:ext>
-    </p:extLst>
-  </p:cSld>
-  <p:clrMapOvr>
-    <a:masterClrMapping/>
-  </p:clrMapOvr>
-</p:sld>
-</file>
-
-<file path=ppt/slides/slide9.xml><?xml version="1.0" encoding="utf-8"?>
-<p:sld xmlns:a="http://schemas.openxmlformats.org/drawingml/2006/main" xmlns:r="http://schemas.openxmlformats.org/officeDocument/2006/relationships" xmlns:p="http://schemas.openxmlformats.org/presentationml/2006/main">
-  <p:cSld>
-    <p:spTree>
-      <p:nvGrpSpPr>
-        <p:cNvPr id="1" name=""/>
-        <p:cNvGrpSpPr/>
-        <p:nvPr/>
-      </p:nvGrpSpPr>
-      <p:grpSpPr>
-        <a:xfrm>
-          <a:off x="0" y="0"/>
-          <a:ext cx="0" cy="0"/>
-          <a:chOff x="0" y="0"/>
-          <a:chExt cx="0" cy="0"/>
-        </a:xfrm>
-      </p:grpSpPr>
-      <p:pic>
-        <p:nvPicPr>
-          <p:cNvPr id="8194" name="Picture 2" descr="An analysis on computer vision problems | by Shravan Murali | Shravan's  Blog | Medium">
-            <a:extLst>
-              <a:ext uri="{FF2B5EF4-FFF2-40B4-BE49-F238E27FC236}">
-                <a16:creationId xmlns:a16="http://schemas.microsoft.com/office/drawing/2014/main" id="{0CB1F4C2-2CD5-4C17-BC44-BABD1D165316}"/>
-              </a:ext>
-            </a:extLst>
-          </p:cNvPr>
-          <p:cNvPicPr>
-            <a:picLocks noGrp="1" noChangeAspect="1" noChangeArrowheads="1"/>
-          </p:cNvPicPr>
-          <p:nvPr>
-            <p:ph idx="1"/>
-          </p:nvPr>
-        </p:nvPicPr>
-        <p:blipFill>
-          <a:blip r:embed="rId2">
-            <a:extLst>
-              <a:ext uri="{28A0092B-C50C-407E-A947-70E740481C1C}">
-                <a14:useLocalDpi xmlns:a14="http://schemas.microsoft.com/office/drawing/2010/main" val="0"/>
-              </a:ext>
-            </a:extLst>
-          </a:blip>
-          <a:srcRect/>
-          <a:stretch>
-            <a:fillRect/>
-          </a:stretch>
-        </p:blipFill>
-        <p:spPr bwMode="auto">
-          <a:xfrm>
-            <a:off x="1670292" y="444427"/>
-            <a:ext cx="8549969" cy="5969145"/>
-          </a:xfrm>
-          <a:prstGeom prst="rect">
-            <a:avLst/>
-          </a:prstGeom>
-          <a:noFill/>
-          <a:extLst>
-            <a:ext uri="{909E8E84-426E-40DD-AFC4-6F175D3DCCD1}">
-              <a14:hiddenFill xmlns:a14="http://schemas.microsoft.com/office/drawing/2010/main">
-                <a:solidFill>
-                  <a:srgbClr val="FFFFFF"/>
-                </a:solidFill>
-              </a14:hiddenFill>
-            </a:ext>
-          </a:extLst>
-        </p:spPr>
-      </p:pic>
-    </p:spTree>
-    <p:extLst>
-      <p:ext uri="{BB962C8B-B14F-4D97-AF65-F5344CB8AC3E}">
-        <p14:creationId xmlns:p14="http://schemas.microsoft.com/office/powerpoint/2010/main" val="225178533"/>
       </p:ext>
     </p:extLst>
   </p:cSld>

--- a/AI_03_Machinelearning vs Deep learning.pptx
+++ b/AI_03_Machinelearning vs Deep learning.pptx
@@ -5,21 +5,22 @@
     <p:sldMasterId id="2147483648" r:id="rId1"/>
   </p:sldMasterIdLst>
   <p:sldIdLst>
-    <p:sldId id="272" r:id="rId2"/>
-    <p:sldId id="295" r:id="rId3"/>
-    <p:sldId id="326" r:id="rId4"/>
-    <p:sldId id="324" r:id="rId5"/>
-    <p:sldId id="327" r:id="rId6"/>
-    <p:sldId id="309" r:id="rId7"/>
-    <p:sldId id="298" r:id="rId8"/>
-    <p:sldId id="280" r:id="rId9"/>
-    <p:sldId id="279" r:id="rId10"/>
-    <p:sldId id="312" r:id="rId11"/>
-    <p:sldId id="313" r:id="rId12"/>
-    <p:sldId id="314" r:id="rId13"/>
-    <p:sldId id="335" r:id="rId14"/>
-    <p:sldId id="315" r:id="rId15"/>
-    <p:sldId id="320" r:id="rId16"/>
+    <p:sldId id="356" r:id="rId2"/>
+    <p:sldId id="272" r:id="rId3"/>
+    <p:sldId id="295" r:id="rId4"/>
+    <p:sldId id="326" r:id="rId5"/>
+    <p:sldId id="324" r:id="rId6"/>
+    <p:sldId id="327" r:id="rId7"/>
+    <p:sldId id="309" r:id="rId8"/>
+    <p:sldId id="298" r:id="rId9"/>
+    <p:sldId id="280" r:id="rId10"/>
+    <p:sldId id="279" r:id="rId11"/>
+    <p:sldId id="312" r:id="rId12"/>
+    <p:sldId id="313" r:id="rId13"/>
+    <p:sldId id="314" r:id="rId14"/>
+    <p:sldId id="335" r:id="rId15"/>
+    <p:sldId id="315" r:id="rId16"/>
+    <p:sldId id="320" r:id="rId17"/>
   </p:sldIdLst>
   <p:sldSz cx="12192000" cy="6858000"/>
   <p:notesSz cx="6858000" cy="9144000"/>
@@ -273,7 +274,7 @@
           <a:p>
             <a:fld id="{24D693C2-0685-4A15-9C94-CCA567D461A1}" type="datetimeFigureOut">
               <a:rPr lang="ko-KR" altLang="en-US" smtClean="0"/>
-              <a:t>2023-07-15</a:t>
+              <a:t>2023-07-20</a:t>
             </a:fld>
             <a:endParaRPr lang="ko-KR" altLang="en-US"/>
           </a:p>
@@ -471,7 +472,7 @@
           <a:p>
             <a:fld id="{24D693C2-0685-4A15-9C94-CCA567D461A1}" type="datetimeFigureOut">
               <a:rPr lang="ko-KR" altLang="en-US" smtClean="0"/>
-              <a:t>2023-07-15</a:t>
+              <a:t>2023-07-20</a:t>
             </a:fld>
             <a:endParaRPr lang="ko-KR" altLang="en-US"/>
           </a:p>
@@ -679,7 +680,7 @@
           <a:p>
             <a:fld id="{24D693C2-0685-4A15-9C94-CCA567D461A1}" type="datetimeFigureOut">
               <a:rPr lang="ko-KR" altLang="en-US" smtClean="0"/>
-              <a:t>2023-07-15</a:t>
+              <a:t>2023-07-20</a:t>
             </a:fld>
             <a:endParaRPr lang="ko-KR" altLang="en-US"/>
           </a:p>
@@ -877,7 +878,7 @@
           <a:p>
             <a:fld id="{24D693C2-0685-4A15-9C94-CCA567D461A1}" type="datetimeFigureOut">
               <a:rPr lang="ko-KR" altLang="en-US" smtClean="0"/>
-              <a:t>2023-07-15</a:t>
+              <a:t>2023-07-20</a:t>
             </a:fld>
             <a:endParaRPr lang="ko-KR" altLang="en-US"/>
           </a:p>
@@ -1152,7 +1153,7 @@
           <a:p>
             <a:fld id="{24D693C2-0685-4A15-9C94-CCA567D461A1}" type="datetimeFigureOut">
               <a:rPr lang="ko-KR" altLang="en-US" smtClean="0"/>
-              <a:t>2023-07-15</a:t>
+              <a:t>2023-07-20</a:t>
             </a:fld>
             <a:endParaRPr lang="ko-KR" altLang="en-US"/>
           </a:p>
@@ -1417,7 +1418,7 @@
           <a:p>
             <a:fld id="{24D693C2-0685-4A15-9C94-CCA567D461A1}" type="datetimeFigureOut">
               <a:rPr lang="ko-KR" altLang="en-US" smtClean="0"/>
-              <a:t>2023-07-15</a:t>
+              <a:t>2023-07-20</a:t>
             </a:fld>
             <a:endParaRPr lang="ko-KR" altLang="en-US"/>
           </a:p>
@@ -1829,7 +1830,7 @@
           <a:p>
             <a:fld id="{24D693C2-0685-4A15-9C94-CCA567D461A1}" type="datetimeFigureOut">
               <a:rPr lang="ko-KR" altLang="en-US" smtClean="0"/>
-              <a:t>2023-07-15</a:t>
+              <a:t>2023-07-20</a:t>
             </a:fld>
             <a:endParaRPr lang="ko-KR" altLang="en-US"/>
           </a:p>
@@ -1970,7 +1971,7 @@
           <a:p>
             <a:fld id="{24D693C2-0685-4A15-9C94-CCA567D461A1}" type="datetimeFigureOut">
               <a:rPr lang="ko-KR" altLang="en-US" smtClean="0"/>
-              <a:t>2023-07-15</a:t>
+              <a:t>2023-07-20</a:t>
             </a:fld>
             <a:endParaRPr lang="ko-KR" altLang="en-US"/>
           </a:p>
@@ -2083,7 +2084,7 @@
           <a:p>
             <a:fld id="{24D693C2-0685-4A15-9C94-CCA567D461A1}" type="datetimeFigureOut">
               <a:rPr lang="ko-KR" altLang="en-US" smtClean="0"/>
-              <a:t>2023-07-15</a:t>
+              <a:t>2023-07-20</a:t>
             </a:fld>
             <a:endParaRPr lang="ko-KR" altLang="en-US"/>
           </a:p>
@@ -2394,7 +2395,7 @@
           <a:p>
             <a:fld id="{24D693C2-0685-4A15-9C94-CCA567D461A1}" type="datetimeFigureOut">
               <a:rPr lang="ko-KR" altLang="en-US" smtClean="0"/>
-              <a:t>2023-07-15</a:t>
+              <a:t>2023-07-20</a:t>
             </a:fld>
             <a:endParaRPr lang="ko-KR" altLang="en-US"/>
           </a:p>
@@ -2682,7 +2683,7 @@
           <a:p>
             <a:fld id="{24D693C2-0685-4A15-9C94-CCA567D461A1}" type="datetimeFigureOut">
               <a:rPr lang="ko-KR" altLang="en-US" smtClean="0"/>
-              <a:t>2023-07-15</a:t>
+              <a:t>2023-07-20</a:t>
             </a:fld>
             <a:endParaRPr lang="ko-KR" altLang="en-US"/>
           </a:p>
@@ -2923,7 +2924,7 @@
           <a:p>
             <a:fld id="{24D693C2-0685-4A15-9C94-CCA567D461A1}" type="datetimeFigureOut">
               <a:rPr lang="ko-KR" altLang="en-US" smtClean="0"/>
-              <a:t>2023-07-15</a:t>
+              <a:t>2023-07-20</a:t>
             </a:fld>
             <a:endParaRPr lang="ko-KR" altLang="en-US"/>
           </a:p>
@@ -3340,59 +3341,1474 @@
           <a:chExt cx="0" cy="0"/>
         </a:xfrm>
       </p:grpSpPr>
-      <p:pic>
-        <p:nvPicPr>
-          <p:cNvPr id="9218" name="Picture 2" descr="Dispelling Myths: Deep Learning vs. Machine Learning">
-            <a:extLst>
-              <a:ext uri="{FF2B5EF4-FFF2-40B4-BE49-F238E27FC236}">
-                <a16:creationId xmlns:a16="http://schemas.microsoft.com/office/drawing/2014/main" id="{E7650AF9-6EBB-4661-891D-DF32EDE03EB6}"/>
-              </a:ext>
-            </a:extLst>
-          </p:cNvPr>
-          <p:cNvPicPr>
-            <a:picLocks noGrp="1" noChangeAspect="1" noChangeArrowheads="1"/>
-          </p:cNvPicPr>
-          <p:nvPr>
-            <p:ph idx="1"/>
-          </p:nvPr>
-        </p:nvPicPr>
-        <p:blipFill>
-          <a:blip r:embed="rId2">
-            <a:extLst>
-              <a:ext uri="{28A0092B-C50C-407E-A947-70E740481C1C}">
-                <a14:useLocalDpi xmlns:a14="http://schemas.microsoft.com/office/drawing/2010/main" val="0"/>
-              </a:ext>
-            </a:extLst>
-          </a:blip>
-          <a:srcRect/>
-          <a:stretch>
-            <a:fillRect/>
-          </a:stretch>
-        </p:blipFill>
-        <p:spPr bwMode="auto">
+      <p:sp>
+        <p:nvSpPr>
+          <p:cNvPr id="4" name="직사각형 3">
+            <a:extLst>
+              <a:ext uri="{FF2B5EF4-FFF2-40B4-BE49-F238E27FC236}">
+                <a16:creationId xmlns:a16="http://schemas.microsoft.com/office/drawing/2014/main" id="{03369733-1D7A-413E-ACA1-18D6B4C2A308}"/>
+              </a:ext>
+            </a:extLst>
+          </p:cNvPr>
+          <p:cNvSpPr/>
+          <p:nvPr/>
+        </p:nvSpPr>
+        <p:spPr>
           <a:xfrm>
-            <a:off x="0" y="306784"/>
-            <a:ext cx="12111832" cy="6055916"/>
+            <a:off x="3102220" y="1138601"/>
+            <a:ext cx="1776046" cy="465993"/>
           </a:xfrm>
           <a:prstGeom prst="rect">
             <a:avLst/>
           </a:prstGeom>
-          <a:noFill/>
-          <a:extLst>
-            <a:ext uri="{909E8E84-426E-40DD-AFC4-6F175D3DCCD1}">
-              <a14:hiddenFill xmlns:a14="http://schemas.microsoft.com/office/drawing/2010/main">
-                <a:solidFill>
-                  <a:srgbClr val="FFFFFF"/>
-                </a:solidFill>
-              </a14:hiddenFill>
-            </a:ext>
-          </a:extLst>
-        </p:spPr>
-      </p:pic>
+        </p:spPr>
+        <p:style>
+          <a:lnRef idx="2">
+            <a:schemeClr val="accent1">
+              <a:shade val="50000"/>
+            </a:schemeClr>
+          </a:lnRef>
+          <a:fillRef idx="1">
+            <a:schemeClr val="accent1"/>
+          </a:fillRef>
+          <a:effectRef idx="0">
+            <a:schemeClr val="accent1"/>
+          </a:effectRef>
+          <a:fontRef idx="minor">
+            <a:schemeClr val="lt1"/>
+          </a:fontRef>
+        </p:style>
+        <p:txBody>
+          <a:bodyPr rtlCol="0" anchor="ctr"/>
+          <a:lstStyle/>
+          <a:p>
+            <a:pPr algn="ctr"/>
+            <a:r>
+              <a:rPr lang="en-US" altLang="ko-KR" dirty="0"/>
+              <a:t>DeepMind</a:t>
+            </a:r>
+            <a:endParaRPr lang="ko-KR" altLang="en-US" dirty="0"/>
+          </a:p>
+        </p:txBody>
+      </p:sp>
+      <p:sp>
+        <p:nvSpPr>
+          <p:cNvPr id="5" name="직사각형 4">
+            <a:extLst>
+              <a:ext uri="{FF2B5EF4-FFF2-40B4-BE49-F238E27FC236}">
+                <a16:creationId xmlns:a16="http://schemas.microsoft.com/office/drawing/2014/main" id="{245D836C-C39E-4F72-B375-9C83FAF66733}"/>
+              </a:ext>
+            </a:extLst>
+          </p:cNvPr>
+          <p:cNvSpPr/>
+          <p:nvPr/>
+        </p:nvSpPr>
+        <p:spPr>
+          <a:xfrm>
+            <a:off x="6048061" y="3550607"/>
+            <a:ext cx="1776046" cy="465993"/>
+          </a:xfrm>
+          <a:prstGeom prst="rect">
+            <a:avLst/>
+          </a:prstGeom>
+        </p:spPr>
+        <p:style>
+          <a:lnRef idx="2">
+            <a:schemeClr val="accent1">
+              <a:shade val="50000"/>
+            </a:schemeClr>
+          </a:lnRef>
+          <a:fillRef idx="1">
+            <a:schemeClr val="accent1"/>
+          </a:fillRef>
+          <a:effectRef idx="0">
+            <a:schemeClr val="accent1"/>
+          </a:effectRef>
+          <a:fontRef idx="minor">
+            <a:schemeClr val="lt1"/>
+          </a:fontRef>
+        </p:style>
+        <p:txBody>
+          <a:bodyPr rtlCol="0" anchor="ctr"/>
+          <a:lstStyle/>
+          <a:p>
+            <a:pPr algn="ctr"/>
+            <a:r>
+              <a:rPr lang="en-US" altLang="ko-KR" dirty="0" err="1"/>
+              <a:t>OpenAI</a:t>
+            </a:r>
+            <a:endParaRPr lang="ko-KR" altLang="en-US" dirty="0"/>
+          </a:p>
+        </p:txBody>
+      </p:sp>
+      <p:sp>
+        <p:nvSpPr>
+          <p:cNvPr id="6" name="직사각형 5">
+            <a:extLst>
+              <a:ext uri="{FF2B5EF4-FFF2-40B4-BE49-F238E27FC236}">
+                <a16:creationId xmlns:a16="http://schemas.microsoft.com/office/drawing/2014/main" id="{FBA80506-C03E-4F5E-AE7A-6E84588FC2BB}"/>
+              </a:ext>
+            </a:extLst>
+          </p:cNvPr>
+          <p:cNvSpPr/>
+          <p:nvPr/>
+        </p:nvSpPr>
+        <p:spPr>
+          <a:xfrm>
+            <a:off x="1337066" y="2696348"/>
+            <a:ext cx="2003236" cy="465993"/>
+          </a:xfrm>
+          <a:prstGeom prst="rect">
+            <a:avLst/>
+          </a:prstGeom>
+        </p:spPr>
+        <p:style>
+          <a:lnRef idx="2">
+            <a:schemeClr val="accent1">
+              <a:shade val="50000"/>
+            </a:schemeClr>
+          </a:lnRef>
+          <a:fillRef idx="1">
+            <a:schemeClr val="accent1"/>
+          </a:fillRef>
+          <a:effectRef idx="0">
+            <a:schemeClr val="accent1"/>
+          </a:effectRef>
+          <a:fontRef idx="minor">
+            <a:schemeClr val="lt1"/>
+          </a:fontRef>
+        </p:style>
+        <p:txBody>
+          <a:bodyPr rtlCol="0" anchor="ctr"/>
+          <a:lstStyle/>
+          <a:p>
+            <a:pPr algn="ctr"/>
+            <a:r>
+              <a:rPr lang="en-US" altLang="ko-KR" dirty="0"/>
+              <a:t>Google</a:t>
+            </a:r>
+            <a:endParaRPr lang="ko-KR" altLang="en-US" dirty="0"/>
+          </a:p>
+        </p:txBody>
+      </p:sp>
+      <p:sp>
+        <p:nvSpPr>
+          <p:cNvPr id="7" name="직사각형 6">
+            <a:extLst>
+              <a:ext uri="{FF2B5EF4-FFF2-40B4-BE49-F238E27FC236}">
+                <a16:creationId xmlns:a16="http://schemas.microsoft.com/office/drawing/2014/main" id="{BDB979B4-8A25-4203-8101-D96E9A448E4C}"/>
+              </a:ext>
+            </a:extLst>
+          </p:cNvPr>
+          <p:cNvSpPr/>
+          <p:nvPr/>
+        </p:nvSpPr>
+        <p:spPr>
+          <a:xfrm>
+            <a:off x="9127295" y="4213406"/>
+            <a:ext cx="1776046" cy="465993"/>
+          </a:xfrm>
+          <a:prstGeom prst="rect">
+            <a:avLst/>
+          </a:prstGeom>
+        </p:spPr>
+        <p:style>
+          <a:lnRef idx="2">
+            <a:schemeClr val="accent1">
+              <a:shade val="50000"/>
+            </a:schemeClr>
+          </a:lnRef>
+          <a:fillRef idx="1">
+            <a:schemeClr val="accent1"/>
+          </a:fillRef>
+          <a:effectRef idx="0">
+            <a:schemeClr val="accent1"/>
+          </a:effectRef>
+          <a:fontRef idx="minor">
+            <a:schemeClr val="lt1"/>
+          </a:fontRef>
+        </p:style>
+        <p:txBody>
+          <a:bodyPr rtlCol="0" anchor="ctr"/>
+          <a:lstStyle/>
+          <a:p>
+            <a:pPr algn="ctr"/>
+            <a:r>
+              <a:rPr lang="en-US" altLang="ko-KR" dirty="0"/>
+              <a:t>Twitter</a:t>
+            </a:r>
+            <a:endParaRPr lang="ko-KR" altLang="en-US" dirty="0"/>
+          </a:p>
+        </p:txBody>
+      </p:sp>
+      <p:sp>
+        <p:nvSpPr>
+          <p:cNvPr id="8" name="직사각형 7">
+            <a:extLst>
+              <a:ext uri="{FF2B5EF4-FFF2-40B4-BE49-F238E27FC236}">
+                <a16:creationId xmlns:a16="http://schemas.microsoft.com/office/drawing/2014/main" id="{A498E37E-BB49-4460-B7EA-E28B30712481}"/>
+              </a:ext>
+            </a:extLst>
+          </p:cNvPr>
+          <p:cNvSpPr/>
+          <p:nvPr/>
+        </p:nvSpPr>
+        <p:spPr>
+          <a:xfrm>
+            <a:off x="5080908" y="5116703"/>
+            <a:ext cx="1776046" cy="465993"/>
+          </a:xfrm>
+          <a:prstGeom prst="rect">
+            <a:avLst/>
+          </a:prstGeom>
+        </p:spPr>
+        <p:style>
+          <a:lnRef idx="2">
+            <a:schemeClr val="accent1">
+              <a:shade val="50000"/>
+            </a:schemeClr>
+          </a:lnRef>
+          <a:fillRef idx="1">
+            <a:schemeClr val="accent1"/>
+          </a:fillRef>
+          <a:effectRef idx="0">
+            <a:schemeClr val="accent1"/>
+          </a:effectRef>
+          <a:fontRef idx="minor">
+            <a:schemeClr val="lt1"/>
+          </a:fontRef>
+        </p:style>
+        <p:txBody>
+          <a:bodyPr rtlCol="0" anchor="ctr"/>
+          <a:lstStyle/>
+          <a:p>
+            <a:pPr algn="ctr"/>
+            <a:r>
+              <a:rPr lang="en-US" altLang="ko-KR" dirty="0"/>
+              <a:t>Microsoft</a:t>
+            </a:r>
+            <a:endParaRPr lang="ko-KR" altLang="en-US" dirty="0"/>
+          </a:p>
+        </p:txBody>
+      </p:sp>
+      <p:sp>
+        <p:nvSpPr>
+          <p:cNvPr id="9" name="직사각형 8">
+            <a:extLst>
+              <a:ext uri="{FF2B5EF4-FFF2-40B4-BE49-F238E27FC236}">
+                <a16:creationId xmlns:a16="http://schemas.microsoft.com/office/drawing/2014/main" id="{5BE0D7D7-C452-4BC9-8AF6-BE4A4DF1FB4C}"/>
+              </a:ext>
+            </a:extLst>
+          </p:cNvPr>
+          <p:cNvSpPr/>
+          <p:nvPr/>
+        </p:nvSpPr>
+        <p:spPr>
+          <a:xfrm>
+            <a:off x="9192359" y="6069621"/>
+            <a:ext cx="1776046" cy="465993"/>
+          </a:xfrm>
+          <a:prstGeom prst="rect">
+            <a:avLst/>
+          </a:prstGeom>
+        </p:spPr>
+        <p:style>
+          <a:lnRef idx="2">
+            <a:schemeClr val="accent6">
+              <a:shade val="50000"/>
+            </a:schemeClr>
+          </a:lnRef>
+          <a:fillRef idx="1">
+            <a:schemeClr val="accent6"/>
+          </a:fillRef>
+          <a:effectRef idx="0">
+            <a:schemeClr val="accent6"/>
+          </a:effectRef>
+          <a:fontRef idx="minor">
+            <a:schemeClr val="lt1"/>
+          </a:fontRef>
+        </p:style>
+        <p:txBody>
+          <a:bodyPr rtlCol="0" anchor="ctr"/>
+          <a:lstStyle/>
+          <a:p>
+            <a:pPr algn="ctr"/>
+            <a:r>
+              <a:rPr lang="en-US" altLang="ko-KR" dirty="0"/>
+              <a:t>x.AI</a:t>
+            </a:r>
+            <a:endParaRPr lang="ko-KR" altLang="en-US" dirty="0"/>
+          </a:p>
+        </p:txBody>
+      </p:sp>
+      <p:sp>
+        <p:nvSpPr>
+          <p:cNvPr id="11" name="직사각형 10">
+            <a:extLst>
+              <a:ext uri="{FF2B5EF4-FFF2-40B4-BE49-F238E27FC236}">
+                <a16:creationId xmlns:a16="http://schemas.microsoft.com/office/drawing/2014/main" id="{49E4D080-F9BE-4251-B85A-35E27D82A95B}"/>
+              </a:ext>
+            </a:extLst>
+          </p:cNvPr>
+          <p:cNvSpPr/>
+          <p:nvPr/>
+        </p:nvSpPr>
+        <p:spPr>
+          <a:xfrm>
+            <a:off x="1282810" y="6069621"/>
+            <a:ext cx="2003236" cy="465993"/>
+          </a:xfrm>
+          <a:prstGeom prst="rect">
+            <a:avLst/>
+          </a:prstGeom>
+        </p:spPr>
+        <p:style>
+          <a:lnRef idx="2">
+            <a:schemeClr val="accent6">
+              <a:shade val="50000"/>
+            </a:schemeClr>
+          </a:lnRef>
+          <a:fillRef idx="1">
+            <a:schemeClr val="accent6"/>
+          </a:fillRef>
+          <a:effectRef idx="0">
+            <a:schemeClr val="accent6"/>
+          </a:effectRef>
+          <a:fontRef idx="minor">
+            <a:schemeClr val="lt1"/>
+          </a:fontRef>
+        </p:style>
+        <p:txBody>
+          <a:bodyPr rtlCol="0" anchor="ctr"/>
+          <a:lstStyle/>
+          <a:p>
+            <a:pPr algn="ctr"/>
+            <a:r>
+              <a:rPr lang="en-US" altLang="ko-KR" dirty="0"/>
+              <a:t>Bard</a:t>
+            </a:r>
+            <a:endParaRPr lang="ko-KR" altLang="en-US" dirty="0"/>
+          </a:p>
+        </p:txBody>
+      </p:sp>
+      <p:sp>
+        <p:nvSpPr>
+          <p:cNvPr id="12" name="화살표: 아래쪽 11">
+            <a:extLst>
+              <a:ext uri="{FF2B5EF4-FFF2-40B4-BE49-F238E27FC236}">
+                <a16:creationId xmlns:a16="http://schemas.microsoft.com/office/drawing/2014/main" id="{36325DDE-FD8F-4C26-A222-8EF91BA62528}"/>
+              </a:ext>
+            </a:extLst>
+          </p:cNvPr>
+          <p:cNvSpPr/>
+          <p:nvPr/>
+        </p:nvSpPr>
+        <p:spPr>
+          <a:xfrm>
+            <a:off x="2214392" y="3237724"/>
+            <a:ext cx="110196" cy="2714669"/>
+          </a:xfrm>
+          <a:prstGeom prst="downArrow">
+            <a:avLst/>
+          </a:prstGeom>
+        </p:spPr>
+        <p:style>
+          <a:lnRef idx="2">
+            <a:schemeClr val="accent1">
+              <a:shade val="50000"/>
+            </a:schemeClr>
+          </a:lnRef>
+          <a:fillRef idx="1">
+            <a:schemeClr val="accent1"/>
+          </a:fillRef>
+          <a:effectRef idx="0">
+            <a:schemeClr val="accent1"/>
+          </a:effectRef>
+          <a:fontRef idx="minor">
+            <a:schemeClr val="lt1"/>
+          </a:fontRef>
+        </p:style>
+        <p:txBody>
+          <a:bodyPr rtlCol="0" anchor="ctr"/>
+          <a:lstStyle/>
+          <a:p>
+            <a:pPr algn="ctr"/>
+            <a:endParaRPr lang="ko-KR" altLang="en-US"/>
+          </a:p>
+        </p:txBody>
+      </p:sp>
+      <p:sp>
+        <p:nvSpPr>
+          <p:cNvPr id="13" name="화살표: 아래쪽 12">
+            <a:extLst>
+              <a:ext uri="{FF2B5EF4-FFF2-40B4-BE49-F238E27FC236}">
+                <a16:creationId xmlns:a16="http://schemas.microsoft.com/office/drawing/2014/main" id="{07AE824B-2982-4608-9147-BE3EA27E4191}"/>
+              </a:ext>
+            </a:extLst>
+          </p:cNvPr>
+          <p:cNvSpPr/>
+          <p:nvPr/>
+        </p:nvSpPr>
+        <p:spPr>
+          <a:xfrm flipH="1">
+            <a:off x="5881824" y="5538811"/>
+            <a:ext cx="110195" cy="435563"/>
+          </a:xfrm>
+          <a:prstGeom prst="downArrow">
+            <a:avLst/>
+          </a:prstGeom>
+        </p:spPr>
+        <p:style>
+          <a:lnRef idx="2">
+            <a:schemeClr val="accent1">
+              <a:shade val="50000"/>
+            </a:schemeClr>
+          </a:lnRef>
+          <a:fillRef idx="1">
+            <a:schemeClr val="accent1"/>
+          </a:fillRef>
+          <a:effectRef idx="0">
+            <a:schemeClr val="accent1"/>
+          </a:effectRef>
+          <a:fontRef idx="minor">
+            <a:schemeClr val="lt1"/>
+          </a:fontRef>
+        </p:style>
+        <p:txBody>
+          <a:bodyPr rtlCol="0" anchor="ctr"/>
+          <a:lstStyle/>
+          <a:p>
+            <a:pPr algn="ctr"/>
+            <a:endParaRPr lang="ko-KR" altLang="en-US"/>
+          </a:p>
+        </p:txBody>
+      </p:sp>
+      <p:sp>
+        <p:nvSpPr>
+          <p:cNvPr id="14" name="화살표: 아래쪽 13">
+            <a:extLst>
+              <a:ext uri="{FF2B5EF4-FFF2-40B4-BE49-F238E27FC236}">
+                <a16:creationId xmlns:a16="http://schemas.microsoft.com/office/drawing/2014/main" id="{5BB53BAA-BB8E-49AC-AF67-486BE119BDBA}"/>
+              </a:ext>
+            </a:extLst>
+          </p:cNvPr>
+          <p:cNvSpPr/>
+          <p:nvPr/>
+        </p:nvSpPr>
+        <p:spPr>
+          <a:xfrm>
+            <a:off x="9960220" y="4760401"/>
+            <a:ext cx="110197" cy="1213973"/>
+          </a:xfrm>
+          <a:prstGeom prst="downArrow">
+            <a:avLst/>
+          </a:prstGeom>
+        </p:spPr>
+        <p:style>
+          <a:lnRef idx="2">
+            <a:schemeClr val="accent1">
+              <a:shade val="50000"/>
+            </a:schemeClr>
+          </a:lnRef>
+          <a:fillRef idx="1">
+            <a:schemeClr val="accent1"/>
+          </a:fillRef>
+          <a:effectRef idx="0">
+            <a:schemeClr val="accent1"/>
+          </a:effectRef>
+          <a:fontRef idx="minor">
+            <a:schemeClr val="lt1"/>
+          </a:fontRef>
+        </p:style>
+        <p:txBody>
+          <a:bodyPr rtlCol="0" anchor="ctr"/>
+          <a:lstStyle/>
+          <a:p>
+            <a:pPr algn="ctr"/>
+            <a:endParaRPr lang="ko-KR" altLang="en-US"/>
+          </a:p>
+        </p:txBody>
+      </p:sp>
+      <p:sp>
+        <p:nvSpPr>
+          <p:cNvPr id="15" name="직사각형 14">
+            <a:extLst>
+              <a:ext uri="{FF2B5EF4-FFF2-40B4-BE49-F238E27FC236}">
+                <a16:creationId xmlns:a16="http://schemas.microsoft.com/office/drawing/2014/main" id="{3C00BB09-1286-4653-AA31-39352FD3209D}"/>
+              </a:ext>
+            </a:extLst>
+          </p:cNvPr>
+          <p:cNvSpPr/>
+          <p:nvPr/>
+        </p:nvSpPr>
+        <p:spPr>
+          <a:xfrm>
+            <a:off x="9552843" y="141375"/>
+            <a:ext cx="2089638" cy="461665"/>
+          </a:xfrm>
+          <a:prstGeom prst="rect">
+            <a:avLst/>
+          </a:prstGeom>
+        </p:spPr>
+        <p:txBody>
+          <a:bodyPr wrap="square">
+            <a:spAutoFit/>
+          </a:bodyPr>
+          <a:lstStyle/>
+          <a:p>
+            <a:pPr fontAlgn="ctr"/>
+            <a:r>
+              <a:rPr lang="en-US" altLang="ko-KR" sz="1200" dirty="0"/>
+              <a:t>Artificial Intelligence 1950</a:t>
+            </a:r>
+          </a:p>
+          <a:p>
+            <a:pPr fontAlgn="ctr"/>
+            <a:r>
+              <a:rPr lang="en-US" altLang="ko-KR" sz="1200" dirty="0"/>
+              <a:t>Machine learning</a:t>
+            </a:r>
+            <a:endParaRPr lang="ko-KR" altLang="ko-KR" sz="1200" dirty="0"/>
+          </a:p>
+        </p:txBody>
+      </p:sp>
+      <p:sp>
+        <p:nvSpPr>
+          <p:cNvPr id="16" name="직사각형 15">
+            <a:extLst>
+              <a:ext uri="{FF2B5EF4-FFF2-40B4-BE49-F238E27FC236}">
+                <a16:creationId xmlns:a16="http://schemas.microsoft.com/office/drawing/2014/main" id="{E830D79E-A797-4A05-8B8B-BC871E442459}"/>
+              </a:ext>
+            </a:extLst>
+          </p:cNvPr>
+          <p:cNvSpPr/>
+          <p:nvPr/>
+        </p:nvSpPr>
+        <p:spPr>
+          <a:xfrm>
+            <a:off x="517282" y="141374"/>
+            <a:ext cx="1485900" cy="646331"/>
+          </a:xfrm>
+          <a:prstGeom prst="rect">
+            <a:avLst/>
+          </a:prstGeom>
+        </p:spPr>
+        <p:txBody>
+          <a:bodyPr wrap="square">
+            <a:spAutoFit/>
+          </a:bodyPr>
+          <a:lstStyle/>
+          <a:p>
+            <a:pPr fontAlgn="ctr"/>
+            <a:r>
+              <a:rPr lang="en-US" altLang="ko-KR" sz="1200" dirty="0"/>
+              <a:t>Perceptron 1957</a:t>
+            </a:r>
+          </a:p>
+          <a:p>
+            <a:pPr fontAlgn="ctr"/>
+            <a:r>
+              <a:rPr lang="en-US" altLang="ko-KR" sz="1200" dirty="0"/>
+              <a:t>Neural Networks</a:t>
+            </a:r>
+          </a:p>
+          <a:p>
+            <a:pPr fontAlgn="ctr"/>
+            <a:r>
+              <a:rPr lang="en-US" altLang="ko-KR" sz="1200" dirty="0"/>
+              <a:t>Deep Learning</a:t>
+            </a:r>
+            <a:endParaRPr lang="ko-KR" altLang="ko-KR" sz="1200" dirty="0"/>
+          </a:p>
+        </p:txBody>
+      </p:sp>
+      <p:sp>
+        <p:nvSpPr>
+          <p:cNvPr id="17" name="직사각형 16">
+            <a:extLst>
+              <a:ext uri="{FF2B5EF4-FFF2-40B4-BE49-F238E27FC236}">
+                <a16:creationId xmlns:a16="http://schemas.microsoft.com/office/drawing/2014/main" id="{7EC89886-ED40-4857-BB29-0AB80DB7038F}"/>
+              </a:ext>
+            </a:extLst>
+          </p:cNvPr>
+          <p:cNvSpPr/>
+          <p:nvPr/>
+        </p:nvSpPr>
+        <p:spPr>
+          <a:xfrm>
+            <a:off x="4831374" y="1116619"/>
+            <a:ext cx="2089638" cy="276999"/>
+          </a:xfrm>
+          <a:prstGeom prst="rect">
+            <a:avLst/>
+          </a:prstGeom>
+        </p:spPr>
+        <p:txBody>
+          <a:bodyPr wrap="square">
+            <a:spAutoFit/>
+          </a:bodyPr>
+          <a:lstStyle/>
+          <a:p>
+            <a:pPr fontAlgn="ctr"/>
+            <a:r>
+              <a:rPr lang="en-US" altLang="ko-KR" sz="1200" dirty="0"/>
+              <a:t>2010</a:t>
+            </a:r>
+            <a:endParaRPr lang="ko-KR" altLang="ko-KR" sz="1200" dirty="0"/>
+          </a:p>
+        </p:txBody>
+      </p:sp>
+      <p:sp>
+        <p:nvSpPr>
+          <p:cNvPr id="18" name="직사각형 17">
+            <a:extLst>
+              <a:ext uri="{FF2B5EF4-FFF2-40B4-BE49-F238E27FC236}">
+                <a16:creationId xmlns:a16="http://schemas.microsoft.com/office/drawing/2014/main" id="{D34D4612-5C2F-4C32-B23A-F4337EBAC3D4}"/>
+              </a:ext>
+            </a:extLst>
+          </p:cNvPr>
+          <p:cNvSpPr/>
+          <p:nvPr/>
+        </p:nvSpPr>
+        <p:spPr>
+          <a:xfrm>
+            <a:off x="7824107" y="3506604"/>
+            <a:ext cx="2089638" cy="276999"/>
+          </a:xfrm>
+          <a:prstGeom prst="rect">
+            <a:avLst/>
+          </a:prstGeom>
+        </p:spPr>
+        <p:txBody>
+          <a:bodyPr wrap="square">
+            <a:spAutoFit/>
+          </a:bodyPr>
+          <a:lstStyle/>
+          <a:p>
+            <a:pPr fontAlgn="ctr"/>
+            <a:r>
+              <a:rPr lang="en-US" altLang="ko-KR" sz="1200" dirty="0"/>
+              <a:t>2015 Elon Musk</a:t>
+            </a:r>
+            <a:endParaRPr lang="ko-KR" altLang="ko-KR" sz="1200" dirty="0"/>
+          </a:p>
+        </p:txBody>
+      </p:sp>
+      <p:cxnSp>
+        <p:nvCxnSpPr>
+          <p:cNvPr id="21" name="직선 화살표 연결선 20">
+            <a:extLst>
+              <a:ext uri="{FF2B5EF4-FFF2-40B4-BE49-F238E27FC236}">
+                <a16:creationId xmlns:a16="http://schemas.microsoft.com/office/drawing/2014/main" id="{4DD736BC-91DD-4B3A-A874-7D45FA6A0896}"/>
+              </a:ext>
+            </a:extLst>
+          </p:cNvPr>
+          <p:cNvCxnSpPr/>
+          <p:nvPr/>
+        </p:nvCxnSpPr>
+        <p:spPr>
+          <a:xfrm>
+            <a:off x="1800959" y="668215"/>
+            <a:ext cx="1301261" cy="448404"/>
+          </a:xfrm>
+          <a:prstGeom prst="straightConnector1">
+            <a:avLst/>
+          </a:prstGeom>
+          <a:ln>
+            <a:tailEnd type="triangle"/>
+          </a:ln>
+        </p:spPr>
+        <p:style>
+          <a:lnRef idx="1">
+            <a:schemeClr val="accent1"/>
+          </a:lnRef>
+          <a:fillRef idx="0">
+            <a:schemeClr val="accent1"/>
+          </a:fillRef>
+          <a:effectRef idx="0">
+            <a:schemeClr val="accent1"/>
+          </a:effectRef>
+          <a:fontRef idx="minor">
+            <a:schemeClr val="tx1"/>
+          </a:fontRef>
+        </p:style>
+      </p:cxnSp>
+      <p:cxnSp>
+        <p:nvCxnSpPr>
+          <p:cNvPr id="23" name="직선 화살표 연결선 22">
+            <a:extLst>
+              <a:ext uri="{FF2B5EF4-FFF2-40B4-BE49-F238E27FC236}">
+                <a16:creationId xmlns:a16="http://schemas.microsoft.com/office/drawing/2014/main" id="{5A7A9F46-158B-498A-BB4C-0C874FF01FA6}"/>
+              </a:ext>
+            </a:extLst>
+          </p:cNvPr>
+          <p:cNvCxnSpPr/>
+          <p:nvPr/>
+        </p:nvCxnSpPr>
+        <p:spPr>
+          <a:xfrm flipH="1">
+            <a:off x="5370636" y="372207"/>
+            <a:ext cx="4097215" cy="882911"/>
+          </a:xfrm>
+          <a:prstGeom prst="straightConnector1">
+            <a:avLst/>
+          </a:prstGeom>
+          <a:ln>
+            <a:tailEnd type="triangle"/>
+          </a:ln>
+        </p:spPr>
+        <p:style>
+          <a:lnRef idx="1">
+            <a:schemeClr val="accent1"/>
+          </a:lnRef>
+          <a:fillRef idx="0">
+            <a:schemeClr val="accent1"/>
+          </a:fillRef>
+          <a:effectRef idx="0">
+            <a:schemeClr val="accent1"/>
+          </a:effectRef>
+          <a:fontRef idx="minor">
+            <a:schemeClr val="tx1"/>
+          </a:fontRef>
+        </p:style>
+      </p:cxnSp>
+      <p:cxnSp>
+        <p:nvCxnSpPr>
+          <p:cNvPr id="25" name="직선 화살표 연결선 24">
+            <a:extLst>
+              <a:ext uri="{FF2B5EF4-FFF2-40B4-BE49-F238E27FC236}">
+                <a16:creationId xmlns:a16="http://schemas.microsoft.com/office/drawing/2014/main" id="{68A9CB02-02DE-4919-BBE2-B56B18653480}"/>
+              </a:ext>
+            </a:extLst>
+          </p:cNvPr>
+          <p:cNvCxnSpPr>
+            <a:cxnSpLocks/>
+          </p:cNvCxnSpPr>
+          <p:nvPr/>
+        </p:nvCxnSpPr>
+        <p:spPr>
+          <a:xfrm flipH="1">
+            <a:off x="7217559" y="372207"/>
+            <a:ext cx="2250293" cy="3116542"/>
+          </a:xfrm>
+          <a:prstGeom prst="straightConnector1">
+            <a:avLst/>
+          </a:prstGeom>
+          <a:ln>
+            <a:tailEnd type="triangle"/>
+          </a:ln>
+        </p:spPr>
+        <p:style>
+          <a:lnRef idx="1">
+            <a:schemeClr val="accent1"/>
+          </a:lnRef>
+          <a:fillRef idx="0">
+            <a:schemeClr val="accent1"/>
+          </a:fillRef>
+          <a:effectRef idx="0">
+            <a:schemeClr val="accent1"/>
+          </a:effectRef>
+          <a:fontRef idx="minor">
+            <a:schemeClr val="tx1"/>
+          </a:fontRef>
+        </p:style>
+      </p:cxnSp>
+      <p:cxnSp>
+        <p:nvCxnSpPr>
+          <p:cNvPr id="27" name="직선 화살표 연결선 26">
+            <a:extLst>
+              <a:ext uri="{FF2B5EF4-FFF2-40B4-BE49-F238E27FC236}">
+                <a16:creationId xmlns:a16="http://schemas.microsoft.com/office/drawing/2014/main" id="{0700923C-D9AA-448F-99ED-A1B07805DCA9}"/>
+              </a:ext>
+            </a:extLst>
+          </p:cNvPr>
+          <p:cNvCxnSpPr>
+            <a:cxnSpLocks/>
+          </p:cNvCxnSpPr>
+          <p:nvPr/>
+        </p:nvCxnSpPr>
+        <p:spPr>
+          <a:xfrm flipH="1">
+            <a:off x="2451589" y="1179660"/>
+            <a:ext cx="1781798" cy="1434367"/>
+          </a:xfrm>
+          <a:prstGeom prst="straightConnector1">
+            <a:avLst/>
+          </a:prstGeom>
+          <a:ln>
+            <a:tailEnd type="triangle"/>
+          </a:ln>
+        </p:spPr>
+        <p:style>
+          <a:lnRef idx="1">
+            <a:schemeClr val="accent1"/>
+          </a:lnRef>
+          <a:fillRef idx="0">
+            <a:schemeClr val="accent1"/>
+          </a:fillRef>
+          <a:effectRef idx="0">
+            <a:schemeClr val="accent1"/>
+          </a:effectRef>
+          <a:fontRef idx="minor">
+            <a:schemeClr val="tx1"/>
+          </a:fontRef>
+        </p:style>
+      </p:cxnSp>
+      <p:sp>
+        <p:nvSpPr>
+          <p:cNvPr id="28" name="직사각형 27">
+            <a:extLst>
+              <a:ext uri="{FF2B5EF4-FFF2-40B4-BE49-F238E27FC236}">
+                <a16:creationId xmlns:a16="http://schemas.microsoft.com/office/drawing/2014/main" id="{8977EC8D-1637-4A5F-945D-EAB04B0F25F5}"/>
+              </a:ext>
+            </a:extLst>
+          </p:cNvPr>
+          <p:cNvSpPr/>
+          <p:nvPr/>
+        </p:nvSpPr>
+        <p:spPr>
+          <a:xfrm>
+            <a:off x="3300434" y="2614027"/>
+            <a:ext cx="2089638" cy="276999"/>
+          </a:xfrm>
+          <a:prstGeom prst="rect">
+            <a:avLst/>
+          </a:prstGeom>
+        </p:spPr>
+        <p:txBody>
+          <a:bodyPr wrap="square">
+            <a:spAutoFit/>
+          </a:bodyPr>
+          <a:lstStyle/>
+          <a:p>
+            <a:pPr fontAlgn="ctr"/>
+            <a:r>
+              <a:rPr lang="en-US" altLang="ko-KR" sz="1200" dirty="0"/>
+              <a:t>2014</a:t>
+            </a:r>
+            <a:endParaRPr lang="ko-KR" altLang="ko-KR" sz="1200" dirty="0"/>
+          </a:p>
+        </p:txBody>
+      </p:sp>
+      <p:cxnSp>
+        <p:nvCxnSpPr>
+          <p:cNvPr id="31" name="직선 화살표 연결선 30">
+            <a:extLst>
+              <a:ext uri="{FF2B5EF4-FFF2-40B4-BE49-F238E27FC236}">
+                <a16:creationId xmlns:a16="http://schemas.microsoft.com/office/drawing/2014/main" id="{0E810A58-7F50-47E8-A343-D97CF574995D}"/>
+              </a:ext>
+            </a:extLst>
+          </p:cNvPr>
+          <p:cNvCxnSpPr>
+            <a:cxnSpLocks/>
+          </p:cNvCxnSpPr>
+          <p:nvPr/>
+        </p:nvCxnSpPr>
+        <p:spPr>
+          <a:xfrm flipH="1">
+            <a:off x="5968931" y="4111435"/>
+            <a:ext cx="746374" cy="961857"/>
+          </a:xfrm>
+          <a:prstGeom prst="straightConnector1">
+            <a:avLst/>
+          </a:prstGeom>
+          <a:ln>
+            <a:tailEnd type="triangle"/>
+          </a:ln>
+        </p:spPr>
+        <p:style>
+          <a:lnRef idx="1">
+            <a:schemeClr val="accent1"/>
+          </a:lnRef>
+          <a:fillRef idx="0">
+            <a:schemeClr val="accent1"/>
+          </a:fillRef>
+          <a:effectRef idx="0">
+            <a:schemeClr val="accent1"/>
+          </a:effectRef>
+          <a:fontRef idx="minor">
+            <a:schemeClr val="tx1"/>
+          </a:fontRef>
+        </p:style>
+      </p:cxnSp>
+      <p:sp>
+        <p:nvSpPr>
+          <p:cNvPr id="37" name="직사각형 36">
+            <a:extLst>
+              <a:ext uri="{FF2B5EF4-FFF2-40B4-BE49-F238E27FC236}">
+                <a16:creationId xmlns:a16="http://schemas.microsoft.com/office/drawing/2014/main" id="{F83B3876-916C-460C-9D11-CBAB94DA5B33}"/>
+              </a:ext>
+            </a:extLst>
+          </p:cNvPr>
+          <p:cNvSpPr/>
+          <p:nvPr/>
+        </p:nvSpPr>
+        <p:spPr>
+          <a:xfrm>
+            <a:off x="787622" y="3929332"/>
+            <a:ext cx="1485899" cy="646331"/>
+          </a:xfrm>
+          <a:prstGeom prst="rect">
+            <a:avLst/>
+          </a:prstGeom>
+        </p:spPr>
+        <p:txBody>
+          <a:bodyPr wrap="square">
+            <a:spAutoFit/>
+          </a:bodyPr>
+          <a:lstStyle/>
+          <a:p>
+            <a:pPr algn="r" fontAlgn="ctr"/>
+            <a:r>
+              <a:rPr lang="en-US" altLang="ko-KR" sz="1200" dirty="0"/>
+              <a:t>AlphaGo 2016</a:t>
+            </a:r>
+          </a:p>
+          <a:p>
+            <a:pPr algn="r" fontAlgn="ctr"/>
+            <a:r>
+              <a:rPr lang="en-US" altLang="ko-KR" sz="1200" dirty="0" err="1"/>
+              <a:t>AlphaZero</a:t>
+            </a:r>
+            <a:r>
+              <a:rPr lang="en-US" altLang="ko-KR" sz="1200" dirty="0"/>
+              <a:t> 2017</a:t>
+            </a:r>
+          </a:p>
+          <a:p>
+            <a:pPr algn="r" fontAlgn="ctr"/>
+            <a:endParaRPr lang="en-US" altLang="ko-KR" sz="1200" dirty="0"/>
+          </a:p>
+        </p:txBody>
+      </p:sp>
+      <p:cxnSp>
+        <p:nvCxnSpPr>
+          <p:cNvPr id="39" name="직선 화살표 연결선 38">
+            <a:extLst>
+              <a:ext uri="{FF2B5EF4-FFF2-40B4-BE49-F238E27FC236}">
+                <a16:creationId xmlns:a16="http://schemas.microsoft.com/office/drawing/2014/main" id="{9B062B3C-FC24-43BA-9029-6D61C690D5AE}"/>
+              </a:ext>
+            </a:extLst>
+          </p:cNvPr>
+          <p:cNvCxnSpPr>
+            <a:cxnSpLocks/>
+          </p:cNvCxnSpPr>
+          <p:nvPr/>
+        </p:nvCxnSpPr>
+        <p:spPr>
+          <a:xfrm flipV="1">
+            <a:off x="3637149" y="4838266"/>
+            <a:ext cx="2410912" cy="3074"/>
+          </a:xfrm>
+          <a:prstGeom prst="straightConnector1">
+            <a:avLst/>
+          </a:prstGeom>
+          <a:ln>
+            <a:tailEnd type="triangle"/>
+          </a:ln>
+        </p:spPr>
+        <p:style>
+          <a:lnRef idx="1">
+            <a:schemeClr val="accent1"/>
+          </a:lnRef>
+          <a:fillRef idx="0">
+            <a:schemeClr val="accent1"/>
+          </a:fillRef>
+          <a:effectRef idx="0">
+            <a:schemeClr val="accent1"/>
+          </a:effectRef>
+          <a:fontRef idx="minor">
+            <a:schemeClr val="tx1"/>
+          </a:fontRef>
+        </p:style>
+      </p:cxnSp>
+      <p:sp>
+        <p:nvSpPr>
+          <p:cNvPr id="40" name="직사각형 39">
+            <a:extLst>
+              <a:ext uri="{FF2B5EF4-FFF2-40B4-BE49-F238E27FC236}">
+                <a16:creationId xmlns:a16="http://schemas.microsoft.com/office/drawing/2014/main" id="{825166AF-0B64-462F-BCF9-201E29A6571A}"/>
+              </a:ext>
+            </a:extLst>
+          </p:cNvPr>
+          <p:cNvSpPr/>
+          <p:nvPr/>
+        </p:nvSpPr>
+        <p:spPr>
+          <a:xfrm>
+            <a:off x="5144966" y="6069621"/>
+            <a:ext cx="1776046" cy="465993"/>
+          </a:xfrm>
+          <a:prstGeom prst="rect">
+            <a:avLst/>
+          </a:prstGeom>
+        </p:spPr>
+        <p:style>
+          <a:lnRef idx="2">
+            <a:schemeClr val="accent6">
+              <a:shade val="50000"/>
+            </a:schemeClr>
+          </a:lnRef>
+          <a:fillRef idx="1">
+            <a:schemeClr val="accent6"/>
+          </a:fillRef>
+          <a:effectRef idx="0">
+            <a:schemeClr val="accent6"/>
+          </a:effectRef>
+          <a:fontRef idx="minor">
+            <a:schemeClr val="lt1"/>
+          </a:fontRef>
+        </p:style>
+        <p:txBody>
+          <a:bodyPr rtlCol="0" anchor="ctr"/>
+          <a:lstStyle/>
+          <a:p>
+            <a:pPr algn="ctr"/>
+            <a:r>
+              <a:rPr lang="en-US" altLang="ko-KR" dirty="0"/>
+              <a:t>chat GPT</a:t>
+            </a:r>
+            <a:endParaRPr lang="ko-KR" altLang="en-US" dirty="0"/>
+          </a:p>
+        </p:txBody>
+      </p:sp>
+      <p:sp>
+        <p:nvSpPr>
+          <p:cNvPr id="42" name="직사각형 41">
+            <a:extLst>
+              <a:ext uri="{FF2B5EF4-FFF2-40B4-BE49-F238E27FC236}">
+                <a16:creationId xmlns:a16="http://schemas.microsoft.com/office/drawing/2014/main" id="{8202A562-20DB-43B3-93EC-CC2969CAA740}"/>
+              </a:ext>
+            </a:extLst>
+          </p:cNvPr>
+          <p:cNvSpPr/>
+          <p:nvPr/>
+        </p:nvSpPr>
+        <p:spPr>
+          <a:xfrm>
+            <a:off x="3286046" y="6063263"/>
+            <a:ext cx="595489" cy="277000"/>
+          </a:xfrm>
+          <a:prstGeom prst="rect">
+            <a:avLst/>
+          </a:prstGeom>
+        </p:spPr>
+        <p:txBody>
+          <a:bodyPr wrap="square">
+            <a:spAutoFit/>
+          </a:bodyPr>
+          <a:lstStyle/>
+          <a:p>
+            <a:pPr fontAlgn="ctr"/>
+            <a:r>
+              <a:rPr lang="en-US" altLang="ko-KR" sz="1200" dirty="0"/>
+              <a:t>2023</a:t>
+            </a:r>
+            <a:endParaRPr lang="ko-KR" altLang="ko-KR" sz="1200" dirty="0"/>
+          </a:p>
+        </p:txBody>
+      </p:sp>
+      <p:cxnSp>
+        <p:nvCxnSpPr>
+          <p:cNvPr id="51" name="직선 화살표 연결선 50">
+            <a:extLst>
+              <a:ext uri="{FF2B5EF4-FFF2-40B4-BE49-F238E27FC236}">
+                <a16:creationId xmlns:a16="http://schemas.microsoft.com/office/drawing/2014/main" id="{49C9CCF0-7756-4A04-B369-EA4D4AD2BB62}"/>
+              </a:ext>
+            </a:extLst>
+          </p:cNvPr>
+          <p:cNvCxnSpPr>
+            <a:cxnSpLocks/>
+          </p:cNvCxnSpPr>
+          <p:nvPr/>
+        </p:nvCxnSpPr>
+        <p:spPr>
+          <a:xfrm>
+            <a:off x="9127295" y="3744961"/>
+            <a:ext cx="888023" cy="377399"/>
+          </a:xfrm>
+          <a:prstGeom prst="straightConnector1">
+            <a:avLst/>
+          </a:prstGeom>
+          <a:ln>
+            <a:tailEnd type="triangle"/>
+          </a:ln>
+        </p:spPr>
+        <p:style>
+          <a:lnRef idx="1">
+            <a:schemeClr val="accent1"/>
+          </a:lnRef>
+          <a:fillRef idx="0">
+            <a:schemeClr val="accent1"/>
+          </a:fillRef>
+          <a:effectRef idx="0">
+            <a:schemeClr val="accent1"/>
+          </a:effectRef>
+          <a:fontRef idx="minor">
+            <a:schemeClr val="tx1"/>
+          </a:fontRef>
+        </p:style>
+      </p:cxnSp>
+      <p:sp>
+        <p:nvSpPr>
+          <p:cNvPr id="52" name="직사각형 51">
+            <a:extLst>
+              <a:ext uri="{FF2B5EF4-FFF2-40B4-BE49-F238E27FC236}">
+                <a16:creationId xmlns:a16="http://schemas.microsoft.com/office/drawing/2014/main" id="{955EF9FE-3CB4-43A5-BDEA-5613EF01D8F8}"/>
+              </a:ext>
+            </a:extLst>
+          </p:cNvPr>
+          <p:cNvSpPr/>
+          <p:nvPr/>
+        </p:nvSpPr>
+        <p:spPr>
+          <a:xfrm>
+            <a:off x="2209745" y="4702465"/>
+            <a:ext cx="1404231" cy="276999"/>
+          </a:xfrm>
+          <a:prstGeom prst="rect">
+            <a:avLst/>
+          </a:prstGeom>
+        </p:spPr>
+        <p:txBody>
+          <a:bodyPr wrap="none">
+            <a:spAutoFit/>
+          </a:bodyPr>
+          <a:lstStyle/>
+          <a:p>
+            <a:pPr algn="r" fontAlgn="ctr"/>
+            <a:r>
+              <a:rPr lang="en-US" altLang="ko-KR" sz="1200" dirty="0">
+                <a:effectLst>
+                  <a:outerShdw blurRad="38100" dist="38100" dir="2700000" algn="tl">
+                    <a:srgbClr val="000000">
+                      <a:alpha val="43137"/>
+                    </a:srgbClr>
+                  </a:outerShdw>
+                </a:effectLst>
+              </a:rPr>
+              <a:t>Transformer 2018</a:t>
+            </a:r>
+            <a:endParaRPr lang="ko-KR" altLang="ko-KR" sz="1200" dirty="0">
+              <a:effectLst>
+                <a:outerShdw blurRad="38100" dist="38100" dir="2700000" algn="tl">
+                  <a:srgbClr val="000000">
+                    <a:alpha val="43137"/>
+                  </a:srgbClr>
+                </a:outerShdw>
+              </a:effectLst>
+            </a:endParaRPr>
+          </a:p>
+        </p:txBody>
+      </p:sp>
+      <p:sp>
+        <p:nvSpPr>
+          <p:cNvPr id="65" name="직사각형 64">
+            <a:extLst>
+              <a:ext uri="{FF2B5EF4-FFF2-40B4-BE49-F238E27FC236}">
+                <a16:creationId xmlns:a16="http://schemas.microsoft.com/office/drawing/2014/main" id="{9F17BBE1-DB2B-4F29-8BC5-135C4159FB8A}"/>
+              </a:ext>
+            </a:extLst>
+          </p:cNvPr>
+          <p:cNvSpPr/>
+          <p:nvPr/>
+        </p:nvSpPr>
+        <p:spPr>
+          <a:xfrm>
+            <a:off x="3241610" y="1868186"/>
+            <a:ext cx="2007281" cy="276999"/>
+          </a:xfrm>
+          <a:prstGeom prst="rect">
+            <a:avLst/>
+          </a:prstGeom>
+        </p:spPr>
+        <p:txBody>
+          <a:bodyPr wrap="none">
+            <a:spAutoFit/>
+          </a:bodyPr>
+          <a:lstStyle/>
+          <a:p>
+            <a:r>
+              <a:rPr lang="en-US" altLang="ko-KR" sz="1200" dirty="0"/>
+              <a:t>ImageNet Challenge 2012</a:t>
+            </a:r>
+            <a:endParaRPr lang="ko-KR" altLang="en-US" sz="1200" dirty="0"/>
+          </a:p>
+        </p:txBody>
+      </p:sp>
+      <p:sp>
+        <p:nvSpPr>
+          <p:cNvPr id="32" name="직사각형 31">
+            <a:extLst>
+              <a:ext uri="{FF2B5EF4-FFF2-40B4-BE49-F238E27FC236}">
+                <a16:creationId xmlns:a16="http://schemas.microsoft.com/office/drawing/2014/main" id="{2388F914-7DF8-410C-BB50-B4EA486C2634}"/>
+              </a:ext>
+            </a:extLst>
+          </p:cNvPr>
+          <p:cNvSpPr/>
+          <p:nvPr/>
+        </p:nvSpPr>
+        <p:spPr>
+          <a:xfrm>
+            <a:off x="6833958" y="5073292"/>
+            <a:ext cx="2089638" cy="276999"/>
+          </a:xfrm>
+          <a:prstGeom prst="rect">
+            <a:avLst/>
+          </a:prstGeom>
+        </p:spPr>
+        <p:txBody>
+          <a:bodyPr wrap="square">
+            <a:spAutoFit/>
+          </a:bodyPr>
+          <a:lstStyle/>
+          <a:p>
+            <a:pPr fontAlgn="ctr"/>
+            <a:r>
+              <a:rPr lang="en-US" altLang="ko-KR" sz="1200" dirty="0"/>
+              <a:t>2019</a:t>
+            </a:r>
+            <a:endParaRPr lang="ko-KR" altLang="ko-KR" sz="1200" dirty="0"/>
+          </a:p>
+        </p:txBody>
+      </p:sp>
+      <p:sp>
+        <p:nvSpPr>
+          <p:cNvPr id="36" name="직사각형 35">
+            <a:extLst>
+              <a:ext uri="{FF2B5EF4-FFF2-40B4-BE49-F238E27FC236}">
+                <a16:creationId xmlns:a16="http://schemas.microsoft.com/office/drawing/2014/main" id="{F15E46D8-D6D3-428B-8C6C-EDE6070DCF18}"/>
+              </a:ext>
+            </a:extLst>
+          </p:cNvPr>
+          <p:cNvSpPr/>
+          <p:nvPr/>
+        </p:nvSpPr>
+        <p:spPr>
+          <a:xfrm>
+            <a:off x="2238276" y="3550747"/>
+            <a:ext cx="1352165" cy="276999"/>
+          </a:xfrm>
+          <a:prstGeom prst="rect">
+            <a:avLst/>
+          </a:prstGeom>
+        </p:spPr>
+        <p:txBody>
+          <a:bodyPr wrap="none">
+            <a:spAutoFit/>
+          </a:bodyPr>
+          <a:lstStyle/>
+          <a:p>
+            <a:pPr algn="r" fontAlgn="ctr"/>
+            <a:r>
+              <a:rPr lang="en-US" altLang="ko-KR" sz="1200" dirty="0">
+                <a:effectLst>
+                  <a:outerShdw blurRad="38100" dist="38100" dir="2700000" algn="tl">
+                    <a:srgbClr val="000000">
+                      <a:alpha val="43137"/>
+                    </a:srgbClr>
+                  </a:outerShdw>
+                </a:effectLst>
+              </a:rPr>
+              <a:t>TensorFlow 2015</a:t>
+            </a:r>
+            <a:endParaRPr lang="ko-KR" altLang="ko-KR" sz="1200" dirty="0">
+              <a:effectLst>
+                <a:outerShdw blurRad="38100" dist="38100" dir="2700000" algn="tl">
+                  <a:srgbClr val="000000">
+                    <a:alpha val="43137"/>
+                  </a:srgbClr>
+                </a:outerShdw>
+              </a:effectLst>
+            </a:endParaRPr>
+          </a:p>
+        </p:txBody>
+      </p:sp>
+      <p:sp>
+        <p:nvSpPr>
+          <p:cNvPr id="43" name="직사각형 42">
+            <a:extLst>
+              <a:ext uri="{FF2B5EF4-FFF2-40B4-BE49-F238E27FC236}">
+                <a16:creationId xmlns:a16="http://schemas.microsoft.com/office/drawing/2014/main" id="{5B47F0F9-5A22-4381-A238-6C4747582A2D}"/>
+              </a:ext>
+            </a:extLst>
+          </p:cNvPr>
+          <p:cNvSpPr/>
+          <p:nvPr/>
+        </p:nvSpPr>
+        <p:spPr>
+          <a:xfrm>
+            <a:off x="10903341" y="4169402"/>
+            <a:ext cx="595489" cy="276999"/>
+          </a:xfrm>
+          <a:prstGeom prst="rect">
+            <a:avLst/>
+          </a:prstGeom>
+        </p:spPr>
+        <p:txBody>
+          <a:bodyPr wrap="square">
+            <a:spAutoFit/>
+          </a:bodyPr>
+          <a:lstStyle/>
+          <a:p>
+            <a:pPr fontAlgn="ctr"/>
+            <a:r>
+              <a:rPr lang="en-US" altLang="ko-KR" sz="1200" dirty="0"/>
+              <a:t>2021</a:t>
+            </a:r>
+            <a:endParaRPr lang="ko-KR" altLang="ko-KR" sz="1200" dirty="0"/>
+          </a:p>
+        </p:txBody>
+      </p:sp>
+      <p:sp>
+        <p:nvSpPr>
+          <p:cNvPr id="44" name="직사각형 43">
+            <a:extLst>
+              <a:ext uri="{FF2B5EF4-FFF2-40B4-BE49-F238E27FC236}">
+                <a16:creationId xmlns:a16="http://schemas.microsoft.com/office/drawing/2014/main" id="{AC19CD2C-CC17-49C6-9F88-D16CF4F93BD6}"/>
+              </a:ext>
+            </a:extLst>
+          </p:cNvPr>
+          <p:cNvSpPr/>
+          <p:nvPr/>
+        </p:nvSpPr>
+        <p:spPr>
+          <a:xfrm>
+            <a:off x="10980846" y="6025617"/>
+            <a:ext cx="595489" cy="277000"/>
+          </a:xfrm>
+          <a:prstGeom prst="rect">
+            <a:avLst/>
+          </a:prstGeom>
+        </p:spPr>
+        <p:txBody>
+          <a:bodyPr wrap="square">
+            <a:spAutoFit/>
+          </a:bodyPr>
+          <a:lstStyle/>
+          <a:p>
+            <a:pPr fontAlgn="ctr"/>
+            <a:r>
+              <a:rPr lang="en-US" altLang="ko-KR" sz="1200" dirty="0"/>
+              <a:t>2023</a:t>
+            </a:r>
+            <a:endParaRPr lang="ko-KR" altLang="ko-KR" sz="1200" dirty="0"/>
+          </a:p>
+        </p:txBody>
+      </p:sp>
+      <p:sp>
+        <p:nvSpPr>
+          <p:cNvPr id="45" name="직사각형 44">
+            <a:extLst>
+              <a:ext uri="{FF2B5EF4-FFF2-40B4-BE49-F238E27FC236}">
+                <a16:creationId xmlns:a16="http://schemas.microsoft.com/office/drawing/2014/main" id="{1A57F181-8FB9-4176-A058-C6F4E09C78B9}"/>
+              </a:ext>
+            </a:extLst>
+          </p:cNvPr>
+          <p:cNvSpPr/>
+          <p:nvPr/>
+        </p:nvSpPr>
+        <p:spPr>
+          <a:xfrm>
+            <a:off x="6933453" y="6025617"/>
+            <a:ext cx="2089638" cy="276999"/>
+          </a:xfrm>
+          <a:prstGeom prst="rect">
+            <a:avLst/>
+          </a:prstGeom>
+        </p:spPr>
+        <p:txBody>
+          <a:bodyPr wrap="square">
+            <a:spAutoFit/>
+          </a:bodyPr>
+          <a:lstStyle/>
+          <a:p>
+            <a:pPr fontAlgn="ctr"/>
+            <a:r>
+              <a:rPr lang="en-US" altLang="ko-KR" sz="1200" dirty="0"/>
+              <a:t>2018~</a:t>
+            </a:r>
+            <a:endParaRPr lang="ko-KR" altLang="ko-KR" sz="1200" dirty="0"/>
+          </a:p>
+        </p:txBody>
+      </p:sp>
+      <p:cxnSp>
+        <p:nvCxnSpPr>
+          <p:cNvPr id="29" name="직선 화살표 연결선 28">
+            <a:extLst>
+              <a:ext uri="{FF2B5EF4-FFF2-40B4-BE49-F238E27FC236}">
+                <a16:creationId xmlns:a16="http://schemas.microsoft.com/office/drawing/2014/main" id="{E7B1D185-59CB-4F9F-AA9B-D807A7C14FEC}"/>
+              </a:ext>
+            </a:extLst>
+          </p:cNvPr>
+          <p:cNvCxnSpPr>
+            <a:cxnSpLocks/>
+          </p:cNvCxnSpPr>
+          <p:nvPr/>
+        </p:nvCxnSpPr>
+        <p:spPr>
+          <a:xfrm>
+            <a:off x="5144966" y="2145185"/>
+            <a:ext cx="1570339" cy="1283815"/>
+          </a:xfrm>
+          <a:prstGeom prst="straightConnector1">
+            <a:avLst/>
+          </a:prstGeom>
+          <a:ln>
+            <a:gradFill>
+              <a:gsLst>
+                <a:gs pos="41000">
+                  <a:srgbClr val="DAE3F3"/>
+                </a:gs>
+                <a:gs pos="0">
+                  <a:schemeClr val="accent1">
+                    <a:lumMod val="5000"/>
+                    <a:lumOff val="95000"/>
+                  </a:schemeClr>
+                </a:gs>
+                <a:gs pos="74000">
+                  <a:schemeClr val="accent1">
+                    <a:lumMod val="45000"/>
+                    <a:lumOff val="55000"/>
+                  </a:schemeClr>
+                </a:gs>
+                <a:gs pos="83000">
+                  <a:schemeClr val="accent1">
+                    <a:lumMod val="45000"/>
+                    <a:lumOff val="55000"/>
+                  </a:schemeClr>
+                </a:gs>
+                <a:gs pos="100000">
+                  <a:schemeClr val="accent1">
+                    <a:lumMod val="30000"/>
+                    <a:lumOff val="70000"/>
+                  </a:schemeClr>
+                </a:gs>
+              </a:gsLst>
+              <a:lin ang="5400000" scaled="1"/>
+            </a:gradFill>
+            <a:tailEnd type="triangle"/>
+          </a:ln>
+        </p:spPr>
+        <p:style>
+          <a:lnRef idx="1">
+            <a:schemeClr val="accent1"/>
+          </a:lnRef>
+          <a:fillRef idx="0">
+            <a:schemeClr val="accent1"/>
+          </a:fillRef>
+          <a:effectRef idx="0">
+            <a:schemeClr val="accent1"/>
+          </a:effectRef>
+          <a:fontRef idx="minor">
+            <a:schemeClr val="tx1"/>
+          </a:fontRef>
+        </p:style>
+      </p:cxnSp>
     </p:spTree>
     <p:extLst>
       <p:ext uri="{BB962C8B-B14F-4D97-AF65-F5344CB8AC3E}">
-        <p14:creationId xmlns:p14="http://schemas.microsoft.com/office/powerpoint/2010/main" val="4252363898"/>
+        <p14:creationId xmlns:p14="http://schemas.microsoft.com/office/powerpoint/2010/main" val="4109791516"/>
       </p:ext>
     </p:extLst>
   </p:cSld>
@@ -3419,12 +4835,41 @@
           <a:chExt cx="0" cy="0"/>
         </a:xfrm>
       </p:grpSpPr>
+      <p:sp>
+        <p:nvSpPr>
+          <p:cNvPr id="2" name="제목 1">
+            <a:extLst>
+              <a:ext uri="{FF2B5EF4-FFF2-40B4-BE49-F238E27FC236}">
+                <a16:creationId xmlns:a16="http://schemas.microsoft.com/office/drawing/2014/main" id="{2D519A7D-D7F1-4736-B840-FEFC10711E32}"/>
+              </a:ext>
+            </a:extLst>
+          </p:cNvPr>
+          <p:cNvSpPr>
+            <a:spLocks noGrp="1"/>
+          </p:cNvSpPr>
+          <p:nvPr>
+            <p:ph type="title"/>
+          </p:nvPr>
+        </p:nvSpPr>
+        <p:spPr/>
+        <p:txBody>
+          <a:bodyPr/>
+          <a:lstStyle/>
+          <a:p>
+            <a:r>
+              <a:rPr lang="en-US" altLang="ko-KR" dirty="0"/>
+              <a:t>Function</a:t>
+            </a:r>
+            <a:endParaRPr lang="ko-KR" altLang="en-US" dirty="0"/>
+          </a:p>
+        </p:txBody>
+      </p:sp>
       <p:pic>
         <p:nvPicPr>
-          <p:cNvPr id="6146" name="Picture 2">
-            <a:extLst>
-              <a:ext uri="{FF2B5EF4-FFF2-40B4-BE49-F238E27FC236}">
-                <a16:creationId xmlns:a16="http://schemas.microsoft.com/office/drawing/2014/main" id="{6913617A-6A80-409A-A9D3-5A38693C3C6F}"/>
+          <p:cNvPr id="1026" name="Picture 2" descr="함수는 입력값에 따라 출력값을 만들어 내는 ‘블랙 박스’와 같다.">
+            <a:extLst>
+              <a:ext uri="{FF2B5EF4-FFF2-40B4-BE49-F238E27FC236}">
+                <a16:creationId xmlns:a16="http://schemas.microsoft.com/office/drawing/2014/main" id="{0A812A7D-1D47-4D93-AB71-151A64A9A0BE}"/>
               </a:ext>
             </a:extLst>
           </p:cNvPr>
@@ -3450,8 +4895,8 @@
         </p:blipFill>
         <p:spPr bwMode="auto">
           <a:xfrm>
-            <a:off x="1474097" y="810491"/>
-            <a:ext cx="9799013" cy="5511945"/>
+            <a:off x="3896960" y="1825625"/>
+            <a:ext cx="4398080" cy="4351338"/>
           </a:xfrm>
           <a:prstGeom prst="rect">
             <a:avLst/>
@@ -3471,7 +4916,7 @@
     </p:spTree>
     <p:extLst>
       <p:ext uri="{BB962C8B-B14F-4D97-AF65-F5344CB8AC3E}">
-        <p14:creationId xmlns:p14="http://schemas.microsoft.com/office/powerpoint/2010/main" val="1428894077"/>
+        <p14:creationId xmlns:p14="http://schemas.microsoft.com/office/powerpoint/2010/main" val="1105603061"/>
       </p:ext>
     </p:extLst>
   </p:cSld>
@@ -3500,10 +4945,10 @@
       </p:grpSpPr>
       <p:pic>
         <p:nvPicPr>
-          <p:cNvPr id="7170" name="Picture 2" descr="Future Internet | Free Full-Text | Predicting Dog Emotions Based on Posture  Analysis Using DeepLabCut">
-            <a:extLst>
-              <a:ext uri="{FF2B5EF4-FFF2-40B4-BE49-F238E27FC236}">
-                <a16:creationId xmlns:a16="http://schemas.microsoft.com/office/drawing/2014/main" id="{8E62A480-36E6-4063-922A-82A61180D5A9}"/>
+          <p:cNvPr id="6146" name="Picture 2">
+            <a:extLst>
+              <a:ext uri="{FF2B5EF4-FFF2-40B4-BE49-F238E27FC236}">
+                <a16:creationId xmlns:a16="http://schemas.microsoft.com/office/drawing/2014/main" id="{6913617A-6A80-409A-A9D3-5A38693C3C6F}"/>
               </a:ext>
             </a:extLst>
           </p:cNvPr>
@@ -3529,8 +4974,8 @@
         </p:blipFill>
         <p:spPr bwMode="auto">
           <a:xfrm>
-            <a:off x="2005446" y="108374"/>
-            <a:ext cx="7684714" cy="6006244"/>
+            <a:off x="1474097" y="810491"/>
+            <a:ext cx="9799013" cy="5511945"/>
           </a:xfrm>
           <a:prstGeom prst="rect">
             <a:avLst/>
@@ -3550,7 +4995,7 @@
     </p:spTree>
     <p:extLst>
       <p:ext uri="{BB962C8B-B14F-4D97-AF65-F5344CB8AC3E}">
-        <p14:creationId xmlns:p14="http://schemas.microsoft.com/office/powerpoint/2010/main" val="2515599592"/>
+        <p14:creationId xmlns:p14="http://schemas.microsoft.com/office/powerpoint/2010/main" val="1428894077"/>
       </p:ext>
     </p:extLst>
   </p:cSld>
@@ -3579,10 +5024,10 @@
       </p:grpSpPr>
       <p:pic>
         <p:nvPicPr>
-          <p:cNvPr id="8194" name="Picture 2" descr="An analysis on computer vision problems | by Shravan Murali | Shravan's  Blog | Medium">
-            <a:extLst>
-              <a:ext uri="{FF2B5EF4-FFF2-40B4-BE49-F238E27FC236}">
-                <a16:creationId xmlns:a16="http://schemas.microsoft.com/office/drawing/2014/main" id="{0CB1F4C2-2CD5-4C17-BC44-BABD1D165316}"/>
+          <p:cNvPr id="7170" name="Picture 2" descr="Future Internet | Free Full-Text | Predicting Dog Emotions Based on Posture  Analysis Using DeepLabCut">
+            <a:extLst>
+              <a:ext uri="{FF2B5EF4-FFF2-40B4-BE49-F238E27FC236}">
+                <a16:creationId xmlns:a16="http://schemas.microsoft.com/office/drawing/2014/main" id="{8E62A480-36E6-4063-922A-82A61180D5A9}"/>
               </a:ext>
             </a:extLst>
           </p:cNvPr>
@@ -3608,8 +5053,8 @@
         </p:blipFill>
         <p:spPr bwMode="auto">
           <a:xfrm>
-            <a:off x="1670292" y="444427"/>
-            <a:ext cx="8549969" cy="5969145"/>
+            <a:off x="2005446" y="108374"/>
+            <a:ext cx="7684714" cy="6006244"/>
           </a:xfrm>
           <a:prstGeom prst="rect">
             <a:avLst/>
@@ -3629,7 +5074,7 @@
     </p:spTree>
     <p:extLst>
       <p:ext uri="{BB962C8B-B14F-4D97-AF65-F5344CB8AC3E}">
-        <p14:creationId xmlns:p14="http://schemas.microsoft.com/office/powerpoint/2010/main" val="225178533"/>
+        <p14:creationId xmlns:p14="http://schemas.microsoft.com/office/powerpoint/2010/main" val="2515599592"/>
       </p:ext>
     </p:extLst>
   </p:cSld>
@@ -3658,10 +5103,10 @@
       </p:grpSpPr>
       <p:pic>
         <p:nvPicPr>
-          <p:cNvPr id="9218" name="Picture 2" descr="Dispelling Myths: Deep Learning vs. Machine Learning">
-            <a:extLst>
-              <a:ext uri="{FF2B5EF4-FFF2-40B4-BE49-F238E27FC236}">
-                <a16:creationId xmlns:a16="http://schemas.microsoft.com/office/drawing/2014/main" id="{E7650AF9-6EBB-4661-891D-DF32EDE03EB6}"/>
+          <p:cNvPr id="8194" name="Picture 2" descr="An analysis on computer vision problems | by Shravan Murali | Shravan's  Blog | Medium">
+            <a:extLst>
+              <a:ext uri="{FF2B5EF4-FFF2-40B4-BE49-F238E27FC236}">
+                <a16:creationId xmlns:a16="http://schemas.microsoft.com/office/drawing/2014/main" id="{0CB1F4C2-2CD5-4C17-BC44-BABD1D165316}"/>
               </a:ext>
             </a:extLst>
           </p:cNvPr>
@@ -3687,8 +5132,8 @@
         </p:blipFill>
         <p:spPr bwMode="auto">
           <a:xfrm>
-            <a:off x="0" y="306784"/>
-            <a:ext cx="12111832" cy="6055916"/>
+            <a:off x="1670292" y="444427"/>
+            <a:ext cx="8549969" cy="5969145"/>
           </a:xfrm>
           <a:prstGeom prst="rect">
             <a:avLst/>
@@ -3708,7 +5153,7 @@
     </p:spTree>
     <p:extLst>
       <p:ext uri="{BB962C8B-B14F-4D97-AF65-F5344CB8AC3E}">
-        <p14:creationId xmlns:p14="http://schemas.microsoft.com/office/powerpoint/2010/main" val="2840329664"/>
+        <p14:creationId xmlns:p14="http://schemas.microsoft.com/office/powerpoint/2010/main" val="225178533"/>
       </p:ext>
     </p:extLst>
   </p:cSld>
@@ -3787,6 +5232,85 @@
     </p:spTree>
     <p:extLst>
       <p:ext uri="{BB962C8B-B14F-4D97-AF65-F5344CB8AC3E}">
+        <p14:creationId xmlns:p14="http://schemas.microsoft.com/office/powerpoint/2010/main" val="2840329664"/>
+      </p:ext>
+    </p:extLst>
+  </p:cSld>
+  <p:clrMapOvr>
+    <a:masterClrMapping/>
+  </p:clrMapOvr>
+</p:sld>
+</file>
+
+<file path=ppt/slides/slide15.xml><?xml version="1.0" encoding="utf-8"?>
+<p:sld xmlns:a="http://schemas.openxmlformats.org/drawingml/2006/main" xmlns:r="http://schemas.openxmlformats.org/officeDocument/2006/relationships" xmlns:p="http://schemas.openxmlformats.org/presentationml/2006/main">
+  <p:cSld>
+    <p:spTree>
+      <p:nvGrpSpPr>
+        <p:cNvPr id="1" name=""/>
+        <p:cNvGrpSpPr/>
+        <p:nvPr/>
+      </p:nvGrpSpPr>
+      <p:grpSpPr>
+        <a:xfrm>
+          <a:off x="0" y="0"/>
+          <a:ext cx="0" cy="0"/>
+          <a:chOff x="0" y="0"/>
+          <a:chExt cx="0" cy="0"/>
+        </a:xfrm>
+      </p:grpSpPr>
+      <p:pic>
+        <p:nvPicPr>
+          <p:cNvPr id="9218" name="Picture 2" descr="Dispelling Myths: Deep Learning vs. Machine Learning">
+            <a:extLst>
+              <a:ext uri="{FF2B5EF4-FFF2-40B4-BE49-F238E27FC236}">
+                <a16:creationId xmlns:a16="http://schemas.microsoft.com/office/drawing/2014/main" id="{E7650AF9-6EBB-4661-891D-DF32EDE03EB6}"/>
+              </a:ext>
+            </a:extLst>
+          </p:cNvPr>
+          <p:cNvPicPr>
+            <a:picLocks noGrp="1" noChangeAspect="1" noChangeArrowheads="1"/>
+          </p:cNvPicPr>
+          <p:nvPr>
+            <p:ph idx="1"/>
+          </p:nvPr>
+        </p:nvPicPr>
+        <p:blipFill>
+          <a:blip r:embed="rId2">
+            <a:extLst>
+              <a:ext uri="{28A0092B-C50C-407E-A947-70E740481C1C}">
+                <a14:useLocalDpi xmlns:a14="http://schemas.microsoft.com/office/drawing/2010/main" val="0"/>
+              </a:ext>
+            </a:extLst>
+          </a:blip>
+          <a:srcRect/>
+          <a:stretch>
+            <a:fillRect/>
+          </a:stretch>
+        </p:blipFill>
+        <p:spPr bwMode="auto">
+          <a:xfrm>
+            <a:off x="0" y="306784"/>
+            <a:ext cx="12111832" cy="6055916"/>
+          </a:xfrm>
+          <a:prstGeom prst="rect">
+            <a:avLst/>
+          </a:prstGeom>
+          <a:noFill/>
+          <a:extLst>
+            <a:ext uri="{909E8E84-426E-40DD-AFC4-6F175D3DCCD1}">
+              <a14:hiddenFill xmlns:a14="http://schemas.microsoft.com/office/drawing/2010/main">
+                <a:solidFill>
+                  <a:srgbClr val="FFFFFF"/>
+                </a:solidFill>
+              </a14:hiddenFill>
+            </a:ext>
+          </a:extLst>
+        </p:spPr>
+      </p:pic>
+    </p:spTree>
+    <p:extLst>
+      <p:ext uri="{BB962C8B-B14F-4D97-AF65-F5344CB8AC3E}">
         <p14:creationId xmlns:p14="http://schemas.microsoft.com/office/powerpoint/2010/main" val="1323154639"/>
       </p:ext>
     </p:extLst>
@@ -3797,7 +5321,7 @@
 </p:sld>
 </file>
 
-<file path=ppt/slides/slide15.xml><?xml version="1.0" encoding="utf-8"?>
+<file path=ppt/slides/slide16.xml><?xml version="1.0" encoding="utf-8"?>
 <p:sld xmlns:a="http://schemas.openxmlformats.org/drawingml/2006/main" xmlns:r="http://schemas.openxmlformats.org/officeDocument/2006/relationships" xmlns:p="http://schemas.openxmlformats.org/presentationml/2006/main">
   <p:cSld>
     <p:spTree>
@@ -3922,367 +5446,59 @@
           <a:chExt cx="0" cy="0"/>
         </a:xfrm>
       </p:grpSpPr>
-      <p:sp>
-        <p:nvSpPr>
-          <p:cNvPr id="2" name="제목 1">
-            <a:extLst>
-              <a:ext uri="{FF2B5EF4-FFF2-40B4-BE49-F238E27FC236}">
-                <a16:creationId xmlns:a16="http://schemas.microsoft.com/office/drawing/2014/main" id="{BB4525D2-F44A-4AC0-B26F-C1CF3B774CBF}"/>
-              </a:ext>
-            </a:extLst>
-          </p:cNvPr>
-          <p:cNvSpPr>
-            <a:spLocks noGrp="1"/>
-          </p:cNvSpPr>
-          <p:nvPr>
-            <p:ph type="title"/>
-          </p:nvPr>
-        </p:nvSpPr>
-        <p:spPr/>
-        <p:txBody>
-          <a:bodyPr/>
-          <a:lstStyle/>
-          <a:p>
-            <a:r>
-              <a:rPr lang="en-US" altLang="ko-KR" dirty="0"/>
-              <a:t>chat GPT</a:t>
-            </a:r>
-            <a:endParaRPr lang="ko-KR" altLang="en-US" dirty="0"/>
-          </a:p>
-        </p:txBody>
-      </p:sp>
-      <p:sp>
-        <p:nvSpPr>
-          <p:cNvPr id="3" name="내용 개체 틀 2">
-            <a:extLst>
-              <a:ext uri="{FF2B5EF4-FFF2-40B4-BE49-F238E27FC236}">
-                <a16:creationId xmlns:a16="http://schemas.microsoft.com/office/drawing/2014/main" id="{E4BE8763-09BB-462A-8B96-E8A3DE4DF49F}"/>
-              </a:ext>
-            </a:extLst>
-          </p:cNvPr>
-          <p:cNvSpPr>
-            <a:spLocks noGrp="1"/>
-          </p:cNvSpPr>
+      <p:pic>
+        <p:nvPicPr>
+          <p:cNvPr id="9218" name="Picture 2" descr="Dispelling Myths: Deep Learning vs. Machine Learning">
+            <a:extLst>
+              <a:ext uri="{FF2B5EF4-FFF2-40B4-BE49-F238E27FC236}">
+                <a16:creationId xmlns:a16="http://schemas.microsoft.com/office/drawing/2014/main" id="{E7650AF9-6EBB-4661-891D-DF32EDE03EB6}"/>
+              </a:ext>
+            </a:extLst>
+          </p:cNvPr>
+          <p:cNvPicPr>
+            <a:picLocks noGrp="1" noChangeAspect="1" noChangeArrowheads="1"/>
+          </p:cNvPicPr>
           <p:nvPr>
             <p:ph idx="1"/>
           </p:nvPr>
-        </p:nvSpPr>
-        <p:spPr/>
-        <p:txBody>
-          <a:bodyPr>
-            <a:normAutofit/>
-          </a:bodyPr>
-          <a:lstStyle/>
-          <a:p>
-            <a:r>
-              <a:rPr lang="ko-KR" altLang="ko-KR" b="1" i="1" dirty="0" err="1"/>
-              <a:t>Generative</a:t>
-            </a:r>
-            <a:r>
-              <a:rPr lang="ko-KR" altLang="ko-KR" b="1" i="1" dirty="0"/>
-              <a:t> </a:t>
-            </a:r>
-            <a:r>
-              <a:rPr lang="ko-KR" altLang="ko-KR" b="1" i="1" dirty="0" err="1"/>
-              <a:t>Pre-trained</a:t>
-            </a:r>
-            <a:r>
-              <a:rPr lang="ko-KR" altLang="ko-KR" b="1" i="1" dirty="0"/>
-              <a:t> </a:t>
-            </a:r>
-            <a:r>
-              <a:rPr lang="ko-KR" altLang="ko-KR" b="1" i="1" dirty="0" err="1"/>
-              <a:t>Transformer</a:t>
-            </a:r>
-            <a:endParaRPr lang="en-US" altLang="ko-KR" b="1" i="1" dirty="0"/>
-          </a:p>
-          <a:p>
-            <a:endParaRPr lang="en-US" altLang="ko-KR" b="1" i="1" dirty="0"/>
-          </a:p>
-          <a:p>
-            <a:r>
-              <a:rPr lang="ko-KR" altLang="ko-KR" sz="2400" dirty="0" err="1"/>
-              <a:t>In</a:t>
-            </a:r>
-            <a:r>
-              <a:rPr lang="ko-KR" altLang="ko-KR" sz="2400" dirty="0"/>
-              <a:t> </a:t>
-            </a:r>
-            <a:r>
-              <a:rPr lang="ko-KR" altLang="ko-KR" sz="2400" dirty="0" err="1"/>
-              <a:t>a</a:t>
-            </a:r>
-            <a:r>
-              <a:rPr lang="ko-KR" altLang="ko-KR" sz="2400" dirty="0"/>
-              <a:t> </a:t>
-            </a:r>
-            <a:r>
-              <a:rPr lang="ko-KR" altLang="ko-KR" sz="2400" dirty="0" err="1"/>
-              <a:t>nutshell</a:t>
-            </a:r>
-            <a:r>
-              <a:rPr lang="ko-KR" altLang="ko-KR" sz="2400" dirty="0"/>
-              <a:t>, </a:t>
-            </a:r>
-            <a:r>
-              <a:rPr lang="ko-KR" altLang="ko-KR" sz="2400" dirty="0" err="1"/>
-              <a:t>Chat</a:t>
-            </a:r>
-            <a:r>
-              <a:rPr lang="ko-KR" altLang="ko-KR" sz="2400" dirty="0"/>
-              <a:t> GPT </a:t>
-            </a:r>
-            <a:r>
-              <a:rPr lang="ko-KR" altLang="ko-KR" sz="2400" dirty="0" err="1"/>
-              <a:t>is</a:t>
-            </a:r>
-            <a:r>
-              <a:rPr lang="ko-KR" altLang="ko-KR" sz="2400" dirty="0"/>
-              <a:t> </a:t>
-            </a:r>
-            <a:r>
-              <a:rPr lang="ko-KR" altLang="ko-KR" sz="2400" dirty="0" err="1"/>
-              <a:t>an</a:t>
-            </a:r>
-            <a:r>
-              <a:rPr lang="ko-KR" altLang="ko-KR" sz="2400" dirty="0"/>
-              <a:t> </a:t>
-            </a:r>
-            <a:endParaRPr lang="en-US" altLang="ko-KR" sz="2400" dirty="0"/>
-          </a:p>
-          <a:p>
-            <a:endParaRPr lang="ko-KR" altLang="ko-KR" sz="2400" dirty="0"/>
-          </a:p>
-          <a:p>
-            <a:pPr marL="457200" lvl="1" indent="0">
-              <a:buNone/>
-            </a:pPr>
-            <a:r>
-              <a:rPr lang="ko-KR" altLang="ko-KR" sz="2800" dirty="0" err="1">
-                <a:highlight>
-                  <a:srgbClr val="C0C0C0"/>
-                </a:highlight>
-              </a:rPr>
-              <a:t>artificial</a:t>
-            </a:r>
-            <a:r>
-              <a:rPr lang="ko-KR" altLang="ko-KR" sz="2800" dirty="0">
-                <a:highlight>
-                  <a:srgbClr val="C0C0C0"/>
-                </a:highlight>
-              </a:rPr>
-              <a:t> </a:t>
-            </a:r>
-            <a:r>
-              <a:rPr lang="ko-KR" altLang="ko-KR" sz="2800" dirty="0" err="1">
-                <a:highlight>
-                  <a:srgbClr val="C0C0C0"/>
-                </a:highlight>
-              </a:rPr>
-              <a:t>intelligence</a:t>
-            </a:r>
-            <a:r>
-              <a:rPr lang="ko-KR" altLang="ko-KR" sz="2800" dirty="0">
-                <a:highlight>
-                  <a:srgbClr val="C0C0C0"/>
-                </a:highlight>
-              </a:rPr>
-              <a:t> </a:t>
-            </a:r>
-            <a:r>
-              <a:rPr lang="ko-KR" altLang="ko-KR" dirty="0"/>
-              <a:t>(AI) </a:t>
-            </a:r>
-            <a:r>
-              <a:rPr lang="ko-KR" altLang="ko-KR" sz="2800" dirty="0" err="1">
-                <a:highlight>
-                  <a:srgbClr val="C0C0C0"/>
-                </a:highlight>
-              </a:rPr>
-              <a:t>content</a:t>
-            </a:r>
-            <a:r>
-              <a:rPr lang="ko-KR" altLang="ko-KR" sz="2800" dirty="0">
-                <a:highlight>
-                  <a:srgbClr val="C0C0C0"/>
-                </a:highlight>
-              </a:rPr>
-              <a:t> </a:t>
-            </a:r>
-            <a:r>
-              <a:rPr lang="ko-KR" altLang="ko-KR" sz="2800" dirty="0" err="1">
-                <a:highlight>
-                  <a:srgbClr val="C0C0C0"/>
-                </a:highlight>
-              </a:rPr>
-              <a:t>generator</a:t>
-            </a:r>
-            <a:r>
-              <a:rPr lang="ko-KR" altLang="ko-KR" sz="2800" dirty="0">
-                <a:highlight>
-                  <a:srgbClr val="C0C0C0"/>
-                </a:highlight>
-              </a:rPr>
-              <a:t> </a:t>
-            </a:r>
-            <a:endParaRPr lang="en-US" altLang="ko-KR" dirty="0">
-              <a:highlight>
-                <a:srgbClr val="C0C0C0"/>
-              </a:highlight>
-            </a:endParaRPr>
-          </a:p>
-          <a:p>
-            <a:pPr marL="457200" lvl="1" indent="0">
-              <a:buNone/>
-            </a:pPr>
-            <a:endParaRPr lang="ko-KR" altLang="ko-KR" dirty="0">
-              <a:highlight>
-                <a:srgbClr val="C0C0C0"/>
-              </a:highlight>
-            </a:endParaRPr>
-          </a:p>
-          <a:p>
-            <a:pPr marL="457200" lvl="1" indent="0">
-              <a:buNone/>
-            </a:pPr>
-            <a:r>
-              <a:rPr lang="ko-KR" altLang="ko-KR" dirty="0" err="1"/>
-              <a:t>that</a:t>
-            </a:r>
-            <a:r>
-              <a:rPr lang="ko-KR" altLang="ko-KR" dirty="0"/>
-              <a:t> </a:t>
-            </a:r>
-            <a:r>
-              <a:rPr lang="ko-KR" altLang="ko-KR" sz="2800" dirty="0" err="1">
-                <a:highlight>
-                  <a:srgbClr val="C0C0C0"/>
-                </a:highlight>
-              </a:rPr>
-              <a:t>semi-autonomously</a:t>
-            </a:r>
-            <a:r>
-              <a:rPr lang="ko-KR" altLang="ko-KR" dirty="0"/>
-              <a:t> </a:t>
-            </a:r>
-            <a:r>
-              <a:rPr lang="ko-KR" altLang="ko-KR" dirty="0" err="1"/>
-              <a:t>creates</a:t>
-            </a:r>
-            <a:r>
-              <a:rPr lang="ko-KR" altLang="ko-KR" dirty="0"/>
-              <a:t> </a:t>
-            </a:r>
-            <a:r>
-              <a:rPr lang="ko-KR" altLang="ko-KR" dirty="0" err="1"/>
-              <a:t>phrases</a:t>
-            </a:r>
-            <a:r>
-              <a:rPr lang="ko-KR" altLang="ko-KR" dirty="0"/>
-              <a:t> and </a:t>
-            </a:r>
-            <a:r>
-              <a:rPr lang="ko-KR" altLang="ko-KR" dirty="0" err="1"/>
-              <a:t>articles</a:t>
-            </a:r>
-            <a:r>
-              <a:rPr lang="ko-KR" altLang="ko-KR" dirty="0"/>
-              <a:t> </a:t>
-            </a:r>
-            <a:endParaRPr lang="en-US" altLang="ko-KR" dirty="0"/>
-          </a:p>
-          <a:p>
-            <a:pPr marL="457200" lvl="1" indent="0">
-              <a:buNone/>
-            </a:pPr>
-            <a:endParaRPr lang="en-US" altLang="ko-KR" dirty="0"/>
-          </a:p>
-          <a:p>
-            <a:pPr marL="457200" lvl="1" indent="0">
-              <a:buNone/>
-            </a:pPr>
-            <a:r>
-              <a:rPr lang="ko-KR" altLang="ko-KR" sz="2800" dirty="0" err="1">
-                <a:highlight>
-                  <a:srgbClr val="C0C0C0"/>
-                </a:highlight>
-              </a:rPr>
-              <a:t>based</a:t>
-            </a:r>
-            <a:r>
-              <a:rPr lang="ko-KR" altLang="ko-KR" sz="2800" dirty="0">
-                <a:highlight>
-                  <a:srgbClr val="C0C0C0"/>
-                </a:highlight>
-              </a:rPr>
-              <a:t> </a:t>
-            </a:r>
-            <a:r>
-              <a:rPr lang="ko-KR" altLang="ko-KR" sz="2800" dirty="0" err="1">
-                <a:highlight>
-                  <a:srgbClr val="C0C0C0"/>
-                </a:highlight>
-              </a:rPr>
-              <a:t>on</a:t>
-            </a:r>
-            <a:r>
-              <a:rPr lang="ko-KR" altLang="ko-KR" sz="2800" dirty="0">
-                <a:highlight>
-                  <a:srgbClr val="C0C0C0"/>
-                </a:highlight>
-              </a:rPr>
-              <a:t> </a:t>
-            </a:r>
-            <a:r>
-              <a:rPr lang="ko-KR" altLang="ko-KR" sz="2800" dirty="0" err="1">
-                <a:highlight>
-                  <a:srgbClr val="C0C0C0"/>
-                </a:highlight>
-              </a:rPr>
-              <a:t>user</a:t>
-            </a:r>
-            <a:r>
-              <a:rPr lang="ko-KR" altLang="ko-KR" sz="2800" dirty="0">
-                <a:highlight>
-                  <a:srgbClr val="C0C0C0"/>
-                </a:highlight>
-              </a:rPr>
-              <a:t> </a:t>
-            </a:r>
-            <a:r>
-              <a:rPr lang="ko-KR" altLang="ko-KR" sz="2800" dirty="0" err="1">
-                <a:highlight>
-                  <a:srgbClr val="C0C0C0"/>
-                </a:highlight>
-              </a:rPr>
-              <a:t>input</a:t>
-            </a:r>
-            <a:r>
-              <a:rPr lang="ko-KR" altLang="ko-KR" sz="2800" dirty="0">
-                <a:highlight>
-                  <a:srgbClr val="C0C0C0"/>
-                </a:highlight>
-              </a:rPr>
-              <a:t>.</a:t>
-            </a:r>
-            <a:r>
-              <a:rPr lang="en-US" altLang="ko-KR" sz="2800" dirty="0">
-                <a:highlight>
-                  <a:srgbClr val="C0C0C0"/>
-                </a:highlight>
-              </a:rPr>
-              <a:t> </a:t>
-            </a:r>
-          </a:p>
-          <a:p>
-            <a:endParaRPr lang="ko-KR" altLang="en-US" dirty="0"/>
-          </a:p>
-        </p:txBody>
-      </p:sp>
+        </p:nvPicPr>
+        <p:blipFill>
+          <a:blip r:embed="rId2">
+            <a:extLst>
+              <a:ext uri="{28A0092B-C50C-407E-A947-70E740481C1C}">
+                <a14:useLocalDpi xmlns:a14="http://schemas.microsoft.com/office/drawing/2010/main" val="0"/>
+              </a:ext>
+            </a:extLst>
+          </a:blip>
+          <a:srcRect/>
+          <a:stretch>
+            <a:fillRect/>
+          </a:stretch>
+        </p:blipFill>
+        <p:spPr bwMode="auto">
+          <a:xfrm>
+            <a:off x="0" y="306784"/>
+            <a:ext cx="12111832" cy="6055916"/>
+          </a:xfrm>
+          <a:prstGeom prst="rect">
+            <a:avLst/>
+          </a:prstGeom>
+          <a:noFill/>
+          <a:extLst>
+            <a:ext uri="{909E8E84-426E-40DD-AFC4-6F175D3DCCD1}">
+              <a14:hiddenFill xmlns:a14="http://schemas.microsoft.com/office/drawing/2010/main">
+                <a:solidFill>
+                  <a:srgbClr val="FFFFFF"/>
+                </a:solidFill>
+              </a14:hiddenFill>
+            </a:ext>
+          </a:extLst>
+        </p:spPr>
+      </p:pic>
     </p:spTree>
     <p:extLst>
       <p:ext uri="{BB962C8B-B14F-4D97-AF65-F5344CB8AC3E}">
-        <p14:creationId xmlns:p14="http://schemas.microsoft.com/office/powerpoint/2010/main" val="3958483156"/>
+        <p14:creationId xmlns:p14="http://schemas.microsoft.com/office/powerpoint/2010/main" val="4252363898"/>
       </p:ext>
     </p:extLst>
   </p:cSld>
@@ -4314,7 +5530,7 @@
           <p:cNvPr id="2" name="제목 1">
             <a:extLst>
               <a:ext uri="{FF2B5EF4-FFF2-40B4-BE49-F238E27FC236}">
-                <a16:creationId xmlns:a16="http://schemas.microsoft.com/office/drawing/2014/main" id="{C4FDD06B-ED4C-4874-9CEC-6266E17A59B3}"/>
+                <a16:creationId xmlns:a16="http://schemas.microsoft.com/office/drawing/2014/main" id="{BB4525D2-F44A-4AC0-B26F-C1CF3B774CBF}"/>
               </a:ext>
             </a:extLst>
           </p:cNvPr>
@@ -4327,295 +5543,349 @@
         </p:nvSpPr>
         <p:spPr/>
         <p:txBody>
+          <a:bodyPr/>
+          <a:lstStyle/>
+          <a:p>
+            <a:r>
+              <a:rPr lang="en-US" altLang="ko-KR" dirty="0"/>
+              <a:t>chat GPT</a:t>
+            </a:r>
+            <a:endParaRPr lang="ko-KR" altLang="en-US" dirty="0"/>
+          </a:p>
+        </p:txBody>
+      </p:sp>
+      <p:sp>
+        <p:nvSpPr>
+          <p:cNvPr id="3" name="내용 개체 틀 2">
+            <a:extLst>
+              <a:ext uri="{FF2B5EF4-FFF2-40B4-BE49-F238E27FC236}">
+                <a16:creationId xmlns:a16="http://schemas.microsoft.com/office/drawing/2014/main" id="{E4BE8763-09BB-462A-8B96-E8A3DE4DF49F}"/>
+              </a:ext>
+            </a:extLst>
+          </p:cNvPr>
+          <p:cNvSpPr>
+            <a:spLocks noGrp="1"/>
+          </p:cNvSpPr>
+          <p:nvPr>
+            <p:ph idx="1"/>
+          </p:nvPr>
+        </p:nvSpPr>
+        <p:spPr/>
+        <p:txBody>
           <a:bodyPr>
-            <a:noAutofit/>
+            <a:normAutofit/>
           </a:bodyPr>
           <a:lstStyle/>
           <a:p>
-            <a:pPr algn="ctr"/>
-            <a:r>
-              <a:rPr lang="en-US" altLang="ko-KR" sz="2800" dirty="0"/>
-              <a:t>The ML explosion in materials science. </a:t>
-            </a:r>
-            <a:br>
-              <a:rPr lang="en-US" altLang="ko-KR" sz="2800" dirty="0"/>
-            </a:br>
-            <a:r>
-              <a:rPr lang="en-US" altLang="ko-KR" sz="2800" dirty="0"/>
-              <a:t>The number of papers containing the terms machine learning</a:t>
-            </a:r>
-            <a:endParaRPr lang="ko-KR" altLang="en-US" sz="2800" dirty="0"/>
-          </a:p>
-        </p:txBody>
-      </p:sp>
-      <p:sp>
-        <p:nvSpPr>
-          <p:cNvPr id="6" name="AutoShape 6" descr="Figure 4. ">
-            <a:extLst>
-              <a:ext uri="{FF2B5EF4-FFF2-40B4-BE49-F238E27FC236}">
-                <a16:creationId xmlns:a16="http://schemas.microsoft.com/office/drawing/2014/main" id="{C6A2BF5C-1B6D-4045-8A20-3D5E7F8E840D}"/>
-              </a:ext>
-            </a:extLst>
-          </p:cNvPr>
-          <p:cNvSpPr>
-            <a:spLocks noChangeAspect="1" noChangeArrowheads="1"/>
-          </p:cNvSpPr>
-          <p:nvPr/>
-        </p:nvSpPr>
-        <p:spPr bwMode="auto">
-          <a:xfrm>
-            <a:off x="5943600" y="3276600"/>
-            <a:ext cx="304800" cy="304800"/>
-          </a:xfrm>
-          <a:prstGeom prst="rect">
-            <a:avLst/>
-          </a:prstGeom>
-          <a:noFill/>
-          <a:extLst>
-            <a:ext uri="{909E8E84-426E-40DD-AFC4-6F175D3DCCD1}">
-              <a14:hiddenFill xmlns:a14="http://schemas.microsoft.com/office/drawing/2010/main">
-                <a:solidFill>
-                  <a:srgbClr val="FFFFFF"/>
-                </a:solidFill>
-              </a14:hiddenFill>
-            </a:ext>
-          </a:extLst>
-        </p:spPr>
-        <p:txBody>
-          <a:bodyPr vert="horz" wrap="square" lIns="91440" tIns="45720" rIns="91440" bIns="45720" numCol="1" anchor="t" anchorCtr="0" compatLnSpc="1">
-            <a:prstTxWarp prst="textNoShape">
-              <a:avLst/>
-            </a:prstTxWarp>
-          </a:bodyPr>
-          <a:lstStyle/>
-          <a:p>
-            <a:endParaRPr lang="ko-KR" altLang="en-US"/>
-          </a:p>
-        </p:txBody>
-      </p:sp>
-      <p:pic>
-        <p:nvPicPr>
-          <p:cNvPr id="10" name="내용 개체 틀 9">
-            <a:extLst>
-              <a:ext uri="{FF2B5EF4-FFF2-40B4-BE49-F238E27FC236}">
-                <a16:creationId xmlns:a16="http://schemas.microsoft.com/office/drawing/2014/main" id="{87A21B1E-763A-4547-98AF-4B652EC8A60A}"/>
-              </a:ext>
-            </a:extLst>
-          </p:cNvPr>
-          <p:cNvPicPr>
-            <a:picLocks noGrp="1" noChangeAspect="1"/>
-          </p:cNvPicPr>
-          <p:nvPr>
-            <p:ph idx="1"/>
-          </p:nvPr>
-        </p:nvPicPr>
-        <p:blipFill>
-          <a:blip r:embed="rId2"/>
-          <a:stretch>
-            <a:fillRect/>
-          </a:stretch>
-        </p:blipFill>
-        <p:spPr>
-          <a:xfrm>
-            <a:off x="2413015" y="1611475"/>
-            <a:ext cx="7502771" cy="4688454"/>
-          </a:xfrm>
-          <a:prstGeom prst="rect">
-            <a:avLst/>
-          </a:prstGeom>
-        </p:spPr>
-      </p:pic>
-      <p:sp>
-        <p:nvSpPr>
-          <p:cNvPr id="11" name="직사각형 10">
-            <a:extLst>
-              <a:ext uri="{FF2B5EF4-FFF2-40B4-BE49-F238E27FC236}">
-                <a16:creationId xmlns:a16="http://schemas.microsoft.com/office/drawing/2014/main" id="{9879F7F6-A68E-481F-B034-EFF5A36B1827}"/>
-              </a:ext>
-            </a:extLst>
-          </p:cNvPr>
-          <p:cNvSpPr/>
-          <p:nvPr/>
-        </p:nvSpPr>
-        <p:spPr>
-          <a:xfrm>
-            <a:off x="113141" y="6620903"/>
-            <a:ext cx="12102518" cy="184666"/>
-          </a:xfrm>
-          <a:prstGeom prst="rect">
-            <a:avLst/>
-          </a:prstGeom>
-        </p:spPr>
-        <p:txBody>
-          <a:bodyPr wrap="square">
-            <a:spAutoFit/>
-          </a:bodyPr>
-          <a:lstStyle/>
-          <a:p>
-            <a:r>
-              <a:rPr lang="en-US" altLang="ko-KR" sz="600" b="1" dirty="0">
-                <a:solidFill>
-                  <a:srgbClr val="333132"/>
-                </a:solidFill>
-                <a:latin typeface="Proxima Nova Subset"/>
+            <a:r>
+              <a:rPr lang="ko-KR" altLang="ko-KR" b="1" i="1" dirty="0" err="1"/>
+              <a:t>Generative</a:t>
+            </a:r>
+            <a:r>
+              <a:rPr lang="ko-KR" altLang="ko-KR" b="1" i="1" dirty="0"/>
+              <a:t> </a:t>
+            </a:r>
+            <a:r>
+              <a:rPr lang="ko-KR" altLang="ko-KR" b="1" i="1" dirty="0" err="1"/>
+              <a:t>Pre-trained</a:t>
+            </a:r>
+            <a:r>
+              <a:rPr lang="ko-KR" altLang="ko-KR" b="1" i="1" dirty="0"/>
+              <a:t> </a:t>
+            </a:r>
+            <a:r>
+              <a:rPr lang="ko-KR" altLang="ko-KR" b="1" i="1" dirty="0" err="1"/>
+              <a:t>Transformer</a:t>
+            </a:r>
+            <a:endParaRPr lang="en-US" altLang="ko-KR" b="1" i="1" dirty="0"/>
+          </a:p>
+          <a:p>
+            <a:endParaRPr lang="en-US" altLang="ko-KR" b="1" i="1" dirty="0"/>
+          </a:p>
+          <a:p>
+            <a:r>
+              <a:rPr lang="ko-KR" altLang="ko-KR" sz="2400" dirty="0" err="1"/>
+              <a:t>In</a:t>
+            </a:r>
+            <a:r>
+              <a:rPr lang="ko-KR" altLang="ko-KR" sz="2400" dirty="0"/>
+              <a:t> </a:t>
+            </a:r>
+            <a:r>
+              <a:rPr lang="ko-KR" altLang="ko-KR" sz="2400" dirty="0" err="1"/>
+              <a:t>a</a:t>
+            </a:r>
+            <a:r>
+              <a:rPr lang="ko-KR" altLang="ko-KR" sz="2400" dirty="0"/>
+              <a:t> </a:t>
+            </a:r>
+            <a:r>
+              <a:rPr lang="ko-KR" altLang="ko-KR" sz="2400" dirty="0" err="1"/>
+              <a:t>nutshell</a:t>
+            </a:r>
+            <a:r>
+              <a:rPr lang="ko-KR" altLang="ko-KR" sz="2400" dirty="0"/>
+              <a:t>, </a:t>
+            </a:r>
+            <a:r>
+              <a:rPr lang="ko-KR" altLang="ko-KR" sz="2400" dirty="0" err="1"/>
+              <a:t>Chat</a:t>
+            </a:r>
+            <a:r>
+              <a:rPr lang="ko-KR" altLang="ko-KR" sz="2400" dirty="0"/>
+              <a:t> GPT </a:t>
+            </a:r>
+            <a:r>
+              <a:rPr lang="ko-KR" altLang="ko-KR" sz="2400" dirty="0" err="1"/>
+              <a:t>is</a:t>
+            </a:r>
+            <a:r>
+              <a:rPr lang="ko-KR" altLang="ko-KR" sz="2400" dirty="0"/>
+              <a:t> </a:t>
+            </a:r>
+            <a:r>
+              <a:rPr lang="ko-KR" altLang="ko-KR" sz="2400" dirty="0" err="1"/>
+              <a:t>an</a:t>
+            </a:r>
+            <a:r>
+              <a:rPr lang="ko-KR" altLang="ko-KR" sz="2400" dirty="0"/>
+              <a:t> </a:t>
+            </a:r>
+            <a:endParaRPr lang="en-US" altLang="ko-KR" sz="2400" dirty="0"/>
+          </a:p>
+          <a:p>
+            <a:endParaRPr lang="ko-KR" altLang="ko-KR" sz="2400" dirty="0"/>
+          </a:p>
+          <a:p>
+            <a:pPr marL="457200" lvl="1" indent="0">
+              <a:buNone/>
+            </a:pPr>
+            <a:r>
+              <a:rPr lang="ko-KR" altLang="ko-KR" sz="2800" dirty="0" err="1">
+                <a:highlight>
+                  <a:srgbClr val="C0C0C0"/>
+                </a:highlight>
               </a:rPr>
-              <a:t>Machine learning and big scientific data </a:t>
-            </a:r>
-            <a:r>
-              <a:rPr lang="en-US" altLang="ko-KR" sz="600" dirty="0">
-                <a:solidFill>
-                  <a:srgbClr val="000000"/>
-                </a:solidFill>
-                <a:latin typeface="Proxima Nova Subset"/>
-                <a:hlinkClick r:id="rId3" tooltip="Tony Hey"/>
-              </a:rPr>
-              <a:t>Tony Hey</a:t>
-            </a:r>
-            <a:r>
-              <a:rPr lang="en-US" altLang="ko-KR" sz="600" dirty="0">
-                <a:solidFill>
-                  <a:srgbClr val="000000"/>
-                </a:solidFill>
-                <a:latin typeface="Proxima Nova Subset"/>
+              <a:t>artificial</a:t>
+            </a:r>
+            <a:r>
+              <a:rPr lang="ko-KR" altLang="ko-KR" sz="2800" dirty="0">
+                <a:highlight>
+                  <a:srgbClr val="C0C0C0"/>
+                </a:highlight>
               </a:rPr>
               <a:t> </a:t>
             </a:r>
             <a:r>
-              <a:rPr lang="en-US" altLang="ko-KR" sz="600" dirty="0">
-                <a:solidFill>
-                  <a:srgbClr val="333132"/>
-                </a:solidFill>
-                <a:latin typeface="Proxima Nova Subset"/>
+              <a:rPr lang="ko-KR" altLang="ko-KR" sz="2800" dirty="0" err="1">
+                <a:highlight>
+                  <a:srgbClr val="C0C0C0"/>
+                </a:highlight>
               </a:rPr>
-              <a:t>, </a:t>
-            </a:r>
-            <a:r>
-              <a:rPr lang="en-US" altLang="ko-KR" sz="600" dirty="0">
-                <a:solidFill>
-                  <a:srgbClr val="000000"/>
-                </a:solidFill>
-                <a:latin typeface="Proxima Nova Subset"/>
-                <a:hlinkClick r:id="rId3" tooltip="Keith Butler"/>
-              </a:rPr>
-              <a:t>Keith Butler</a:t>
-            </a:r>
-            <a:r>
-              <a:rPr lang="en-US" altLang="ko-KR" sz="600" dirty="0">
-                <a:solidFill>
-                  <a:srgbClr val="000000"/>
-                </a:solidFill>
-                <a:latin typeface="Proxima Nova Subset"/>
+              <a:t>intelligence</a:t>
+            </a:r>
+            <a:r>
+              <a:rPr lang="ko-KR" altLang="ko-KR" sz="2800" dirty="0">
+                <a:highlight>
+                  <a:srgbClr val="C0C0C0"/>
+                </a:highlight>
               </a:rPr>
               <a:t> </a:t>
             </a:r>
             <a:r>
-              <a:rPr lang="en-US" altLang="ko-KR" sz="600" dirty="0">
-                <a:solidFill>
-                  <a:srgbClr val="333132"/>
-                </a:solidFill>
-                <a:latin typeface="Proxima Nova Subset"/>
+              <a:rPr lang="ko-KR" altLang="ko-KR" dirty="0"/>
+              <a:t>(AI) </a:t>
+            </a:r>
+            <a:r>
+              <a:rPr lang="ko-KR" altLang="ko-KR" sz="2800" dirty="0" err="1">
+                <a:highlight>
+                  <a:srgbClr val="C0C0C0"/>
+                </a:highlight>
               </a:rPr>
-              <a:t>, </a:t>
-            </a:r>
-            <a:r>
-              <a:rPr lang="en-US" altLang="ko-KR" sz="600" dirty="0">
-                <a:solidFill>
-                  <a:srgbClr val="000000"/>
-                </a:solidFill>
-                <a:latin typeface="Proxima Nova Subset"/>
-                <a:hlinkClick r:id="rId3" tooltip="Sam Jackson"/>
-              </a:rPr>
-              <a:t>Sam Jackson</a:t>
-            </a:r>
-            <a:r>
-              <a:rPr lang="en-US" altLang="ko-KR" sz="600" dirty="0">
-                <a:solidFill>
-                  <a:srgbClr val="000000"/>
-                </a:solidFill>
-                <a:latin typeface="Proxima Nova Subset"/>
+              <a:t>content</a:t>
+            </a:r>
+            <a:r>
+              <a:rPr lang="ko-KR" altLang="ko-KR" sz="2800" dirty="0">
+                <a:highlight>
+                  <a:srgbClr val="C0C0C0"/>
+                </a:highlight>
               </a:rPr>
               <a:t> </a:t>
             </a:r>
             <a:r>
-              <a:rPr lang="en-US" altLang="ko-KR" sz="600" dirty="0">
-                <a:solidFill>
-                  <a:srgbClr val="333132"/>
-                </a:solidFill>
-                <a:latin typeface="Proxima Nova Subset"/>
+              <a:rPr lang="ko-KR" altLang="ko-KR" sz="2800" dirty="0" err="1">
+                <a:highlight>
+                  <a:srgbClr val="C0C0C0"/>
+                </a:highlight>
               </a:rPr>
-              <a:t>and </a:t>
-            </a:r>
-            <a:r>
-              <a:rPr lang="en-US" altLang="ko-KR" sz="600" dirty="0" err="1">
-                <a:solidFill>
-                  <a:srgbClr val="000000"/>
-                </a:solidFill>
-                <a:latin typeface="Proxima Nova Subset"/>
-                <a:hlinkClick r:id="rId3" tooltip="Jeyarajan Thiyagalingam"/>
-              </a:rPr>
-              <a:t>Jeyarajan</a:t>
-            </a:r>
-            <a:r>
-              <a:rPr lang="en-US" altLang="ko-KR" sz="600" dirty="0">
-                <a:solidFill>
-                  <a:srgbClr val="000000"/>
-                </a:solidFill>
-                <a:latin typeface="Proxima Nova Subset"/>
-                <a:hlinkClick r:id="rId3" tooltip="Jeyarajan Thiyagalingam"/>
+              <a:t>generator</a:t>
+            </a:r>
+            <a:r>
+              <a:rPr lang="ko-KR" altLang="ko-KR" sz="2800" dirty="0">
+                <a:highlight>
+                  <a:srgbClr val="C0C0C0"/>
+                </a:highlight>
               </a:rPr>
               <a:t> </a:t>
             </a:r>
-            <a:r>
-              <a:rPr lang="en-US" altLang="ko-KR" sz="600" dirty="0" err="1">
-                <a:solidFill>
-                  <a:srgbClr val="000000"/>
-                </a:solidFill>
-                <a:latin typeface="Proxima Nova Subset"/>
-                <a:hlinkClick r:id="rId3" tooltip="Jeyarajan Thiyagalingam"/>
+            <a:endParaRPr lang="en-US" altLang="ko-KR" dirty="0">
+              <a:highlight>
+                <a:srgbClr val="C0C0C0"/>
+              </a:highlight>
+            </a:endParaRPr>
+          </a:p>
+          <a:p>
+            <a:pPr marL="457200" lvl="1" indent="0">
+              <a:buNone/>
+            </a:pPr>
+            <a:endParaRPr lang="ko-KR" altLang="ko-KR" dirty="0">
+              <a:highlight>
+                <a:srgbClr val="C0C0C0"/>
+              </a:highlight>
+            </a:endParaRPr>
+          </a:p>
+          <a:p>
+            <a:pPr marL="457200" lvl="1" indent="0">
+              <a:buNone/>
+            </a:pPr>
+            <a:r>
+              <a:rPr lang="ko-KR" altLang="ko-KR" dirty="0" err="1"/>
+              <a:t>that</a:t>
+            </a:r>
+            <a:r>
+              <a:rPr lang="ko-KR" altLang="ko-KR" dirty="0"/>
+              <a:t> </a:t>
+            </a:r>
+            <a:r>
+              <a:rPr lang="ko-KR" altLang="ko-KR" sz="2800" dirty="0" err="1">
+                <a:highlight>
+                  <a:srgbClr val="C0C0C0"/>
+                </a:highlight>
               </a:rPr>
-              <a:t>Thiyagalingam</a:t>
-            </a:r>
-            <a:r>
-              <a:rPr lang="en-US" altLang="ko-KR" sz="600" dirty="0">
-                <a:solidFill>
-                  <a:srgbClr val="000000"/>
-                </a:solidFill>
-                <a:latin typeface="Proxima Nova Subset"/>
+              <a:t>semi-autonomously</a:t>
+            </a:r>
+            <a:r>
+              <a:rPr lang="ko-KR" altLang="ko-KR" dirty="0"/>
+              <a:t> </a:t>
+            </a:r>
+            <a:r>
+              <a:rPr lang="ko-KR" altLang="ko-KR" dirty="0" err="1"/>
+              <a:t>creates</a:t>
+            </a:r>
+            <a:r>
+              <a:rPr lang="ko-KR" altLang="ko-KR" dirty="0"/>
+              <a:t> </a:t>
+            </a:r>
+            <a:r>
+              <a:rPr lang="ko-KR" altLang="ko-KR" dirty="0" err="1"/>
+              <a:t>phrases</a:t>
+            </a:r>
+            <a:r>
+              <a:rPr lang="ko-KR" altLang="ko-KR" dirty="0"/>
+              <a:t> and </a:t>
+            </a:r>
+            <a:r>
+              <a:rPr lang="ko-KR" altLang="ko-KR" dirty="0" err="1"/>
+              <a:t>articles</a:t>
+            </a:r>
+            <a:r>
+              <a:rPr lang="ko-KR" altLang="ko-KR" dirty="0"/>
+              <a:t> </a:t>
+            </a:r>
+            <a:endParaRPr lang="en-US" altLang="ko-KR" dirty="0"/>
+          </a:p>
+          <a:p>
+            <a:pPr marL="457200" lvl="1" indent="0">
+              <a:buNone/>
+            </a:pPr>
+            <a:endParaRPr lang="en-US" altLang="ko-KR" dirty="0"/>
+          </a:p>
+          <a:p>
+            <a:pPr marL="457200" lvl="1" indent="0">
+              <a:buNone/>
+            </a:pPr>
+            <a:r>
+              <a:rPr lang="ko-KR" altLang="ko-KR" sz="2800" dirty="0" err="1">
+                <a:highlight>
+                  <a:srgbClr val="C0C0C0"/>
+                </a:highlight>
+              </a:rPr>
+              <a:t>based</a:t>
+            </a:r>
+            <a:r>
+              <a:rPr lang="ko-KR" altLang="ko-KR" sz="2800" dirty="0">
+                <a:highlight>
+                  <a:srgbClr val="C0C0C0"/>
+                </a:highlight>
               </a:rPr>
               <a:t> </a:t>
             </a:r>
             <a:r>
-              <a:rPr lang="en-US" altLang="ko-KR" sz="600" dirty="0">
-                <a:solidFill>
-                  <a:srgbClr val="333132"/>
-                </a:solidFill>
-                <a:latin typeface="Proxima Nova Subset"/>
+              <a:rPr lang="ko-KR" altLang="ko-KR" sz="2800" dirty="0" err="1">
+                <a:highlight>
+                  <a:srgbClr val="C0C0C0"/>
+                </a:highlight>
               </a:rPr>
-              <a:t>Published:</a:t>
-            </a:r>
-            <a:r>
-              <a:rPr lang="en-US" altLang="ko-KR" sz="600" b="1" dirty="0">
-                <a:solidFill>
-                  <a:srgbClr val="333132"/>
-                </a:solidFill>
-                <a:latin typeface="Proxima Nova Subset"/>
+              <a:t>on</a:t>
+            </a:r>
+            <a:r>
+              <a:rPr lang="ko-KR" altLang="ko-KR" sz="2800" dirty="0">
+                <a:highlight>
+                  <a:srgbClr val="C0C0C0"/>
+                </a:highlight>
               </a:rPr>
-              <a:t>20 January 2020</a:t>
-            </a:r>
-            <a:endParaRPr lang="en-US" altLang="ko-KR" sz="600" b="0" i="0" dirty="0">
-              <a:solidFill>
-                <a:srgbClr val="333132"/>
-              </a:solidFill>
-              <a:effectLst/>
-              <a:latin typeface="Proxima Nova Subset"/>
-            </a:endParaRPr>
+              <a:t> </a:t>
+            </a:r>
+            <a:r>
+              <a:rPr lang="ko-KR" altLang="ko-KR" sz="2800" dirty="0" err="1">
+                <a:highlight>
+                  <a:srgbClr val="C0C0C0"/>
+                </a:highlight>
+              </a:rPr>
+              <a:t>user</a:t>
+            </a:r>
+            <a:r>
+              <a:rPr lang="ko-KR" altLang="ko-KR" sz="2800" dirty="0">
+                <a:highlight>
+                  <a:srgbClr val="C0C0C0"/>
+                </a:highlight>
+              </a:rPr>
+              <a:t> </a:t>
+            </a:r>
+            <a:r>
+              <a:rPr lang="ko-KR" altLang="ko-KR" sz="2800" dirty="0" err="1">
+                <a:highlight>
+                  <a:srgbClr val="C0C0C0"/>
+                </a:highlight>
+              </a:rPr>
+              <a:t>input</a:t>
+            </a:r>
+            <a:r>
+              <a:rPr lang="ko-KR" altLang="ko-KR" sz="2800" dirty="0">
+                <a:highlight>
+                  <a:srgbClr val="C0C0C0"/>
+                </a:highlight>
+              </a:rPr>
+              <a:t>.</a:t>
+            </a:r>
+            <a:r>
+              <a:rPr lang="en-US" altLang="ko-KR" sz="2800" dirty="0">
+                <a:highlight>
+                  <a:srgbClr val="C0C0C0"/>
+                </a:highlight>
+              </a:rPr>
+              <a:t> </a:t>
+            </a:r>
+          </a:p>
+          <a:p>
+            <a:endParaRPr lang="ko-KR" altLang="en-US" dirty="0"/>
           </a:p>
         </p:txBody>
       </p:sp>
     </p:spTree>
     <p:extLst>
       <p:ext uri="{BB962C8B-B14F-4D97-AF65-F5344CB8AC3E}">
-        <p14:creationId xmlns:p14="http://schemas.microsoft.com/office/powerpoint/2010/main" val="1118936987"/>
+        <p14:creationId xmlns:p14="http://schemas.microsoft.com/office/powerpoint/2010/main" val="3958483156"/>
       </p:ext>
     </p:extLst>
   </p:cSld>
@@ -4647,7 +5917,7 @@
           <p:cNvPr id="2" name="제목 1">
             <a:extLst>
               <a:ext uri="{FF2B5EF4-FFF2-40B4-BE49-F238E27FC236}">
-                <a16:creationId xmlns:a16="http://schemas.microsoft.com/office/drawing/2014/main" id="{A9A7CCC1-3A7F-4618-84CE-B095DA748B69}"/>
+                <a16:creationId xmlns:a16="http://schemas.microsoft.com/office/drawing/2014/main" id="{C4FDD06B-ED4C-4874-9CEC-6266E17A59B3}"/>
               </a:ext>
             </a:extLst>
           </p:cNvPr>
@@ -4661,59 +5931,44 @@
         <p:spPr/>
         <p:txBody>
           <a:bodyPr>
-            <a:normAutofit/>
+            <a:noAutofit/>
           </a:bodyPr>
           <a:lstStyle/>
           <a:p>
             <a:pPr algn="ctr"/>
             <a:r>
-              <a:rPr lang="en-US" altLang="ko-KR" sz="2400" dirty="0"/>
-              <a:t>Number of publications in dependence </a:t>
+              <a:rPr lang="en-US" altLang="ko-KR" sz="2800" dirty="0"/>
+              <a:t>The ML explosion in materials science. </a:t>
             </a:r>
             <a:br>
-              <a:rPr lang="en-US" altLang="ko-KR" sz="2400" dirty="0"/>
+              <a:rPr lang="en-US" altLang="ko-KR" sz="2800" dirty="0"/>
             </a:br>
             <a:r>
-              <a:rPr lang="en-US" altLang="ko-KR" sz="2400" dirty="0"/>
-              <a:t>on the publication year for DL, deep learning;</a:t>
-            </a:r>
-            <a:endParaRPr lang="ko-KR" altLang="en-US" sz="2400" dirty="0"/>
-          </a:p>
-        </p:txBody>
-      </p:sp>
-      <p:pic>
-        <p:nvPicPr>
-          <p:cNvPr id="10242" name="Picture 2">
-            <a:extLst>
-              <a:ext uri="{FF2B5EF4-FFF2-40B4-BE49-F238E27FC236}">
-                <a16:creationId xmlns:a16="http://schemas.microsoft.com/office/drawing/2014/main" id="{E95F5A67-0967-4E5E-953C-F657D643C7A5}"/>
-              </a:ext>
-            </a:extLst>
-          </p:cNvPr>
-          <p:cNvPicPr>
-            <a:picLocks noGrp="1" noChangeAspect="1" noChangeArrowheads="1"/>
-          </p:cNvPicPr>
-          <p:nvPr>
-            <p:ph idx="1"/>
-          </p:nvPr>
-        </p:nvPicPr>
-        <p:blipFill>
-          <a:blip r:embed="rId2">
-            <a:extLst>
-              <a:ext uri="{28A0092B-C50C-407E-A947-70E740481C1C}">
-                <a14:useLocalDpi xmlns:a14="http://schemas.microsoft.com/office/drawing/2010/main" val="0"/>
-              </a:ext>
-            </a:extLst>
-          </a:blip>
-          <a:srcRect/>
-          <a:stretch>
-            <a:fillRect/>
-          </a:stretch>
-        </p:blipFill>
+              <a:rPr lang="en-US" altLang="ko-KR" sz="2800" dirty="0"/>
+              <a:t>The number of papers containing the terms machine learning</a:t>
+            </a:r>
+            <a:endParaRPr lang="ko-KR" altLang="en-US" sz="2800" dirty="0"/>
+          </a:p>
+        </p:txBody>
+      </p:sp>
+      <p:sp>
+        <p:nvSpPr>
+          <p:cNvPr id="6" name="AutoShape 6" descr="Figure 4. ">
+            <a:extLst>
+              <a:ext uri="{FF2B5EF4-FFF2-40B4-BE49-F238E27FC236}">
+                <a16:creationId xmlns:a16="http://schemas.microsoft.com/office/drawing/2014/main" id="{C6A2BF5C-1B6D-4045-8A20-3D5E7F8E840D}"/>
+              </a:ext>
+            </a:extLst>
+          </p:cNvPr>
+          <p:cNvSpPr>
+            <a:spLocks noChangeAspect="1" noChangeArrowheads="1"/>
+          </p:cNvSpPr>
+          <p:nvPr/>
+        </p:nvSpPr>
         <p:spPr bwMode="auto">
           <a:xfrm>
-            <a:off x="2838450" y="1999798"/>
-            <a:ext cx="6515100" cy="3860800"/>
+            <a:off x="5943600" y="3276600"/>
+            <a:ext cx="304800" cy="304800"/>
           </a:xfrm>
           <a:prstGeom prst="rect">
             <a:avLst/>
@@ -4729,49 +5984,241 @@
             </a:ext>
           </a:extLst>
         </p:spPr>
-      </p:pic>
-      <p:sp>
-        <p:nvSpPr>
-          <p:cNvPr id="4" name="직사각형 3">
-            <a:extLst>
-              <a:ext uri="{FF2B5EF4-FFF2-40B4-BE49-F238E27FC236}">
-                <a16:creationId xmlns:a16="http://schemas.microsoft.com/office/drawing/2014/main" id="{789A4F46-E1D4-4BDC-8378-7CD634AD66DB}"/>
-              </a:ext>
-            </a:extLst>
-          </p:cNvPr>
-          <p:cNvSpPr/>
-          <p:nvPr/>
-        </p:nvSpPr>
+        <p:txBody>
+          <a:bodyPr vert="horz" wrap="square" lIns="91440" tIns="45720" rIns="91440" bIns="45720" numCol="1" anchor="t" anchorCtr="0" compatLnSpc="1">
+            <a:prstTxWarp prst="textNoShape">
+              <a:avLst/>
+            </a:prstTxWarp>
+          </a:bodyPr>
+          <a:lstStyle/>
+          <a:p>
+            <a:endParaRPr lang="ko-KR" altLang="en-US"/>
+          </a:p>
+        </p:txBody>
+      </p:sp>
+      <p:pic>
+        <p:nvPicPr>
+          <p:cNvPr id="10" name="내용 개체 틀 9">
+            <a:extLst>
+              <a:ext uri="{FF2B5EF4-FFF2-40B4-BE49-F238E27FC236}">
+                <a16:creationId xmlns:a16="http://schemas.microsoft.com/office/drawing/2014/main" id="{87A21B1E-763A-4547-98AF-4B652EC8A60A}"/>
+              </a:ext>
+            </a:extLst>
+          </p:cNvPr>
+          <p:cNvPicPr>
+            <a:picLocks noGrp="1" noChangeAspect="1"/>
+          </p:cNvPicPr>
+          <p:nvPr>
+            <p:ph idx="1"/>
+          </p:nvPr>
+        </p:nvPicPr>
+        <p:blipFill>
+          <a:blip r:embed="rId2"/>
+          <a:stretch>
+            <a:fillRect/>
+          </a:stretch>
+        </p:blipFill>
         <p:spPr>
           <a:xfrm>
-            <a:off x="89042" y="6169709"/>
-            <a:ext cx="12102957" cy="261610"/>
+            <a:off x="2413015" y="1611475"/>
+            <a:ext cx="7502771" cy="4688454"/>
           </a:xfrm>
           <a:prstGeom prst="rect">
             <a:avLst/>
           </a:prstGeom>
         </p:spPr>
+      </p:pic>
+      <p:sp>
+        <p:nvSpPr>
+          <p:cNvPr id="11" name="직사각형 10">
+            <a:extLst>
+              <a:ext uri="{FF2B5EF4-FFF2-40B4-BE49-F238E27FC236}">
+                <a16:creationId xmlns:a16="http://schemas.microsoft.com/office/drawing/2014/main" id="{9879F7F6-A68E-481F-B034-EFF5A36B1827}"/>
+              </a:ext>
+            </a:extLst>
+          </p:cNvPr>
+          <p:cNvSpPr/>
+          <p:nvPr/>
+        </p:nvSpPr>
+        <p:spPr>
+          <a:xfrm>
+            <a:off x="113141" y="6620903"/>
+            <a:ext cx="12102518" cy="184666"/>
+          </a:xfrm>
+          <a:prstGeom prst="rect">
+            <a:avLst/>
+          </a:prstGeom>
+        </p:spPr>
         <p:txBody>
           <a:bodyPr wrap="square">
             <a:spAutoFit/>
           </a:bodyPr>
           <a:lstStyle/>
           <a:p>
-            <a:pPr algn="ctr"/>
-            <a:r>
-              <a:rPr lang="en-US" altLang="ko-KR" sz="1100" dirty="0">
-                <a:hlinkClick r:id="rId3"/>
+            <a:r>
+              <a:rPr lang="en-US" altLang="ko-KR" sz="600" b="1" dirty="0">
+                <a:solidFill>
+                  <a:srgbClr val="333132"/>
+                </a:solidFill>
+                <a:latin typeface="Proxima Nova Subset"/>
               </a:rPr>
-              <a:t>Frontiers | An Introductory Review of Deep Learning for Prediction Models With Big Data (frontiersin.org)</a:t>
-            </a:r>
-            <a:endParaRPr lang="ko-KR" altLang="en-US" sz="1100" dirty="0"/>
+              <a:t>Machine learning and big scientific data </a:t>
+            </a:r>
+            <a:r>
+              <a:rPr lang="en-US" altLang="ko-KR" sz="600" dirty="0">
+                <a:solidFill>
+                  <a:srgbClr val="000000"/>
+                </a:solidFill>
+                <a:latin typeface="Proxima Nova Subset"/>
+                <a:hlinkClick r:id="rId3" tooltip="Tony Hey"/>
+              </a:rPr>
+              <a:t>Tony Hey</a:t>
+            </a:r>
+            <a:r>
+              <a:rPr lang="en-US" altLang="ko-KR" sz="600" dirty="0">
+                <a:solidFill>
+                  <a:srgbClr val="000000"/>
+                </a:solidFill>
+                <a:latin typeface="Proxima Nova Subset"/>
+              </a:rPr>
+              <a:t> </a:t>
+            </a:r>
+            <a:r>
+              <a:rPr lang="en-US" altLang="ko-KR" sz="600" dirty="0">
+                <a:solidFill>
+                  <a:srgbClr val="333132"/>
+                </a:solidFill>
+                <a:latin typeface="Proxima Nova Subset"/>
+              </a:rPr>
+              <a:t>, </a:t>
+            </a:r>
+            <a:r>
+              <a:rPr lang="en-US" altLang="ko-KR" sz="600" dirty="0">
+                <a:solidFill>
+                  <a:srgbClr val="000000"/>
+                </a:solidFill>
+                <a:latin typeface="Proxima Nova Subset"/>
+                <a:hlinkClick r:id="rId3" tooltip="Keith Butler"/>
+              </a:rPr>
+              <a:t>Keith Butler</a:t>
+            </a:r>
+            <a:r>
+              <a:rPr lang="en-US" altLang="ko-KR" sz="600" dirty="0">
+                <a:solidFill>
+                  <a:srgbClr val="000000"/>
+                </a:solidFill>
+                <a:latin typeface="Proxima Nova Subset"/>
+              </a:rPr>
+              <a:t> </a:t>
+            </a:r>
+            <a:r>
+              <a:rPr lang="en-US" altLang="ko-KR" sz="600" dirty="0">
+                <a:solidFill>
+                  <a:srgbClr val="333132"/>
+                </a:solidFill>
+                <a:latin typeface="Proxima Nova Subset"/>
+              </a:rPr>
+              <a:t>, </a:t>
+            </a:r>
+            <a:r>
+              <a:rPr lang="en-US" altLang="ko-KR" sz="600" dirty="0">
+                <a:solidFill>
+                  <a:srgbClr val="000000"/>
+                </a:solidFill>
+                <a:latin typeface="Proxima Nova Subset"/>
+                <a:hlinkClick r:id="rId3" tooltip="Sam Jackson"/>
+              </a:rPr>
+              <a:t>Sam Jackson</a:t>
+            </a:r>
+            <a:r>
+              <a:rPr lang="en-US" altLang="ko-KR" sz="600" dirty="0">
+                <a:solidFill>
+                  <a:srgbClr val="000000"/>
+                </a:solidFill>
+                <a:latin typeface="Proxima Nova Subset"/>
+              </a:rPr>
+              <a:t> </a:t>
+            </a:r>
+            <a:r>
+              <a:rPr lang="en-US" altLang="ko-KR" sz="600" dirty="0">
+                <a:solidFill>
+                  <a:srgbClr val="333132"/>
+                </a:solidFill>
+                <a:latin typeface="Proxima Nova Subset"/>
+              </a:rPr>
+              <a:t>and </a:t>
+            </a:r>
+            <a:r>
+              <a:rPr lang="en-US" altLang="ko-KR" sz="600" dirty="0" err="1">
+                <a:solidFill>
+                  <a:srgbClr val="000000"/>
+                </a:solidFill>
+                <a:latin typeface="Proxima Nova Subset"/>
+                <a:hlinkClick r:id="rId3" tooltip="Jeyarajan Thiyagalingam"/>
+              </a:rPr>
+              <a:t>Jeyarajan</a:t>
+            </a:r>
+            <a:r>
+              <a:rPr lang="en-US" altLang="ko-KR" sz="600" dirty="0">
+                <a:solidFill>
+                  <a:srgbClr val="000000"/>
+                </a:solidFill>
+                <a:latin typeface="Proxima Nova Subset"/>
+                <a:hlinkClick r:id="rId3" tooltip="Jeyarajan Thiyagalingam"/>
+              </a:rPr>
+              <a:t> </a:t>
+            </a:r>
+            <a:r>
+              <a:rPr lang="en-US" altLang="ko-KR" sz="600" dirty="0" err="1">
+                <a:solidFill>
+                  <a:srgbClr val="000000"/>
+                </a:solidFill>
+                <a:latin typeface="Proxima Nova Subset"/>
+                <a:hlinkClick r:id="rId3" tooltip="Jeyarajan Thiyagalingam"/>
+              </a:rPr>
+              <a:t>Thiyagalingam</a:t>
+            </a:r>
+            <a:r>
+              <a:rPr lang="en-US" altLang="ko-KR" sz="600" dirty="0">
+                <a:solidFill>
+                  <a:srgbClr val="000000"/>
+                </a:solidFill>
+                <a:latin typeface="Proxima Nova Subset"/>
+              </a:rPr>
+              <a:t> </a:t>
+            </a:r>
+            <a:r>
+              <a:rPr lang="en-US" altLang="ko-KR" sz="600" dirty="0">
+                <a:solidFill>
+                  <a:srgbClr val="333132"/>
+                </a:solidFill>
+                <a:latin typeface="Proxima Nova Subset"/>
+              </a:rPr>
+              <a:t>Published:</a:t>
+            </a:r>
+            <a:r>
+              <a:rPr lang="en-US" altLang="ko-KR" sz="600" b="1" dirty="0">
+                <a:solidFill>
+                  <a:srgbClr val="333132"/>
+                </a:solidFill>
+                <a:latin typeface="Proxima Nova Subset"/>
+              </a:rPr>
+              <a:t>20 January 2020</a:t>
+            </a:r>
+            <a:endParaRPr lang="en-US" altLang="ko-KR" sz="600" b="0" i="0" dirty="0">
+              <a:solidFill>
+                <a:srgbClr val="333132"/>
+              </a:solidFill>
+              <a:effectLst/>
+              <a:latin typeface="Proxima Nova Subset"/>
+            </a:endParaRPr>
           </a:p>
         </p:txBody>
       </p:sp>
     </p:spTree>
     <p:extLst>
       <p:ext uri="{BB962C8B-B14F-4D97-AF65-F5344CB8AC3E}">
-        <p14:creationId xmlns:p14="http://schemas.microsoft.com/office/powerpoint/2010/main" val="2013402916"/>
+        <p14:creationId xmlns:p14="http://schemas.microsoft.com/office/powerpoint/2010/main" val="1118936987"/>
       </p:ext>
     </p:extLst>
   </p:cSld>
@@ -4803,7 +6250,7 @@
           <p:cNvPr id="2" name="제목 1">
             <a:extLst>
               <a:ext uri="{FF2B5EF4-FFF2-40B4-BE49-F238E27FC236}">
-                <a16:creationId xmlns:a16="http://schemas.microsoft.com/office/drawing/2014/main" id="{A0F7A97A-9677-4628-B5DA-A9F8E8C16FEE}"/>
+                <a16:creationId xmlns:a16="http://schemas.microsoft.com/office/drawing/2014/main" id="{A9A7CCC1-3A7F-4618-84CE-B095DA748B69}"/>
               </a:ext>
             </a:extLst>
           </p:cNvPr>
@@ -4823,51 +6270,31 @@
           <a:p>
             <a:pPr algn="ctr"/>
             <a:r>
-              <a:rPr lang="en-US" altLang="ko-KR" sz="1200" dirty="0"/>
-              <a:t>Error rate in the </a:t>
-            </a:r>
-            <a:r>
-              <a:rPr lang="en-US" altLang="ko-KR" sz="2200" dirty="0"/>
-              <a:t>ImageNet Large Scale Visual Recognition Challenge. </a:t>
-            </a:r>
-            <a:r>
-              <a:rPr lang="en-US" altLang="ko-KR" sz="500" dirty="0"/>
-              <a:t>Data for AI performance from </a:t>
-            </a:r>
-            <a:r>
-              <a:rPr lang="en-US" altLang="ko-KR" sz="500" dirty="0" err="1"/>
-              <a:t>Shoham</a:t>
-            </a:r>
-            <a:r>
-              <a:rPr lang="en-US" altLang="ko-KR" sz="500" dirty="0"/>
-              <a:t> et al. (2018, p. 90), for human performance from </a:t>
-            </a:r>
-            <a:r>
-              <a:rPr lang="en-US" altLang="ko-KR" sz="500" dirty="0" err="1"/>
-              <a:t>Russakovsky</a:t>
-            </a:r>
-            <a:r>
-              <a:rPr lang="en-US" altLang="ko-KR" sz="500" dirty="0"/>
-              <a:t> et al. (2015, pp. 241&amp;242).</a:t>
+              <a:rPr lang="en-US" altLang="ko-KR" sz="2400" dirty="0"/>
+              <a:t>Number of publications in dependence </a:t>
             </a:r>
             <a:br>
-              <a:rPr lang="en-US" altLang="ko-KR" sz="1000" dirty="0"/>
+              <a:rPr lang="en-US" altLang="ko-KR" sz="2400" dirty="0"/>
             </a:br>
-            <a:endParaRPr lang="ko-KR" altLang="en-US" dirty="0"/>
+            <a:r>
+              <a:rPr lang="en-US" altLang="ko-KR" sz="2400" dirty="0"/>
+              <a:t>on the publication year for DL, deep learning;</a:t>
+            </a:r>
+            <a:endParaRPr lang="ko-KR" altLang="en-US" sz="2400" dirty="0"/>
           </a:p>
         </p:txBody>
       </p:sp>
       <p:pic>
         <p:nvPicPr>
-          <p:cNvPr id="7" name="내용 개체 틀 6">
-            <a:extLst>
-              <a:ext uri="{FF2B5EF4-FFF2-40B4-BE49-F238E27FC236}">
-                <a16:creationId xmlns:a16="http://schemas.microsoft.com/office/drawing/2014/main" id="{B5156492-3148-4F0E-9ED8-775A6E978ACA}"/>
+          <p:cNvPr id="10242" name="Picture 2">
+            <a:extLst>
+              <a:ext uri="{FF2B5EF4-FFF2-40B4-BE49-F238E27FC236}">
+                <a16:creationId xmlns:a16="http://schemas.microsoft.com/office/drawing/2014/main" id="{E95F5A67-0967-4E5E-953C-F657D643C7A5}"/>
               </a:ext>
             </a:extLst>
           </p:cNvPr>
           <p:cNvPicPr>
-            <a:picLocks noGrp="1" noChangeAspect="1"/>
+            <a:picLocks noGrp="1" noChangeAspect="1" noChangeArrowheads="1"/>
           </p:cNvPicPr>
           <p:nvPr>
             <p:ph idx="1"/>
@@ -4881,14 +6308,15 @@
               </a:ext>
             </a:extLst>
           </a:blip>
+          <a:srcRect/>
           <a:stretch>
             <a:fillRect/>
           </a:stretch>
         </p:blipFill>
         <p:spPr bwMode="auto">
           <a:xfrm>
-            <a:off x="1299207" y="1933969"/>
-            <a:ext cx="10054593" cy="3678798"/>
+            <a:off x="2838450" y="1999798"/>
+            <a:ext cx="6515100" cy="3860800"/>
           </a:xfrm>
           <a:prstGeom prst="rect">
             <a:avLst/>
@@ -4905,10 +6333,48 @@
           </a:extLst>
         </p:spPr>
       </p:pic>
+      <p:sp>
+        <p:nvSpPr>
+          <p:cNvPr id="4" name="직사각형 3">
+            <a:extLst>
+              <a:ext uri="{FF2B5EF4-FFF2-40B4-BE49-F238E27FC236}">
+                <a16:creationId xmlns:a16="http://schemas.microsoft.com/office/drawing/2014/main" id="{789A4F46-E1D4-4BDC-8378-7CD634AD66DB}"/>
+              </a:ext>
+            </a:extLst>
+          </p:cNvPr>
+          <p:cNvSpPr/>
+          <p:nvPr/>
+        </p:nvSpPr>
+        <p:spPr>
+          <a:xfrm>
+            <a:off x="89042" y="6169709"/>
+            <a:ext cx="12102957" cy="261610"/>
+          </a:xfrm>
+          <a:prstGeom prst="rect">
+            <a:avLst/>
+          </a:prstGeom>
+        </p:spPr>
+        <p:txBody>
+          <a:bodyPr wrap="square">
+            <a:spAutoFit/>
+          </a:bodyPr>
+          <a:lstStyle/>
+          <a:p>
+            <a:pPr algn="ctr"/>
+            <a:r>
+              <a:rPr lang="en-US" altLang="ko-KR" sz="1100" dirty="0">
+                <a:hlinkClick r:id="rId3"/>
+              </a:rPr>
+              <a:t>Frontiers | An Introductory Review of Deep Learning for Prediction Models With Big Data (frontiersin.org)</a:t>
+            </a:r>
+            <a:endParaRPr lang="ko-KR" altLang="en-US" sz="1100" dirty="0"/>
+          </a:p>
+        </p:txBody>
+      </p:sp>
     </p:spTree>
     <p:extLst>
       <p:ext uri="{BB962C8B-B14F-4D97-AF65-F5344CB8AC3E}">
-        <p14:creationId xmlns:p14="http://schemas.microsoft.com/office/powerpoint/2010/main" val="3403398167"/>
+        <p14:creationId xmlns:p14="http://schemas.microsoft.com/office/powerpoint/2010/main" val="2013402916"/>
       </p:ext>
     </p:extLst>
   </p:cSld>
@@ -4940,7 +6406,7 @@
           <p:cNvPr id="2" name="제목 1">
             <a:extLst>
               <a:ext uri="{FF2B5EF4-FFF2-40B4-BE49-F238E27FC236}">
-                <a16:creationId xmlns:a16="http://schemas.microsoft.com/office/drawing/2014/main" id="{2D519A7D-D7F1-4736-B840-FEFC10711E32}"/>
+                <a16:creationId xmlns:a16="http://schemas.microsoft.com/office/drawing/2014/main" id="{A0F7A97A-9677-4628-B5DA-A9F8E8C16FEE}"/>
               </a:ext>
             </a:extLst>
           </p:cNvPr>
@@ -4953,28 +6419,58 @@
         </p:nvSpPr>
         <p:spPr/>
         <p:txBody>
-          <a:bodyPr/>
-          <a:lstStyle/>
-          <a:p>
-            <a:r>
-              <a:rPr lang="en-US" altLang="ko-KR" dirty="0"/>
-              <a:t>Function</a:t>
-            </a:r>
+          <a:bodyPr>
+            <a:normAutofit/>
+          </a:bodyPr>
+          <a:lstStyle/>
+          <a:p>
+            <a:pPr algn="ctr"/>
+            <a:r>
+              <a:rPr lang="en-US" altLang="ko-KR" sz="1200" dirty="0"/>
+              <a:t>Error rate in the </a:t>
+            </a:r>
+            <a:r>
+              <a:rPr lang="en-US" altLang="ko-KR" sz="2200" dirty="0"/>
+              <a:t>ImageNet Large Scale Visual Recognition Challenge. </a:t>
+            </a:r>
+            <a:r>
+              <a:rPr lang="en-US" altLang="ko-KR" sz="500" dirty="0"/>
+              <a:t>Data for AI performance from </a:t>
+            </a:r>
+            <a:r>
+              <a:rPr lang="en-US" altLang="ko-KR" sz="500" dirty="0" err="1"/>
+              <a:t>Shoham</a:t>
+            </a:r>
+            <a:r>
+              <a:rPr lang="en-US" altLang="ko-KR" sz="500" dirty="0"/>
+              <a:t> et al. (2018, p. 90), for human performance from </a:t>
+            </a:r>
+            <a:r>
+              <a:rPr lang="en-US" altLang="ko-KR" sz="500" dirty="0" err="1"/>
+              <a:t>Russakovsky</a:t>
+            </a:r>
+            <a:r>
+              <a:rPr lang="en-US" altLang="ko-KR" sz="500" dirty="0"/>
+              <a:t> et al. (2015, pp. 241&amp;242).</a:t>
+            </a:r>
+            <a:br>
+              <a:rPr lang="en-US" altLang="ko-KR" sz="1000" dirty="0"/>
+            </a:br>
             <a:endParaRPr lang="ko-KR" altLang="en-US" dirty="0"/>
           </a:p>
         </p:txBody>
       </p:sp>
       <p:pic>
         <p:nvPicPr>
-          <p:cNvPr id="1026" name="Picture 2" descr="함수는 입력값에 따라 출력값을 만들어 내는 ‘블랙 박스’와 같다.">
-            <a:extLst>
-              <a:ext uri="{FF2B5EF4-FFF2-40B4-BE49-F238E27FC236}">
-                <a16:creationId xmlns:a16="http://schemas.microsoft.com/office/drawing/2014/main" id="{0A812A7D-1D47-4D93-AB71-151A64A9A0BE}"/>
+          <p:cNvPr id="7" name="내용 개체 틀 6">
+            <a:extLst>
+              <a:ext uri="{FF2B5EF4-FFF2-40B4-BE49-F238E27FC236}">
+                <a16:creationId xmlns:a16="http://schemas.microsoft.com/office/drawing/2014/main" id="{B5156492-3148-4F0E-9ED8-775A6E978ACA}"/>
               </a:ext>
             </a:extLst>
           </p:cNvPr>
           <p:cNvPicPr>
-            <a:picLocks noGrp="1" noChangeAspect="1" noChangeArrowheads="1"/>
+            <a:picLocks noGrp="1" noChangeAspect="1"/>
           </p:cNvPicPr>
           <p:nvPr>
             <p:ph idx="1"/>
@@ -4988,15 +6484,14 @@
               </a:ext>
             </a:extLst>
           </a:blip>
-          <a:srcRect/>
           <a:stretch>
             <a:fillRect/>
           </a:stretch>
         </p:blipFill>
         <p:spPr bwMode="auto">
           <a:xfrm>
-            <a:off x="3896960" y="1825625"/>
-            <a:ext cx="4398080" cy="4351338"/>
+            <a:off x="1299207" y="1933969"/>
+            <a:ext cx="10054593" cy="3678798"/>
           </a:xfrm>
           <a:prstGeom prst="rect">
             <a:avLst/>
@@ -5016,7 +6511,7 @@
     </p:spTree>
     <p:extLst>
       <p:ext uri="{BB962C8B-B14F-4D97-AF65-F5344CB8AC3E}">
-        <p14:creationId xmlns:p14="http://schemas.microsoft.com/office/powerpoint/2010/main" val="4184617168"/>
+        <p14:creationId xmlns:p14="http://schemas.microsoft.com/office/powerpoint/2010/main" val="3403398167"/>
       </p:ext>
     </p:extLst>
   </p:cSld>
@@ -5048,7 +6543,7 @@
           <p:cNvPr id="2" name="제목 1">
             <a:extLst>
               <a:ext uri="{FF2B5EF4-FFF2-40B4-BE49-F238E27FC236}">
-                <a16:creationId xmlns:a16="http://schemas.microsoft.com/office/drawing/2014/main" id="{12583335-4B5A-428E-90FC-174D2BEED0B5}"/>
+                <a16:creationId xmlns:a16="http://schemas.microsoft.com/office/drawing/2014/main" id="{2D519A7D-D7F1-4736-B840-FEFC10711E32}"/>
               </a:ext>
             </a:extLst>
           </p:cNvPr>
@@ -5061,102 +6556,35 @@
         </p:nvSpPr>
         <p:spPr/>
         <p:txBody>
-          <a:bodyPr>
-            <a:normAutofit fontScale="90000"/>
-          </a:bodyPr>
-          <a:lstStyle/>
-          <a:p>
-            <a:pPr algn="ctr"/>
+          <a:bodyPr/>
+          <a:lstStyle/>
+          <a:p>
             <a:r>
               <a:rPr lang="en-US" altLang="ko-KR" dirty="0"/>
-              <a:t>Leonhard Euler</a:t>
-            </a:r>
-            <a:br>
-              <a:rPr lang="en-US" altLang="ko-KR" dirty="0"/>
-            </a:br>
-            <a:r>
-              <a:rPr lang="en-US" altLang="ko-KR" sz="3200" i="1" dirty="0"/>
-              <a:t> </a:t>
-            </a:r>
-            <a:r>
-              <a:rPr lang="en-US" altLang="ko-KR" sz="3200" i="1" dirty="0" err="1"/>
-              <a:t>Introductio</a:t>
-            </a:r>
-            <a:r>
-              <a:rPr lang="en-US" altLang="ko-KR" sz="3200" i="1" dirty="0"/>
-              <a:t> in </a:t>
-            </a:r>
-            <a:r>
-              <a:rPr lang="en-US" altLang="ko-KR" sz="3200" i="1" dirty="0" err="1"/>
-              <a:t>Analysin</a:t>
-            </a:r>
-            <a:r>
-              <a:rPr lang="en-US" altLang="ko-KR" sz="3200" i="1" dirty="0"/>
-              <a:t> </a:t>
-            </a:r>
-            <a:r>
-              <a:rPr lang="en-US" altLang="ko-KR" sz="3200" i="1" dirty="0" err="1"/>
-              <a:t>Infinitorum</a:t>
-            </a:r>
-            <a:r>
-              <a:rPr lang="en-US" altLang="ko-KR" sz="3200" i="1" dirty="0"/>
-              <a:t>. 1748</a:t>
-            </a:r>
-            <a:br>
-              <a:rPr lang="en-US" altLang="ko-KR" sz="3200" dirty="0"/>
-            </a:br>
-            <a:endParaRPr lang="ko-KR" altLang="en-US" sz="3200" dirty="0"/>
+              <a:t>Function</a:t>
+            </a:r>
+            <a:endParaRPr lang="ko-KR" altLang="en-US" dirty="0"/>
           </a:p>
         </p:txBody>
       </p:sp>
       <p:pic>
         <p:nvPicPr>
-          <p:cNvPr id="4" name="내용 개체 틀 3">
-            <a:extLst>
-              <a:ext uri="{FF2B5EF4-FFF2-40B4-BE49-F238E27FC236}">
-                <a16:creationId xmlns:a16="http://schemas.microsoft.com/office/drawing/2014/main" id="{870CCDD9-40F3-4B0B-8ECC-6D048EB9FCB8}"/>
+          <p:cNvPr id="1026" name="Picture 2" descr="함수는 입력값에 따라 출력값을 만들어 내는 ‘블랙 박스’와 같다.">
+            <a:extLst>
+              <a:ext uri="{FF2B5EF4-FFF2-40B4-BE49-F238E27FC236}">
+                <a16:creationId xmlns:a16="http://schemas.microsoft.com/office/drawing/2014/main" id="{0A812A7D-1D47-4D93-AB71-151A64A9A0BE}"/>
               </a:ext>
             </a:extLst>
           </p:cNvPr>
           <p:cNvPicPr>
-            <a:picLocks noGrp="1" noChangeAspect="1"/>
+            <a:picLocks noGrp="1" noChangeAspect="1" noChangeArrowheads="1"/>
           </p:cNvPicPr>
           <p:nvPr>
             <p:ph idx="1"/>
           </p:nvPr>
         </p:nvPicPr>
         <p:blipFill>
-          <a:blip r:embed="rId2"/>
-          <a:stretch>
-            <a:fillRect/>
-          </a:stretch>
-        </p:blipFill>
-        <p:spPr>
-          <a:xfrm>
-            <a:off x="78144" y="2142461"/>
-            <a:ext cx="6362700" cy="3400425"/>
-          </a:xfrm>
-          <a:prstGeom prst="rect">
-            <a:avLst/>
-          </a:prstGeom>
-        </p:spPr>
-      </p:pic>
-      <p:pic>
-        <p:nvPicPr>
-          <p:cNvPr id="6148" name="Picture 4">
-            <a:extLst>
-              <a:ext uri="{FF2B5EF4-FFF2-40B4-BE49-F238E27FC236}">
-                <a16:creationId xmlns:a16="http://schemas.microsoft.com/office/drawing/2014/main" id="{AD20EB6F-87D4-4AE8-B628-8157E99C3D94}"/>
-              </a:ext>
-            </a:extLst>
-          </p:cNvPr>
-          <p:cNvPicPr>
-            <a:picLocks noChangeAspect="1" noChangeArrowheads="1"/>
-          </p:cNvPicPr>
-          <p:nvPr/>
-        </p:nvPicPr>
-        <p:blipFill>
-          <a:blip r:embed="rId3">
+          <a:blip r:embed="rId2">
             <a:extLst>
               <a:ext uri="{28A0092B-C50C-407E-A947-70E740481C1C}">
                 <a14:useLocalDpi xmlns:a14="http://schemas.microsoft.com/office/drawing/2010/main" val="0"/>
@@ -5170,8 +6598,8 @@
         </p:blipFill>
         <p:spPr bwMode="auto">
           <a:xfrm>
-            <a:off x="7651101" y="1690688"/>
-            <a:ext cx="3537857" cy="4574815"/>
+            <a:off x="3896960" y="1825625"/>
+            <a:ext cx="4398080" cy="4351338"/>
           </a:xfrm>
           <a:prstGeom prst="rect">
             <a:avLst/>
@@ -5191,7 +6619,7 @@
     </p:spTree>
     <p:extLst>
       <p:ext uri="{BB962C8B-B14F-4D97-AF65-F5344CB8AC3E}">
-        <p14:creationId xmlns:p14="http://schemas.microsoft.com/office/powerpoint/2010/main" val="1524171881"/>
+        <p14:creationId xmlns:p14="http://schemas.microsoft.com/office/powerpoint/2010/main" val="4184617168"/>
       </p:ext>
     </p:extLst>
   </p:cSld>
@@ -5223,7 +6651,7 @@
           <p:cNvPr id="2" name="제목 1">
             <a:extLst>
               <a:ext uri="{FF2B5EF4-FFF2-40B4-BE49-F238E27FC236}">
-                <a16:creationId xmlns:a16="http://schemas.microsoft.com/office/drawing/2014/main" id="{16714813-7B97-4E9D-9E9D-0BB5068BA3C6}"/>
+                <a16:creationId xmlns:a16="http://schemas.microsoft.com/office/drawing/2014/main" id="{12583335-4B5A-428E-90FC-174D2BEED0B5}"/>
               </a:ext>
             </a:extLst>
           </p:cNvPr>
@@ -5236,35 +6664,102 @@
         </p:nvSpPr>
         <p:spPr/>
         <p:txBody>
-          <a:bodyPr/>
-          <a:lstStyle/>
-          <a:p>
+          <a:bodyPr>
+            <a:normAutofit fontScale="90000"/>
+          </a:bodyPr>
+          <a:lstStyle/>
+          <a:p>
+            <a:pPr algn="ctr"/>
             <a:r>
               <a:rPr lang="en-US" altLang="ko-KR" dirty="0"/>
-              <a:t>function</a:t>
-            </a:r>
-            <a:endParaRPr lang="ko-KR" altLang="en-US" dirty="0"/>
+              <a:t>Leonhard Euler</a:t>
+            </a:r>
+            <a:br>
+              <a:rPr lang="en-US" altLang="ko-KR" dirty="0"/>
+            </a:br>
+            <a:r>
+              <a:rPr lang="en-US" altLang="ko-KR" sz="3200" i="1" dirty="0"/>
+              <a:t> </a:t>
+            </a:r>
+            <a:r>
+              <a:rPr lang="en-US" altLang="ko-KR" sz="3200" i="1" dirty="0" err="1"/>
+              <a:t>Introductio</a:t>
+            </a:r>
+            <a:r>
+              <a:rPr lang="en-US" altLang="ko-KR" sz="3200" i="1" dirty="0"/>
+              <a:t> in </a:t>
+            </a:r>
+            <a:r>
+              <a:rPr lang="en-US" altLang="ko-KR" sz="3200" i="1" dirty="0" err="1"/>
+              <a:t>Analysin</a:t>
+            </a:r>
+            <a:r>
+              <a:rPr lang="en-US" altLang="ko-KR" sz="3200" i="1" dirty="0"/>
+              <a:t> </a:t>
+            </a:r>
+            <a:r>
+              <a:rPr lang="en-US" altLang="ko-KR" sz="3200" i="1" dirty="0" err="1"/>
+              <a:t>Infinitorum</a:t>
+            </a:r>
+            <a:r>
+              <a:rPr lang="en-US" altLang="ko-KR" sz="3200" i="1" dirty="0"/>
+              <a:t>. 1748</a:t>
+            </a:r>
+            <a:br>
+              <a:rPr lang="en-US" altLang="ko-KR" sz="3200" dirty="0"/>
+            </a:br>
+            <a:endParaRPr lang="ko-KR" altLang="en-US" sz="3200" dirty="0"/>
           </a:p>
         </p:txBody>
       </p:sp>
       <p:pic>
         <p:nvPicPr>
-          <p:cNvPr id="2050" name="Picture 2" descr="What is a Function 1">
-            <a:extLst>
-              <a:ext uri="{FF2B5EF4-FFF2-40B4-BE49-F238E27FC236}">
-                <a16:creationId xmlns:a16="http://schemas.microsoft.com/office/drawing/2014/main" id="{16B8EB8D-DFD4-4BC0-95A6-6597DB5AF0A9}"/>
+          <p:cNvPr id="4" name="내용 개체 틀 3">
+            <a:extLst>
+              <a:ext uri="{FF2B5EF4-FFF2-40B4-BE49-F238E27FC236}">
+                <a16:creationId xmlns:a16="http://schemas.microsoft.com/office/drawing/2014/main" id="{870CCDD9-40F3-4B0B-8ECC-6D048EB9FCB8}"/>
               </a:ext>
             </a:extLst>
           </p:cNvPr>
           <p:cNvPicPr>
-            <a:picLocks noGrp="1" noChangeAspect="1" noChangeArrowheads="1"/>
+            <a:picLocks noGrp="1" noChangeAspect="1"/>
           </p:cNvPicPr>
           <p:nvPr>
             <p:ph idx="1"/>
           </p:nvPr>
         </p:nvPicPr>
         <p:blipFill>
-          <a:blip r:embed="rId2">
+          <a:blip r:embed="rId2"/>
+          <a:stretch>
+            <a:fillRect/>
+          </a:stretch>
+        </p:blipFill>
+        <p:spPr>
+          <a:xfrm>
+            <a:off x="78144" y="2142461"/>
+            <a:ext cx="6362700" cy="3400425"/>
+          </a:xfrm>
+          <a:prstGeom prst="rect">
+            <a:avLst/>
+          </a:prstGeom>
+        </p:spPr>
+      </p:pic>
+      <p:pic>
+        <p:nvPicPr>
+          <p:cNvPr id="6148" name="Picture 4">
+            <a:extLst>
+              <a:ext uri="{FF2B5EF4-FFF2-40B4-BE49-F238E27FC236}">
+                <a16:creationId xmlns:a16="http://schemas.microsoft.com/office/drawing/2014/main" id="{AD20EB6F-87D4-4AE8-B628-8157E99C3D94}"/>
+              </a:ext>
+            </a:extLst>
+          </p:cNvPr>
+          <p:cNvPicPr>
+            <a:picLocks noChangeAspect="1" noChangeArrowheads="1"/>
+          </p:cNvPicPr>
+          <p:nvPr/>
+        </p:nvPicPr>
+        <p:blipFill>
+          <a:blip r:embed="rId3">
             <a:extLst>
               <a:ext uri="{28A0092B-C50C-407E-A947-70E740481C1C}">
                 <a14:useLocalDpi xmlns:a14="http://schemas.microsoft.com/office/drawing/2010/main" val="0"/>
@@ -5278,8 +6773,8 @@
         </p:blipFill>
         <p:spPr bwMode="auto">
           <a:xfrm>
-            <a:off x="2242547" y="1627464"/>
-            <a:ext cx="8988373" cy="4865411"/>
+            <a:off x="7651101" y="1690688"/>
+            <a:ext cx="3537857" cy="4574815"/>
           </a:xfrm>
           <a:prstGeom prst="rect">
             <a:avLst/>
@@ -5299,7 +6794,7 @@
     </p:spTree>
     <p:extLst>
       <p:ext uri="{BB962C8B-B14F-4D97-AF65-F5344CB8AC3E}">
-        <p14:creationId xmlns:p14="http://schemas.microsoft.com/office/powerpoint/2010/main" val="4036693063"/>
+        <p14:creationId xmlns:p14="http://schemas.microsoft.com/office/powerpoint/2010/main" val="1524171881"/>
       </p:ext>
     </p:extLst>
   </p:cSld>
@@ -5331,7 +6826,7 @@
           <p:cNvPr id="2" name="제목 1">
             <a:extLst>
               <a:ext uri="{FF2B5EF4-FFF2-40B4-BE49-F238E27FC236}">
-                <a16:creationId xmlns:a16="http://schemas.microsoft.com/office/drawing/2014/main" id="{2D519A7D-D7F1-4736-B840-FEFC10711E32}"/>
+                <a16:creationId xmlns:a16="http://schemas.microsoft.com/office/drawing/2014/main" id="{16714813-7B97-4E9D-9E9D-0BB5068BA3C6}"/>
               </a:ext>
             </a:extLst>
           </p:cNvPr>
@@ -5349,7 +6844,7 @@
           <a:p>
             <a:r>
               <a:rPr lang="en-US" altLang="ko-KR" dirty="0"/>
-              <a:t>Function</a:t>
+              <a:t>function</a:t>
             </a:r>
             <a:endParaRPr lang="ko-KR" altLang="en-US" dirty="0"/>
           </a:p>
@@ -5357,10 +6852,10 @@
       </p:sp>
       <p:pic>
         <p:nvPicPr>
-          <p:cNvPr id="1026" name="Picture 2" descr="함수는 입력값에 따라 출력값을 만들어 내는 ‘블랙 박스’와 같다.">
-            <a:extLst>
-              <a:ext uri="{FF2B5EF4-FFF2-40B4-BE49-F238E27FC236}">
-                <a16:creationId xmlns:a16="http://schemas.microsoft.com/office/drawing/2014/main" id="{0A812A7D-1D47-4D93-AB71-151A64A9A0BE}"/>
+          <p:cNvPr id="2050" name="Picture 2" descr="What is a Function 1">
+            <a:extLst>
+              <a:ext uri="{FF2B5EF4-FFF2-40B4-BE49-F238E27FC236}">
+                <a16:creationId xmlns:a16="http://schemas.microsoft.com/office/drawing/2014/main" id="{16B8EB8D-DFD4-4BC0-95A6-6597DB5AF0A9}"/>
               </a:ext>
             </a:extLst>
           </p:cNvPr>
@@ -5386,8 +6881,8 @@
         </p:blipFill>
         <p:spPr bwMode="auto">
           <a:xfrm>
-            <a:off x="3896960" y="1825625"/>
-            <a:ext cx="4398080" cy="4351338"/>
+            <a:off x="2242547" y="1627464"/>
+            <a:ext cx="8988373" cy="4865411"/>
           </a:xfrm>
           <a:prstGeom prst="rect">
             <a:avLst/>
@@ -5407,7 +6902,7 @@
     </p:spTree>
     <p:extLst>
       <p:ext uri="{BB962C8B-B14F-4D97-AF65-F5344CB8AC3E}">
-        <p14:creationId xmlns:p14="http://schemas.microsoft.com/office/powerpoint/2010/main" val="1105603061"/>
+        <p14:creationId xmlns:p14="http://schemas.microsoft.com/office/powerpoint/2010/main" val="4036693063"/>
       </p:ext>
     </p:extLst>
   </p:cSld>

--- a/AI_03_Machinelearning vs Deep learning.pptx
+++ b/AI_03_Machinelearning vs Deep learning.pptx
@@ -6,20 +6,20 @@
   </p:sldMasterIdLst>
   <p:sldIdLst>
     <p:sldId id="356" r:id="rId2"/>
-    <p:sldId id="272" r:id="rId3"/>
-    <p:sldId id="295" r:id="rId4"/>
-    <p:sldId id="326" r:id="rId5"/>
-    <p:sldId id="324" r:id="rId6"/>
-    <p:sldId id="327" r:id="rId7"/>
-    <p:sldId id="309" r:id="rId8"/>
-    <p:sldId id="298" r:id="rId9"/>
-    <p:sldId id="280" r:id="rId10"/>
-    <p:sldId id="279" r:id="rId11"/>
-    <p:sldId id="312" r:id="rId12"/>
-    <p:sldId id="313" r:id="rId13"/>
-    <p:sldId id="314" r:id="rId14"/>
-    <p:sldId id="335" r:id="rId15"/>
-    <p:sldId id="315" r:id="rId16"/>
+    <p:sldId id="349" r:id="rId3"/>
+    <p:sldId id="272" r:id="rId4"/>
+    <p:sldId id="295" r:id="rId5"/>
+    <p:sldId id="326" r:id="rId6"/>
+    <p:sldId id="324" r:id="rId7"/>
+    <p:sldId id="327" r:id="rId8"/>
+    <p:sldId id="309" r:id="rId9"/>
+    <p:sldId id="298" r:id="rId10"/>
+    <p:sldId id="280" r:id="rId11"/>
+    <p:sldId id="279" r:id="rId12"/>
+    <p:sldId id="312" r:id="rId13"/>
+    <p:sldId id="313" r:id="rId14"/>
+    <p:sldId id="314" r:id="rId15"/>
+    <p:sldId id="335" r:id="rId16"/>
     <p:sldId id="320" r:id="rId17"/>
   </p:sldIdLst>
   <p:sldSz cx="12192000" cy="6858000"/>
@@ -274,7 +274,7 @@
           <a:p>
             <a:fld id="{24D693C2-0685-4A15-9C94-CCA567D461A1}" type="datetimeFigureOut">
               <a:rPr lang="ko-KR" altLang="en-US" smtClean="0"/>
-              <a:t>2023-07-20</a:t>
+              <a:t>2023-07-23</a:t>
             </a:fld>
             <a:endParaRPr lang="ko-KR" altLang="en-US"/>
           </a:p>
@@ -472,7 +472,7 @@
           <a:p>
             <a:fld id="{24D693C2-0685-4A15-9C94-CCA567D461A1}" type="datetimeFigureOut">
               <a:rPr lang="ko-KR" altLang="en-US" smtClean="0"/>
-              <a:t>2023-07-20</a:t>
+              <a:t>2023-07-23</a:t>
             </a:fld>
             <a:endParaRPr lang="ko-KR" altLang="en-US"/>
           </a:p>
@@ -680,7 +680,7 @@
           <a:p>
             <a:fld id="{24D693C2-0685-4A15-9C94-CCA567D461A1}" type="datetimeFigureOut">
               <a:rPr lang="ko-KR" altLang="en-US" smtClean="0"/>
-              <a:t>2023-07-20</a:t>
+              <a:t>2023-07-23</a:t>
             </a:fld>
             <a:endParaRPr lang="ko-KR" altLang="en-US"/>
           </a:p>
@@ -878,7 +878,7 @@
           <a:p>
             <a:fld id="{24D693C2-0685-4A15-9C94-CCA567D461A1}" type="datetimeFigureOut">
               <a:rPr lang="ko-KR" altLang="en-US" smtClean="0"/>
-              <a:t>2023-07-20</a:t>
+              <a:t>2023-07-23</a:t>
             </a:fld>
             <a:endParaRPr lang="ko-KR" altLang="en-US"/>
           </a:p>
@@ -1153,7 +1153,7 @@
           <a:p>
             <a:fld id="{24D693C2-0685-4A15-9C94-CCA567D461A1}" type="datetimeFigureOut">
               <a:rPr lang="ko-KR" altLang="en-US" smtClean="0"/>
-              <a:t>2023-07-20</a:t>
+              <a:t>2023-07-23</a:t>
             </a:fld>
             <a:endParaRPr lang="ko-KR" altLang="en-US"/>
           </a:p>
@@ -1418,7 +1418,7 @@
           <a:p>
             <a:fld id="{24D693C2-0685-4A15-9C94-CCA567D461A1}" type="datetimeFigureOut">
               <a:rPr lang="ko-KR" altLang="en-US" smtClean="0"/>
-              <a:t>2023-07-20</a:t>
+              <a:t>2023-07-23</a:t>
             </a:fld>
             <a:endParaRPr lang="ko-KR" altLang="en-US"/>
           </a:p>
@@ -1830,7 +1830,7 @@
           <a:p>
             <a:fld id="{24D693C2-0685-4A15-9C94-CCA567D461A1}" type="datetimeFigureOut">
               <a:rPr lang="ko-KR" altLang="en-US" smtClean="0"/>
-              <a:t>2023-07-20</a:t>
+              <a:t>2023-07-23</a:t>
             </a:fld>
             <a:endParaRPr lang="ko-KR" altLang="en-US"/>
           </a:p>
@@ -1971,7 +1971,7 @@
           <a:p>
             <a:fld id="{24D693C2-0685-4A15-9C94-CCA567D461A1}" type="datetimeFigureOut">
               <a:rPr lang="ko-KR" altLang="en-US" smtClean="0"/>
-              <a:t>2023-07-20</a:t>
+              <a:t>2023-07-23</a:t>
             </a:fld>
             <a:endParaRPr lang="ko-KR" altLang="en-US"/>
           </a:p>
@@ -2084,7 +2084,7 @@
           <a:p>
             <a:fld id="{24D693C2-0685-4A15-9C94-CCA567D461A1}" type="datetimeFigureOut">
               <a:rPr lang="ko-KR" altLang="en-US" smtClean="0"/>
-              <a:t>2023-07-20</a:t>
+              <a:t>2023-07-23</a:t>
             </a:fld>
             <a:endParaRPr lang="ko-KR" altLang="en-US"/>
           </a:p>
@@ -2395,7 +2395,7 @@
           <a:p>
             <a:fld id="{24D693C2-0685-4A15-9C94-CCA567D461A1}" type="datetimeFigureOut">
               <a:rPr lang="ko-KR" altLang="en-US" smtClean="0"/>
-              <a:t>2023-07-20</a:t>
+              <a:t>2023-07-23</a:t>
             </a:fld>
             <a:endParaRPr lang="ko-KR" altLang="en-US"/>
           </a:p>
@@ -2683,7 +2683,7 @@
           <a:p>
             <a:fld id="{24D693C2-0685-4A15-9C94-CCA567D461A1}" type="datetimeFigureOut">
               <a:rPr lang="ko-KR" altLang="en-US" smtClean="0"/>
-              <a:t>2023-07-20</a:t>
+              <a:t>2023-07-23</a:t>
             </a:fld>
             <a:endParaRPr lang="ko-KR" altLang="en-US"/>
           </a:p>
@@ -2924,7 +2924,7 @@
           <a:p>
             <a:fld id="{24D693C2-0685-4A15-9C94-CCA567D461A1}" type="datetimeFigureOut">
               <a:rPr lang="ko-KR" altLang="en-US" smtClean="0"/>
-              <a:t>2023-07-20</a:t>
+              <a:t>2023-07-23</a:t>
             </a:fld>
             <a:endParaRPr lang="ko-KR" altLang="en-US"/>
           </a:p>
@@ -4840,7 +4840,7 @@
           <p:cNvPr id="2" name="제목 1">
             <a:extLst>
               <a:ext uri="{FF2B5EF4-FFF2-40B4-BE49-F238E27FC236}">
-                <a16:creationId xmlns:a16="http://schemas.microsoft.com/office/drawing/2014/main" id="{2D519A7D-D7F1-4736-B840-FEFC10711E32}"/>
+                <a16:creationId xmlns:a16="http://schemas.microsoft.com/office/drawing/2014/main" id="{16714813-7B97-4E9D-9E9D-0BB5068BA3C6}"/>
               </a:ext>
             </a:extLst>
           </p:cNvPr>
@@ -4858,7 +4858,7 @@
           <a:p>
             <a:r>
               <a:rPr lang="en-US" altLang="ko-KR" dirty="0"/>
-              <a:t>Function</a:t>
+              <a:t>function</a:t>
             </a:r>
             <a:endParaRPr lang="ko-KR" altLang="en-US" dirty="0"/>
           </a:p>
@@ -4866,10 +4866,10 @@
       </p:sp>
       <p:pic>
         <p:nvPicPr>
-          <p:cNvPr id="1026" name="Picture 2" descr="함수는 입력값에 따라 출력값을 만들어 내는 ‘블랙 박스’와 같다.">
-            <a:extLst>
-              <a:ext uri="{FF2B5EF4-FFF2-40B4-BE49-F238E27FC236}">
-                <a16:creationId xmlns:a16="http://schemas.microsoft.com/office/drawing/2014/main" id="{0A812A7D-1D47-4D93-AB71-151A64A9A0BE}"/>
+          <p:cNvPr id="2050" name="Picture 2" descr="What is a Function 1">
+            <a:extLst>
+              <a:ext uri="{FF2B5EF4-FFF2-40B4-BE49-F238E27FC236}">
+                <a16:creationId xmlns:a16="http://schemas.microsoft.com/office/drawing/2014/main" id="{16B8EB8D-DFD4-4BC0-95A6-6597DB5AF0A9}"/>
               </a:ext>
             </a:extLst>
           </p:cNvPr>
@@ -4895,8 +4895,8 @@
         </p:blipFill>
         <p:spPr bwMode="auto">
           <a:xfrm>
-            <a:off x="3896960" y="1825625"/>
-            <a:ext cx="4398080" cy="4351338"/>
+            <a:off x="2242547" y="1627464"/>
+            <a:ext cx="8988373" cy="4865411"/>
           </a:xfrm>
           <a:prstGeom prst="rect">
             <a:avLst/>
@@ -4916,7 +4916,7 @@
     </p:spTree>
     <p:extLst>
       <p:ext uri="{BB962C8B-B14F-4D97-AF65-F5344CB8AC3E}">
-        <p14:creationId xmlns:p14="http://schemas.microsoft.com/office/powerpoint/2010/main" val="1105603061"/>
+        <p14:creationId xmlns:p14="http://schemas.microsoft.com/office/powerpoint/2010/main" val="4036693063"/>
       </p:ext>
     </p:extLst>
   </p:cSld>
@@ -4943,12 +4943,41 @@
           <a:chExt cx="0" cy="0"/>
         </a:xfrm>
       </p:grpSpPr>
+      <p:sp>
+        <p:nvSpPr>
+          <p:cNvPr id="2" name="제목 1">
+            <a:extLst>
+              <a:ext uri="{FF2B5EF4-FFF2-40B4-BE49-F238E27FC236}">
+                <a16:creationId xmlns:a16="http://schemas.microsoft.com/office/drawing/2014/main" id="{2D519A7D-D7F1-4736-B840-FEFC10711E32}"/>
+              </a:ext>
+            </a:extLst>
+          </p:cNvPr>
+          <p:cNvSpPr>
+            <a:spLocks noGrp="1"/>
+          </p:cNvSpPr>
+          <p:nvPr>
+            <p:ph type="title"/>
+          </p:nvPr>
+        </p:nvSpPr>
+        <p:spPr/>
+        <p:txBody>
+          <a:bodyPr/>
+          <a:lstStyle/>
+          <a:p>
+            <a:r>
+              <a:rPr lang="en-US" altLang="ko-KR" dirty="0"/>
+              <a:t>Function</a:t>
+            </a:r>
+            <a:endParaRPr lang="ko-KR" altLang="en-US" dirty="0"/>
+          </a:p>
+        </p:txBody>
+      </p:sp>
       <p:pic>
         <p:nvPicPr>
-          <p:cNvPr id="6146" name="Picture 2">
-            <a:extLst>
-              <a:ext uri="{FF2B5EF4-FFF2-40B4-BE49-F238E27FC236}">
-                <a16:creationId xmlns:a16="http://schemas.microsoft.com/office/drawing/2014/main" id="{6913617A-6A80-409A-A9D3-5A38693C3C6F}"/>
+          <p:cNvPr id="1026" name="Picture 2" descr="함수는 입력값에 따라 출력값을 만들어 내는 ‘블랙 박스’와 같다.">
+            <a:extLst>
+              <a:ext uri="{FF2B5EF4-FFF2-40B4-BE49-F238E27FC236}">
+                <a16:creationId xmlns:a16="http://schemas.microsoft.com/office/drawing/2014/main" id="{0A812A7D-1D47-4D93-AB71-151A64A9A0BE}"/>
               </a:ext>
             </a:extLst>
           </p:cNvPr>
@@ -4974,8 +5003,8 @@
         </p:blipFill>
         <p:spPr bwMode="auto">
           <a:xfrm>
-            <a:off x="1474097" y="810491"/>
-            <a:ext cx="9799013" cy="5511945"/>
+            <a:off x="3896960" y="1825625"/>
+            <a:ext cx="4398080" cy="4351338"/>
           </a:xfrm>
           <a:prstGeom prst="rect">
             <a:avLst/>
@@ -4995,7 +5024,7 @@
     </p:spTree>
     <p:extLst>
       <p:ext uri="{BB962C8B-B14F-4D97-AF65-F5344CB8AC3E}">
-        <p14:creationId xmlns:p14="http://schemas.microsoft.com/office/powerpoint/2010/main" val="1428894077"/>
+        <p14:creationId xmlns:p14="http://schemas.microsoft.com/office/powerpoint/2010/main" val="1105603061"/>
       </p:ext>
     </p:extLst>
   </p:cSld>
@@ -5024,10 +5053,10 @@
       </p:grpSpPr>
       <p:pic>
         <p:nvPicPr>
-          <p:cNvPr id="7170" name="Picture 2" descr="Future Internet | Free Full-Text | Predicting Dog Emotions Based on Posture  Analysis Using DeepLabCut">
-            <a:extLst>
-              <a:ext uri="{FF2B5EF4-FFF2-40B4-BE49-F238E27FC236}">
-                <a16:creationId xmlns:a16="http://schemas.microsoft.com/office/drawing/2014/main" id="{8E62A480-36E6-4063-922A-82A61180D5A9}"/>
+          <p:cNvPr id="6146" name="Picture 2">
+            <a:extLst>
+              <a:ext uri="{FF2B5EF4-FFF2-40B4-BE49-F238E27FC236}">
+                <a16:creationId xmlns:a16="http://schemas.microsoft.com/office/drawing/2014/main" id="{6913617A-6A80-409A-A9D3-5A38693C3C6F}"/>
               </a:ext>
             </a:extLst>
           </p:cNvPr>
@@ -5053,8 +5082,8 @@
         </p:blipFill>
         <p:spPr bwMode="auto">
           <a:xfrm>
-            <a:off x="2005446" y="108374"/>
-            <a:ext cx="7684714" cy="6006244"/>
+            <a:off x="1474097" y="810491"/>
+            <a:ext cx="9799013" cy="5511945"/>
           </a:xfrm>
           <a:prstGeom prst="rect">
             <a:avLst/>
@@ -5074,7 +5103,7 @@
     </p:spTree>
     <p:extLst>
       <p:ext uri="{BB962C8B-B14F-4D97-AF65-F5344CB8AC3E}">
-        <p14:creationId xmlns:p14="http://schemas.microsoft.com/office/powerpoint/2010/main" val="2515599592"/>
+        <p14:creationId xmlns:p14="http://schemas.microsoft.com/office/powerpoint/2010/main" val="1428894077"/>
       </p:ext>
     </p:extLst>
   </p:cSld>
@@ -5103,10 +5132,10 @@
       </p:grpSpPr>
       <p:pic>
         <p:nvPicPr>
-          <p:cNvPr id="8194" name="Picture 2" descr="An analysis on computer vision problems | by Shravan Murali | Shravan's  Blog | Medium">
-            <a:extLst>
-              <a:ext uri="{FF2B5EF4-FFF2-40B4-BE49-F238E27FC236}">
-                <a16:creationId xmlns:a16="http://schemas.microsoft.com/office/drawing/2014/main" id="{0CB1F4C2-2CD5-4C17-BC44-BABD1D165316}"/>
+          <p:cNvPr id="7170" name="Picture 2" descr="Future Internet | Free Full-Text | Predicting Dog Emotions Based on Posture  Analysis Using DeepLabCut">
+            <a:extLst>
+              <a:ext uri="{FF2B5EF4-FFF2-40B4-BE49-F238E27FC236}">
+                <a16:creationId xmlns:a16="http://schemas.microsoft.com/office/drawing/2014/main" id="{8E62A480-36E6-4063-922A-82A61180D5A9}"/>
               </a:ext>
             </a:extLst>
           </p:cNvPr>
@@ -5132,8 +5161,8 @@
         </p:blipFill>
         <p:spPr bwMode="auto">
           <a:xfrm>
-            <a:off x="1670292" y="444427"/>
-            <a:ext cx="8549969" cy="5969145"/>
+            <a:off x="2005446" y="108374"/>
+            <a:ext cx="7684714" cy="6006244"/>
           </a:xfrm>
           <a:prstGeom prst="rect">
             <a:avLst/>
@@ -5153,7 +5182,7 @@
     </p:spTree>
     <p:extLst>
       <p:ext uri="{BB962C8B-B14F-4D97-AF65-F5344CB8AC3E}">
-        <p14:creationId xmlns:p14="http://schemas.microsoft.com/office/powerpoint/2010/main" val="225178533"/>
+        <p14:creationId xmlns:p14="http://schemas.microsoft.com/office/powerpoint/2010/main" val="2515599592"/>
       </p:ext>
     </p:extLst>
   </p:cSld>
@@ -5182,10 +5211,10 @@
       </p:grpSpPr>
       <p:pic>
         <p:nvPicPr>
-          <p:cNvPr id="9218" name="Picture 2" descr="Dispelling Myths: Deep Learning vs. Machine Learning">
-            <a:extLst>
-              <a:ext uri="{FF2B5EF4-FFF2-40B4-BE49-F238E27FC236}">
-                <a16:creationId xmlns:a16="http://schemas.microsoft.com/office/drawing/2014/main" id="{E7650AF9-6EBB-4661-891D-DF32EDE03EB6}"/>
+          <p:cNvPr id="8194" name="Picture 2" descr="An analysis on computer vision problems | by Shravan Murali | Shravan's  Blog | Medium">
+            <a:extLst>
+              <a:ext uri="{FF2B5EF4-FFF2-40B4-BE49-F238E27FC236}">
+                <a16:creationId xmlns:a16="http://schemas.microsoft.com/office/drawing/2014/main" id="{0CB1F4C2-2CD5-4C17-BC44-BABD1D165316}"/>
               </a:ext>
             </a:extLst>
           </p:cNvPr>
@@ -5211,8 +5240,8 @@
         </p:blipFill>
         <p:spPr bwMode="auto">
           <a:xfrm>
-            <a:off x="0" y="306784"/>
-            <a:ext cx="12111832" cy="6055916"/>
+            <a:off x="1670292" y="444427"/>
+            <a:ext cx="8549969" cy="5969145"/>
           </a:xfrm>
           <a:prstGeom prst="rect">
             <a:avLst/>
@@ -5232,7 +5261,7 @@
     </p:spTree>
     <p:extLst>
       <p:ext uri="{BB962C8B-B14F-4D97-AF65-F5344CB8AC3E}">
-        <p14:creationId xmlns:p14="http://schemas.microsoft.com/office/powerpoint/2010/main" val="2840329664"/>
+        <p14:creationId xmlns:p14="http://schemas.microsoft.com/office/powerpoint/2010/main" val="225178533"/>
       </p:ext>
     </p:extLst>
   </p:cSld>
@@ -5311,7 +5340,7 @@
     </p:spTree>
     <p:extLst>
       <p:ext uri="{BB962C8B-B14F-4D97-AF65-F5344CB8AC3E}">
-        <p14:creationId xmlns:p14="http://schemas.microsoft.com/office/powerpoint/2010/main" val="1323154639"/>
+        <p14:creationId xmlns:p14="http://schemas.microsoft.com/office/powerpoint/2010/main" val="2840329664"/>
       </p:ext>
     </p:extLst>
   </p:cSld>
@@ -5448,19 +5477,17 @@
       </p:grpSpPr>
       <p:pic>
         <p:nvPicPr>
-          <p:cNvPr id="9218" name="Picture 2" descr="Dispelling Myths: Deep Learning vs. Machine Learning">
-            <a:extLst>
-              <a:ext uri="{FF2B5EF4-FFF2-40B4-BE49-F238E27FC236}">
-                <a16:creationId xmlns:a16="http://schemas.microsoft.com/office/drawing/2014/main" id="{E7650AF9-6EBB-4661-891D-DF32EDE03EB6}"/>
+          <p:cNvPr id="2050" name="Picture 2" descr="Figure 3. Subsections of artificial intelligence. Source: generated by the authors. &#10;Reg &#10;Classification &#10;Self Training &#10;Low Density &#10;Se aration Models &#10;Graph Bmd &#10;Algorit h ms &#10;Dynamic programming &#10;Monte Carlo Methods &#10;Heuristic Methods &#10;Deep Feed Forward Networks &#10;Convolution &#10;Neural Networks &#10;Neural Networks &#10;Siamese Neural &#10;Networks &#10;Tra n sformers &#10;Generative &#10;net Wor k s &#10;Graph Neural &#10;Networ &#10;Supervised Learning &#10;Unsupervised &#10;Learning &#10;Dimensiona 'ty &#10;Reduction &#10;Semi Supervised Learning &#10;Reinforcement Learning &#10;Deep Learning &#10;Machine Translation &#10;Content Extraction &#10;Question Answering &#10;Information Retrieval &#10;Sentiment Analysis &#10;Text Generation &#10;Topic Modelin &#10;Image Recognition &#10;Machine Vision &#10;Machine &#10;Learning &#10;Planning &#10;Robotics &#10;Natural Language &#10;Processing &#10;Expert &#10;systems &#10;Speech &#10;Vision &#10;Artificial &#10;intelligence ">
+            <a:extLst>
+              <a:ext uri="{FF2B5EF4-FFF2-40B4-BE49-F238E27FC236}">
+                <a16:creationId xmlns:a16="http://schemas.microsoft.com/office/drawing/2014/main" id="{1DE0A47F-4442-4308-AB10-91A1FBD5F501}"/>
               </a:ext>
             </a:extLst>
           </p:cNvPr>
           <p:cNvPicPr>
-            <a:picLocks noGrp="1" noChangeAspect="1" noChangeArrowheads="1"/>
+            <a:picLocks noChangeAspect="1" noChangeArrowheads="1"/>
           </p:cNvPicPr>
-          <p:nvPr>
-            <p:ph idx="1"/>
-          </p:nvPr>
+          <p:nvPr/>
         </p:nvPicPr>
         <p:blipFill>
           <a:blip r:embed="rId2">
@@ -5477,8 +5504,8 @@
         </p:blipFill>
         <p:spPr bwMode="auto">
           <a:xfrm>
-            <a:off x="0" y="306784"/>
-            <a:ext cx="12111832" cy="6055916"/>
+            <a:off x="2405063" y="0"/>
+            <a:ext cx="7380287" cy="6858000"/>
           </a:xfrm>
           <a:prstGeom prst="rect">
             <a:avLst/>
@@ -5495,10 +5522,60 @@
           </a:extLst>
         </p:spPr>
       </p:pic>
+      <p:sp>
+        <p:nvSpPr>
+          <p:cNvPr id="4" name="설명선: 오른쪽 화살표 3">
+            <a:extLst>
+              <a:ext uri="{FF2B5EF4-FFF2-40B4-BE49-F238E27FC236}">
+                <a16:creationId xmlns:a16="http://schemas.microsoft.com/office/drawing/2014/main" id="{5589EEFB-FD6D-4A8F-A807-52F3CFE6765B}"/>
+              </a:ext>
+            </a:extLst>
+          </p:cNvPr>
+          <p:cNvSpPr/>
+          <p:nvPr/>
+        </p:nvSpPr>
+        <p:spPr>
+          <a:xfrm>
+            <a:off x="117446" y="4043494"/>
+            <a:ext cx="2558642" cy="302003"/>
+          </a:xfrm>
+          <a:prstGeom prst="rightArrowCallout">
+            <a:avLst/>
+          </a:prstGeom>
+        </p:spPr>
+        <p:style>
+          <a:lnRef idx="2">
+            <a:schemeClr val="accent1">
+              <a:shade val="50000"/>
+            </a:schemeClr>
+          </a:lnRef>
+          <a:fillRef idx="1">
+            <a:schemeClr val="accent1"/>
+          </a:fillRef>
+          <a:effectRef idx="0">
+            <a:schemeClr val="accent1"/>
+          </a:effectRef>
+          <a:fontRef idx="minor">
+            <a:schemeClr val="lt1"/>
+          </a:fontRef>
+        </p:style>
+        <p:txBody>
+          <a:bodyPr rtlCol="0" anchor="ctr"/>
+          <a:lstStyle/>
+          <a:p>
+            <a:pPr algn="ctr"/>
+            <a:r>
+              <a:rPr lang="en-US" altLang="ko-KR" dirty="0"/>
+              <a:t>Transformer</a:t>
+            </a:r>
+            <a:endParaRPr lang="ko-KR" altLang="en-US" dirty="0"/>
+          </a:p>
+        </p:txBody>
+      </p:sp>
     </p:spTree>
     <p:extLst>
       <p:ext uri="{BB962C8B-B14F-4D97-AF65-F5344CB8AC3E}">
-        <p14:creationId xmlns:p14="http://schemas.microsoft.com/office/powerpoint/2010/main" val="4252363898"/>
+        <p14:creationId xmlns:p14="http://schemas.microsoft.com/office/powerpoint/2010/main" val="1615918082"/>
       </p:ext>
     </p:extLst>
   </p:cSld>
@@ -5525,367 +5602,59 @@
           <a:chExt cx="0" cy="0"/>
         </a:xfrm>
       </p:grpSpPr>
-      <p:sp>
-        <p:nvSpPr>
-          <p:cNvPr id="2" name="제목 1">
-            <a:extLst>
-              <a:ext uri="{FF2B5EF4-FFF2-40B4-BE49-F238E27FC236}">
-                <a16:creationId xmlns:a16="http://schemas.microsoft.com/office/drawing/2014/main" id="{BB4525D2-F44A-4AC0-B26F-C1CF3B774CBF}"/>
-              </a:ext>
-            </a:extLst>
-          </p:cNvPr>
-          <p:cNvSpPr>
-            <a:spLocks noGrp="1"/>
-          </p:cNvSpPr>
-          <p:nvPr>
-            <p:ph type="title"/>
-          </p:nvPr>
-        </p:nvSpPr>
-        <p:spPr/>
-        <p:txBody>
-          <a:bodyPr/>
-          <a:lstStyle/>
-          <a:p>
-            <a:r>
-              <a:rPr lang="en-US" altLang="ko-KR" dirty="0"/>
-              <a:t>chat GPT</a:t>
-            </a:r>
-            <a:endParaRPr lang="ko-KR" altLang="en-US" dirty="0"/>
-          </a:p>
-        </p:txBody>
-      </p:sp>
-      <p:sp>
-        <p:nvSpPr>
-          <p:cNvPr id="3" name="내용 개체 틀 2">
-            <a:extLst>
-              <a:ext uri="{FF2B5EF4-FFF2-40B4-BE49-F238E27FC236}">
-                <a16:creationId xmlns:a16="http://schemas.microsoft.com/office/drawing/2014/main" id="{E4BE8763-09BB-462A-8B96-E8A3DE4DF49F}"/>
-              </a:ext>
-            </a:extLst>
-          </p:cNvPr>
-          <p:cNvSpPr>
-            <a:spLocks noGrp="1"/>
-          </p:cNvSpPr>
+      <p:pic>
+        <p:nvPicPr>
+          <p:cNvPr id="9218" name="Picture 2" descr="Dispelling Myths: Deep Learning vs. Machine Learning">
+            <a:extLst>
+              <a:ext uri="{FF2B5EF4-FFF2-40B4-BE49-F238E27FC236}">
+                <a16:creationId xmlns:a16="http://schemas.microsoft.com/office/drawing/2014/main" id="{E7650AF9-6EBB-4661-891D-DF32EDE03EB6}"/>
+              </a:ext>
+            </a:extLst>
+          </p:cNvPr>
+          <p:cNvPicPr>
+            <a:picLocks noGrp="1" noChangeAspect="1" noChangeArrowheads="1"/>
+          </p:cNvPicPr>
           <p:nvPr>
             <p:ph idx="1"/>
           </p:nvPr>
-        </p:nvSpPr>
-        <p:spPr/>
-        <p:txBody>
-          <a:bodyPr>
-            <a:normAutofit/>
-          </a:bodyPr>
-          <a:lstStyle/>
-          <a:p>
-            <a:r>
-              <a:rPr lang="ko-KR" altLang="ko-KR" b="1" i="1" dirty="0" err="1"/>
-              <a:t>Generative</a:t>
-            </a:r>
-            <a:r>
-              <a:rPr lang="ko-KR" altLang="ko-KR" b="1" i="1" dirty="0"/>
-              <a:t> </a:t>
-            </a:r>
-            <a:r>
-              <a:rPr lang="ko-KR" altLang="ko-KR" b="1" i="1" dirty="0" err="1"/>
-              <a:t>Pre-trained</a:t>
-            </a:r>
-            <a:r>
-              <a:rPr lang="ko-KR" altLang="ko-KR" b="1" i="1" dirty="0"/>
-              <a:t> </a:t>
-            </a:r>
-            <a:r>
-              <a:rPr lang="ko-KR" altLang="ko-KR" b="1" i="1" dirty="0" err="1"/>
-              <a:t>Transformer</a:t>
-            </a:r>
-            <a:endParaRPr lang="en-US" altLang="ko-KR" b="1" i="1" dirty="0"/>
-          </a:p>
-          <a:p>
-            <a:endParaRPr lang="en-US" altLang="ko-KR" b="1" i="1" dirty="0"/>
-          </a:p>
-          <a:p>
-            <a:r>
-              <a:rPr lang="ko-KR" altLang="ko-KR" sz="2400" dirty="0" err="1"/>
-              <a:t>In</a:t>
-            </a:r>
-            <a:r>
-              <a:rPr lang="ko-KR" altLang="ko-KR" sz="2400" dirty="0"/>
-              <a:t> </a:t>
-            </a:r>
-            <a:r>
-              <a:rPr lang="ko-KR" altLang="ko-KR" sz="2400" dirty="0" err="1"/>
-              <a:t>a</a:t>
-            </a:r>
-            <a:r>
-              <a:rPr lang="ko-KR" altLang="ko-KR" sz="2400" dirty="0"/>
-              <a:t> </a:t>
-            </a:r>
-            <a:r>
-              <a:rPr lang="ko-KR" altLang="ko-KR" sz="2400" dirty="0" err="1"/>
-              <a:t>nutshell</a:t>
-            </a:r>
-            <a:r>
-              <a:rPr lang="ko-KR" altLang="ko-KR" sz="2400" dirty="0"/>
-              <a:t>, </a:t>
-            </a:r>
-            <a:r>
-              <a:rPr lang="ko-KR" altLang="ko-KR" sz="2400" dirty="0" err="1"/>
-              <a:t>Chat</a:t>
-            </a:r>
-            <a:r>
-              <a:rPr lang="ko-KR" altLang="ko-KR" sz="2400" dirty="0"/>
-              <a:t> GPT </a:t>
-            </a:r>
-            <a:r>
-              <a:rPr lang="ko-KR" altLang="ko-KR" sz="2400" dirty="0" err="1"/>
-              <a:t>is</a:t>
-            </a:r>
-            <a:r>
-              <a:rPr lang="ko-KR" altLang="ko-KR" sz="2400" dirty="0"/>
-              <a:t> </a:t>
-            </a:r>
-            <a:r>
-              <a:rPr lang="ko-KR" altLang="ko-KR" sz="2400" dirty="0" err="1"/>
-              <a:t>an</a:t>
-            </a:r>
-            <a:r>
-              <a:rPr lang="ko-KR" altLang="ko-KR" sz="2400" dirty="0"/>
-              <a:t> </a:t>
-            </a:r>
-            <a:endParaRPr lang="en-US" altLang="ko-KR" sz="2400" dirty="0"/>
-          </a:p>
-          <a:p>
-            <a:endParaRPr lang="ko-KR" altLang="ko-KR" sz="2400" dirty="0"/>
-          </a:p>
-          <a:p>
-            <a:pPr marL="457200" lvl="1" indent="0">
-              <a:buNone/>
-            </a:pPr>
-            <a:r>
-              <a:rPr lang="ko-KR" altLang="ko-KR" sz="2800" dirty="0" err="1">
-                <a:highlight>
-                  <a:srgbClr val="C0C0C0"/>
-                </a:highlight>
-              </a:rPr>
-              <a:t>artificial</a:t>
-            </a:r>
-            <a:r>
-              <a:rPr lang="ko-KR" altLang="ko-KR" sz="2800" dirty="0">
-                <a:highlight>
-                  <a:srgbClr val="C0C0C0"/>
-                </a:highlight>
-              </a:rPr>
-              <a:t> </a:t>
-            </a:r>
-            <a:r>
-              <a:rPr lang="ko-KR" altLang="ko-KR" sz="2800" dirty="0" err="1">
-                <a:highlight>
-                  <a:srgbClr val="C0C0C0"/>
-                </a:highlight>
-              </a:rPr>
-              <a:t>intelligence</a:t>
-            </a:r>
-            <a:r>
-              <a:rPr lang="ko-KR" altLang="ko-KR" sz="2800" dirty="0">
-                <a:highlight>
-                  <a:srgbClr val="C0C0C0"/>
-                </a:highlight>
-              </a:rPr>
-              <a:t> </a:t>
-            </a:r>
-            <a:r>
-              <a:rPr lang="ko-KR" altLang="ko-KR" dirty="0"/>
-              <a:t>(AI) </a:t>
-            </a:r>
-            <a:r>
-              <a:rPr lang="ko-KR" altLang="ko-KR" sz="2800" dirty="0" err="1">
-                <a:highlight>
-                  <a:srgbClr val="C0C0C0"/>
-                </a:highlight>
-              </a:rPr>
-              <a:t>content</a:t>
-            </a:r>
-            <a:r>
-              <a:rPr lang="ko-KR" altLang="ko-KR" sz="2800" dirty="0">
-                <a:highlight>
-                  <a:srgbClr val="C0C0C0"/>
-                </a:highlight>
-              </a:rPr>
-              <a:t> </a:t>
-            </a:r>
-            <a:r>
-              <a:rPr lang="ko-KR" altLang="ko-KR" sz="2800" dirty="0" err="1">
-                <a:highlight>
-                  <a:srgbClr val="C0C0C0"/>
-                </a:highlight>
-              </a:rPr>
-              <a:t>generator</a:t>
-            </a:r>
-            <a:r>
-              <a:rPr lang="ko-KR" altLang="ko-KR" sz="2800" dirty="0">
-                <a:highlight>
-                  <a:srgbClr val="C0C0C0"/>
-                </a:highlight>
-              </a:rPr>
-              <a:t> </a:t>
-            </a:r>
-            <a:endParaRPr lang="en-US" altLang="ko-KR" dirty="0">
-              <a:highlight>
-                <a:srgbClr val="C0C0C0"/>
-              </a:highlight>
-            </a:endParaRPr>
-          </a:p>
-          <a:p>
-            <a:pPr marL="457200" lvl="1" indent="0">
-              <a:buNone/>
-            </a:pPr>
-            <a:endParaRPr lang="ko-KR" altLang="ko-KR" dirty="0">
-              <a:highlight>
-                <a:srgbClr val="C0C0C0"/>
-              </a:highlight>
-            </a:endParaRPr>
-          </a:p>
-          <a:p>
-            <a:pPr marL="457200" lvl="1" indent="0">
-              <a:buNone/>
-            </a:pPr>
-            <a:r>
-              <a:rPr lang="ko-KR" altLang="ko-KR" dirty="0" err="1"/>
-              <a:t>that</a:t>
-            </a:r>
-            <a:r>
-              <a:rPr lang="ko-KR" altLang="ko-KR" dirty="0"/>
-              <a:t> </a:t>
-            </a:r>
-            <a:r>
-              <a:rPr lang="ko-KR" altLang="ko-KR" sz="2800" dirty="0" err="1">
-                <a:highlight>
-                  <a:srgbClr val="C0C0C0"/>
-                </a:highlight>
-              </a:rPr>
-              <a:t>semi-autonomously</a:t>
-            </a:r>
-            <a:r>
-              <a:rPr lang="ko-KR" altLang="ko-KR" dirty="0"/>
-              <a:t> </a:t>
-            </a:r>
-            <a:r>
-              <a:rPr lang="ko-KR" altLang="ko-KR" dirty="0" err="1"/>
-              <a:t>creates</a:t>
-            </a:r>
-            <a:r>
-              <a:rPr lang="ko-KR" altLang="ko-KR" dirty="0"/>
-              <a:t> </a:t>
-            </a:r>
-            <a:r>
-              <a:rPr lang="ko-KR" altLang="ko-KR" dirty="0" err="1"/>
-              <a:t>phrases</a:t>
-            </a:r>
-            <a:r>
-              <a:rPr lang="ko-KR" altLang="ko-KR" dirty="0"/>
-              <a:t> and </a:t>
-            </a:r>
-            <a:r>
-              <a:rPr lang="ko-KR" altLang="ko-KR" dirty="0" err="1"/>
-              <a:t>articles</a:t>
-            </a:r>
-            <a:r>
-              <a:rPr lang="ko-KR" altLang="ko-KR" dirty="0"/>
-              <a:t> </a:t>
-            </a:r>
-            <a:endParaRPr lang="en-US" altLang="ko-KR" dirty="0"/>
-          </a:p>
-          <a:p>
-            <a:pPr marL="457200" lvl="1" indent="0">
-              <a:buNone/>
-            </a:pPr>
-            <a:endParaRPr lang="en-US" altLang="ko-KR" dirty="0"/>
-          </a:p>
-          <a:p>
-            <a:pPr marL="457200" lvl="1" indent="0">
-              <a:buNone/>
-            </a:pPr>
-            <a:r>
-              <a:rPr lang="ko-KR" altLang="ko-KR" sz="2800" dirty="0" err="1">
-                <a:highlight>
-                  <a:srgbClr val="C0C0C0"/>
-                </a:highlight>
-              </a:rPr>
-              <a:t>based</a:t>
-            </a:r>
-            <a:r>
-              <a:rPr lang="ko-KR" altLang="ko-KR" sz="2800" dirty="0">
-                <a:highlight>
-                  <a:srgbClr val="C0C0C0"/>
-                </a:highlight>
-              </a:rPr>
-              <a:t> </a:t>
-            </a:r>
-            <a:r>
-              <a:rPr lang="ko-KR" altLang="ko-KR" sz="2800" dirty="0" err="1">
-                <a:highlight>
-                  <a:srgbClr val="C0C0C0"/>
-                </a:highlight>
-              </a:rPr>
-              <a:t>on</a:t>
-            </a:r>
-            <a:r>
-              <a:rPr lang="ko-KR" altLang="ko-KR" sz="2800" dirty="0">
-                <a:highlight>
-                  <a:srgbClr val="C0C0C0"/>
-                </a:highlight>
-              </a:rPr>
-              <a:t> </a:t>
-            </a:r>
-            <a:r>
-              <a:rPr lang="ko-KR" altLang="ko-KR" sz="2800" dirty="0" err="1">
-                <a:highlight>
-                  <a:srgbClr val="C0C0C0"/>
-                </a:highlight>
-              </a:rPr>
-              <a:t>user</a:t>
-            </a:r>
-            <a:r>
-              <a:rPr lang="ko-KR" altLang="ko-KR" sz="2800" dirty="0">
-                <a:highlight>
-                  <a:srgbClr val="C0C0C0"/>
-                </a:highlight>
-              </a:rPr>
-              <a:t> </a:t>
-            </a:r>
-            <a:r>
-              <a:rPr lang="ko-KR" altLang="ko-KR" sz="2800" dirty="0" err="1">
-                <a:highlight>
-                  <a:srgbClr val="C0C0C0"/>
-                </a:highlight>
-              </a:rPr>
-              <a:t>input</a:t>
-            </a:r>
-            <a:r>
-              <a:rPr lang="ko-KR" altLang="ko-KR" sz="2800" dirty="0">
-                <a:highlight>
-                  <a:srgbClr val="C0C0C0"/>
-                </a:highlight>
-              </a:rPr>
-              <a:t>.</a:t>
-            </a:r>
-            <a:r>
-              <a:rPr lang="en-US" altLang="ko-KR" sz="2800" dirty="0">
-                <a:highlight>
-                  <a:srgbClr val="C0C0C0"/>
-                </a:highlight>
-              </a:rPr>
-              <a:t> </a:t>
-            </a:r>
-          </a:p>
-          <a:p>
-            <a:endParaRPr lang="ko-KR" altLang="en-US" dirty="0"/>
-          </a:p>
-        </p:txBody>
-      </p:sp>
+        </p:nvPicPr>
+        <p:blipFill>
+          <a:blip r:embed="rId2">
+            <a:extLst>
+              <a:ext uri="{28A0092B-C50C-407E-A947-70E740481C1C}">
+                <a14:useLocalDpi xmlns:a14="http://schemas.microsoft.com/office/drawing/2010/main" val="0"/>
+              </a:ext>
+            </a:extLst>
+          </a:blip>
+          <a:srcRect/>
+          <a:stretch>
+            <a:fillRect/>
+          </a:stretch>
+        </p:blipFill>
+        <p:spPr bwMode="auto">
+          <a:xfrm>
+            <a:off x="0" y="306784"/>
+            <a:ext cx="12111832" cy="6055916"/>
+          </a:xfrm>
+          <a:prstGeom prst="rect">
+            <a:avLst/>
+          </a:prstGeom>
+          <a:noFill/>
+          <a:extLst>
+            <a:ext uri="{909E8E84-426E-40DD-AFC4-6F175D3DCCD1}">
+              <a14:hiddenFill xmlns:a14="http://schemas.microsoft.com/office/drawing/2010/main">
+                <a:solidFill>
+                  <a:srgbClr val="FFFFFF"/>
+                </a:solidFill>
+              </a14:hiddenFill>
+            </a:ext>
+          </a:extLst>
+        </p:spPr>
+      </p:pic>
     </p:spTree>
     <p:extLst>
       <p:ext uri="{BB962C8B-B14F-4D97-AF65-F5344CB8AC3E}">
-        <p14:creationId xmlns:p14="http://schemas.microsoft.com/office/powerpoint/2010/main" val="3958483156"/>
+        <p14:creationId xmlns:p14="http://schemas.microsoft.com/office/powerpoint/2010/main" val="4252363898"/>
       </p:ext>
     </p:extLst>
   </p:cSld>
@@ -5917,7 +5686,7 @@
           <p:cNvPr id="2" name="제목 1">
             <a:extLst>
               <a:ext uri="{FF2B5EF4-FFF2-40B4-BE49-F238E27FC236}">
-                <a16:creationId xmlns:a16="http://schemas.microsoft.com/office/drawing/2014/main" id="{C4FDD06B-ED4C-4874-9CEC-6266E17A59B3}"/>
+                <a16:creationId xmlns:a16="http://schemas.microsoft.com/office/drawing/2014/main" id="{BB4525D2-F44A-4AC0-B26F-C1CF3B774CBF}"/>
               </a:ext>
             </a:extLst>
           </p:cNvPr>
@@ -5930,295 +5699,349 @@
         </p:nvSpPr>
         <p:spPr/>
         <p:txBody>
+          <a:bodyPr/>
+          <a:lstStyle/>
+          <a:p>
+            <a:r>
+              <a:rPr lang="en-US" altLang="ko-KR" dirty="0"/>
+              <a:t>chat GPT</a:t>
+            </a:r>
+            <a:endParaRPr lang="ko-KR" altLang="en-US" dirty="0"/>
+          </a:p>
+        </p:txBody>
+      </p:sp>
+      <p:sp>
+        <p:nvSpPr>
+          <p:cNvPr id="3" name="내용 개체 틀 2">
+            <a:extLst>
+              <a:ext uri="{FF2B5EF4-FFF2-40B4-BE49-F238E27FC236}">
+                <a16:creationId xmlns:a16="http://schemas.microsoft.com/office/drawing/2014/main" id="{E4BE8763-09BB-462A-8B96-E8A3DE4DF49F}"/>
+              </a:ext>
+            </a:extLst>
+          </p:cNvPr>
+          <p:cNvSpPr>
+            <a:spLocks noGrp="1"/>
+          </p:cNvSpPr>
+          <p:nvPr>
+            <p:ph idx="1"/>
+          </p:nvPr>
+        </p:nvSpPr>
+        <p:spPr/>
+        <p:txBody>
           <a:bodyPr>
-            <a:noAutofit/>
+            <a:normAutofit/>
           </a:bodyPr>
           <a:lstStyle/>
           <a:p>
-            <a:pPr algn="ctr"/>
-            <a:r>
-              <a:rPr lang="en-US" altLang="ko-KR" sz="2800" dirty="0"/>
-              <a:t>The ML explosion in materials science. </a:t>
-            </a:r>
-            <a:br>
-              <a:rPr lang="en-US" altLang="ko-KR" sz="2800" dirty="0"/>
-            </a:br>
-            <a:r>
-              <a:rPr lang="en-US" altLang="ko-KR" sz="2800" dirty="0"/>
-              <a:t>The number of papers containing the terms machine learning</a:t>
-            </a:r>
-            <a:endParaRPr lang="ko-KR" altLang="en-US" sz="2800" dirty="0"/>
-          </a:p>
-        </p:txBody>
-      </p:sp>
-      <p:sp>
-        <p:nvSpPr>
-          <p:cNvPr id="6" name="AutoShape 6" descr="Figure 4. ">
-            <a:extLst>
-              <a:ext uri="{FF2B5EF4-FFF2-40B4-BE49-F238E27FC236}">
-                <a16:creationId xmlns:a16="http://schemas.microsoft.com/office/drawing/2014/main" id="{C6A2BF5C-1B6D-4045-8A20-3D5E7F8E840D}"/>
-              </a:ext>
-            </a:extLst>
-          </p:cNvPr>
-          <p:cNvSpPr>
-            <a:spLocks noChangeAspect="1" noChangeArrowheads="1"/>
-          </p:cNvSpPr>
-          <p:nvPr/>
-        </p:nvSpPr>
-        <p:spPr bwMode="auto">
-          <a:xfrm>
-            <a:off x="5943600" y="3276600"/>
-            <a:ext cx="304800" cy="304800"/>
-          </a:xfrm>
-          <a:prstGeom prst="rect">
-            <a:avLst/>
-          </a:prstGeom>
-          <a:noFill/>
-          <a:extLst>
-            <a:ext uri="{909E8E84-426E-40DD-AFC4-6F175D3DCCD1}">
-              <a14:hiddenFill xmlns:a14="http://schemas.microsoft.com/office/drawing/2010/main">
-                <a:solidFill>
-                  <a:srgbClr val="FFFFFF"/>
-                </a:solidFill>
-              </a14:hiddenFill>
-            </a:ext>
-          </a:extLst>
-        </p:spPr>
-        <p:txBody>
-          <a:bodyPr vert="horz" wrap="square" lIns="91440" tIns="45720" rIns="91440" bIns="45720" numCol="1" anchor="t" anchorCtr="0" compatLnSpc="1">
-            <a:prstTxWarp prst="textNoShape">
-              <a:avLst/>
-            </a:prstTxWarp>
-          </a:bodyPr>
-          <a:lstStyle/>
-          <a:p>
-            <a:endParaRPr lang="ko-KR" altLang="en-US"/>
-          </a:p>
-        </p:txBody>
-      </p:sp>
-      <p:pic>
-        <p:nvPicPr>
-          <p:cNvPr id="10" name="내용 개체 틀 9">
-            <a:extLst>
-              <a:ext uri="{FF2B5EF4-FFF2-40B4-BE49-F238E27FC236}">
-                <a16:creationId xmlns:a16="http://schemas.microsoft.com/office/drawing/2014/main" id="{87A21B1E-763A-4547-98AF-4B652EC8A60A}"/>
-              </a:ext>
-            </a:extLst>
-          </p:cNvPr>
-          <p:cNvPicPr>
-            <a:picLocks noGrp="1" noChangeAspect="1"/>
-          </p:cNvPicPr>
-          <p:nvPr>
-            <p:ph idx="1"/>
-          </p:nvPr>
-        </p:nvPicPr>
-        <p:blipFill>
-          <a:blip r:embed="rId2"/>
-          <a:stretch>
-            <a:fillRect/>
-          </a:stretch>
-        </p:blipFill>
-        <p:spPr>
-          <a:xfrm>
-            <a:off x="2413015" y="1611475"/>
-            <a:ext cx="7502771" cy="4688454"/>
-          </a:xfrm>
-          <a:prstGeom prst="rect">
-            <a:avLst/>
-          </a:prstGeom>
-        </p:spPr>
-      </p:pic>
-      <p:sp>
-        <p:nvSpPr>
-          <p:cNvPr id="11" name="직사각형 10">
-            <a:extLst>
-              <a:ext uri="{FF2B5EF4-FFF2-40B4-BE49-F238E27FC236}">
-                <a16:creationId xmlns:a16="http://schemas.microsoft.com/office/drawing/2014/main" id="{9879F7F6-A68E-481F-B034-EFF5A36B1827}"/>
-              </a:ext>
-            </a:extLst>
-          </p:cNvPr>
-          <p:cNvSpPr/>
-          <p:nvPr/>
-        </p:nvSpPr>
-        <p:spPr>
-          <a:xfrm>
-            <a:off x="113141" y="6620903"/>
-            <a:ext cx="12102518" cy="184666"/>
-          </a:xfrm>
-          <a:prstGeom prst="rect">
-            <a:avLst/>
-          </a:prstGeom>
-        </p:spPr>
-        <p:txBody>
-          <a:bodyPr wrap="square">
-            <a:spAutoFit/>
-          </a:bodyPr>
-          <a:lstStyle/>
-          <a:p>
-            <a:r>
-              <a:rPr lang="en-US" altLang="ko-KR" sz="600" b="1" dirty="0">
-                <a:solidFill>
-                  <a:srgbClr val="333132"/>
-                </a:solidFill>
-                <a:latin typeface="Proxima Nova Subset"/>
+            <a:r>
+              <a:rPr lang="ko-KR" altLang="ko-KR" b="1" i="1" dirty="0" err="1"/>
+              <a:t>Generative</a:t>
+            </a:r>
+            <a:r>
+              <a:rPr lang="ko-KR" altLang="ko-KR" b="1" i="1" dirty="0"/>
+              <a:t> </a:t>
+            </a:r>
+            <a:r>
+              <a:rPr lang="ko-KR" altLang="ko-KR" b="1" i="1" dirty="0" err="1"/>
+              <a:t>Pre-trained</a:t>
+            </a:r>
+            <a:r>
+              <a:rPr lang="ko-KR" altLang="ko-KR" b="1" i="1" dirty="0"/>
+              <a:t> </a:t>
+            </a:r>
+            <a:r>
+              <a:rPr lang="ko-KR" altLang="ko-KR" b="1" i="1" dirty="0" err="1"/>
+              <a:t>Transformer</a:t>
+            </a:r>
+            <a:endParaRPr lang="en-US" altLang="ko-KR" b="1" i="1" dirty="0"/>
+          </a:p>
+          <a:p>
+            <a:endParaRPr lang="en-US" altLang="ko-KR" b="1" i="1" dirty="0"/>
+          </a:p>
+          <a:p>
+            <a:r>
+              <a:rPr lang="ko-KR" altLang="ko-KR" sz="2400" dirty="0" err="1"/>
+              <a:t>In</a:t>
+            </a:r>
+            <a:r>
+              <a:rPr lang="ko-KR" altLang="ko-KR" sz="2400" dirty="0"/>
+              <a:t> </a:t>
+            </a:r>
+            <a:r>
+              <a:rPr lang="ko-KR" altLang="ko-KR" sz="2400" dirty="0" err="1"/>
+              <a:t>a</a:t>
+            </a:r>
+            <a:r>
+              <a:rPr lang="ko-KR" altLang="ko-KR" sz="2400" dirty="0"/>
+              <a:t> </a:t>
+            </a:r>
+            <a:r>
+              <a:rPr lang="ko-KR" altLang="ko-KR" sz="2400" dirty="0" err="1"/>
+              <a:t>nutshell</a:t>
+            </a:r>
+            <a:r>
+              <a:rPr lang="ko-KR" altLang="ko-KR" sz="2400" dirty="0"/>
+              <a:t>, </a:t>
+            </a:r>
+            <a:r>
+              <a:rPr lang="ko-KR" altLang="ko-KR" sz="2400" dirty="0" err="1"/>
+              <a:t>Chat</a:t>
+            </a:r>
+            <a:r>
+              <a:rPr lang="ko-KR" altLang="ko-KR" sz="2400" dirty="0"/>
+              <a:t> GPT </a:t>
+            </a:r>
+            <a:r>
+              <a:rPr lang="ko-KR" altLang="ko-KR" sz="2400" dirty="0" err="1"/>
+              <a:t>is</a:t>
+            </a:r>
+            <a:r>
+              <a:rPr lang="ko-KR" altLang="ko-KR" sz="2400" dirty="0"/>
+              <a:t> </a:t>
+            </a:r>
+            <a:r>
+              <a:rPr lang="ko-KR" altLang="ko-KR" sz="2400" dirty="0" err="1"/>
+              <a:t>an</a:t>
+            </a:r>
+            <a:r>
+              <a:rPr lang="ko-KR" altLang="ko-KR" sz="2400" dirty="0"/>
+              <a:t> </a:t>
+            </a:r>
+            <a:endParaRPr lang="en-US" altLang="ko-KR" sz="2400" dirty="0"/>
+          </a:p>
+          <a:p>
+            <a:endParaRPr lang="ko-KR" altLang="ko-KR" sz="2400" dirty="0"/>
+          </a:p>
+          <a:p>
+            <a:pPr marL="457200" lvl="1" indent="0">
+              <a:buNone/>
+            </a:pPr>
+            <a:r>
+              <a:rPr lang="ko-KR" altLang="ko-KR" sz="2800" dirty="0" err="1">
+                <a:highlight>
+                  <a:srgbClr val="C0C0C0"/>
+                </a:highlight>
               </a:rPr>
-              <a:t>Machine learning and big scientific data </a:t>
-            </a:r>
-            <a:r>
-              <a:rPr lang="en-US" altLang="ko-KR" sz="600" dirty="0">
-                <a:solidFill>
-                  <a:srgbClr val="000000"/>
-                </a:solidFill>
-                <a:latin typeface="Proxima Nova Subset"/>
-                <a:hlinkClick r:id="rId3" tooltip="Tony Hey"/>
-              </a:rPr>
-              <a:t>Tony Hey</a:t>
-            </a:r>
-            <a:r>
-              <a:rPr lang="en-US" altLang="ko-KR" sz="600" dirty="0">
-                <a:solidFill>
-                  <a:srgbClr val="000000"/>
-                </a:solidFill>
-                <a:latin typeface="Proxima Nova Subset"/>
+              <a:t>artificial</a:t>
+            </a:r>
+            <a:r>
+              <a:rPr lang="ko-KR" altLang="ko-KR" sz="2800" dirty="0">
+                <a:highlight>
+                  <a:srgbClr val="C0C0C0"/>
+                </a:highlight>
               </a:rPr>
               <a:t> </a:t>
             </a:r>
             <a:r>
-              <a:rPr lang="en-US" altLang="ko-KR" sz="600" dirty="0">
-                <a:solidFill>
-                  <a:srgbClr val="333132"/>
-                </a:solidFill>
-                <a:latin typeface="Proxima Nova Subset"/>
+              <a:rPr lang="ko-KR" altLang="ko-KR" sz="2800" dirty="0" err="1">
+                <a:highlight>
+                  <a:srgbClr val="C0C0C0"/>
+                </a:highlight>
               </a:rPr>
-              <a:t>, </a:t>
-            </a:r>
-            <a:r>
-              <a:rPr lang="en-US" altLang="ko-KR" sz="600" dirty="0">
-                <a:solidFill>
-                  <a:srgbClr val="000000"/>
-                </a:solidFill>
-                <a:latin typeface="Proxima Nova Subset"/>
-                <a:hlinkClick r:id="rId3" tooltip="Keith Butler"/>
-              </a:rPr>
-              <a:t>Keith Butler</a:t>
-            </a:r>
-            <a:r>
-              <a:rPr lang="en-US" altLang="ko-KR" sz="600" dirty="0">
-                <a:solidFill>
-                  <a:srgbClr val="000000"/>
-                </a:solidFill>
-                <a:latin typeface="Proxima Nova Subset"/>
+              <a:t>intelligence</a:t>
+            </a:r>
+            <a:r>
+              <a:rPr lang="ko-KR" altLang="ko-KR" sz="2800" dirty="0">
+                <a:highlight>
+                  <a:srgbClr val="C0C0C0"/>
+                </a:highlight>
               </a:rPr>
               <a:t> </a:t>
             </a:r>
             <a:r>
-              <a:rPr lang="en-US" altLang="ko-KR" sz="600" dirty="0">
-                <a:solidFill>
-                  <a:srgbClr val="333132"/>
-                </a:solidFill>
-                <a:latin typeface="Proxima Nova Subset"/>
+              <a:rPr lang="ko-KR" altLang="ko-KR" dirty="0"/>
+              <a:t>(AI) </a:t>
+            </a:r>
+            <a:r>
+              <a:rPr lang="ko-KR" altLang="ko-KR" sz="2800" dirty="0" err="1">
+                <a:highlight>
+                  <a:srgbClr val="C0C0C0"/>
+                </a:highlight>
               </a:rPr>
-              <a:t>, </a:t>
-            </a:r>
-            <a:r>
-              <a:rPr lang="en-US" altLang="ko-KR" sz="600" dirty="0">
-                <a:solidFill>
-                  <a:srgbClr val="000000"/>
-                </a:solidFill>
-                <a:latin typeface="Proxima Nova Subset"/>
-                <a:hlinkClick r:id="rId3" tooltip="Sam Jackson"/>
-              </a:rPr>
-              <a:t>Sam Jackson</a:t>
-            </a:r>
-            <a:r>
-              <a:rPr lang="en-US" altLang="ko-KR" sz="600" dirty="0">
-                <a:solidFill>
-                  <a:srgbClr val="000000"/>
-                </a:solidFill>
-                <a:latin typeface="Proxima Nova Subset"/>
+              <a:t>content</a:t>
+            </a:r>
+            <a:r>
+              <a:rPr lang="ko-KR" altLang="ko-KR" sz="2800" dirty="0">
+                <a:highlight>
+                  <a:srgbClr val="C0C0C0"/>
+                </a:highlight>
               </a:rPr>
               <a:t> </a:t>
             </a:r>
             <a:r>
-              <a:rPr lang="en-US" altLang="ko-KR" sz="600" dirty="0">
-                <a:solidFill>
-                  <a:srgbClr val="333132"/>
-                </a:solidFill>
-                <a:latin typeface="Proxima Nova Subset"/>
+              <a:rPr lang="ko-KR" altLang="ko-KR" sz="2800" dirty="0" err="1">
+                <a:highlight>
+                  <a:srgbClr val="C0C0C0"/>
+                </a:highlight>
               </a:rPr>
-              <a:t>and </a:t>
-            </a:r>
-            <a:r>
-              <a:rPr lang="en-US" altLang="ko-KR" sz="600" dirty="0" err="1">
-                <a:solidFill>
-                  <a:srgbClr val="000000"/>
-                </a:solidFill>
-                <a:latin typeface="Proxima Nova Subset"/>
-                <a:hlinkClick r:id="rId3" tooltip="Jeyarajan Thiyagalingam"/>
-              </a:rPr>
-              <a:t>Jeyarajan</a:t>
-            </a:r>
-            <a:r>
-              <a:rPr lang="en-US" altLang="ko-KR" sz="600" dirty="0">
-                <a:solidFill>
-                  <a:srgbClr val="000000"/>
-                </a:solidFill>
-                <a:latin typeface="Proxima Nova Subset"/>
-                <a:hlinkClick r:id="rId3" tooltip="Jeyarajan Thiyagalingam"/>
+              <a:t>generator</a:t>
+            </a:r>
+            <a:r>
+              <a:rPr lang="ko-KR" altLang="ko-KR" sz="2800" dirty="0">
+                <a:highlight>
+                  <a:srgbClr val="C0C0C0"/>
+                </a:highlight>
               </a:rPr>
               <a:t> </a:t>
             </a:r>
-            <a:r>
-              <a:rPr lang="en-US" altLang="ko-KR" sz="600" dirty="0" err="1">
-                <a:solidFill>
-                  <a:srgbClr val="000000"/>
-                </a:solidFill>
-                <a:latin typeface="Proxima Nova Subset"/>
-                <a:hlinkClick r:id="rId3" tooltip="Jeyarajan Thiyagalingam"/>
+            <a:endParaRPr lang="en-US" altLang="ko-KR" dirty="0">
+              <a:highlight>
+                <a:srgbClr val="C0C0C0"/>
+              </a:highlight>
+            </a:endParaRPr>
+          </a:p>
+          <a:p>
+            <a:pPr marL="457200" lvl="1" indent="0">
+              <a:buNone/>
+            </a:pPr>
+            <a:endParaRPr lang="ko-KR" altLang="ko-KR" dirty="0">
+              <a:highlight>
+                <a:srgbClr val="C0C0C0"/>
+              </a:highlight>
+            </a:endParaRPr>
+          </a:p>
+          <a:p>
+            <a:pPr marL="457200" lvl="1" indent="0">
+              <a:buNone/>
+            </a:pPr>
+            <a:r>
+              <a:rPr lang="ko-KR" altLang="ko-KR" dirty="0" err="1"/>
+              <a:t>that</a:t>
+            </a:r>
+            <a:r>
+              <a:rPr lang="ko-KR" altLang="ko-KR" dirty="0"/>
+              <a:t> </a:t>
+            </a:r>
+            <a:r>
+              <a:rPr lang="ko-KR" altLang="ko-KR" sz="2800" dirty="0" err="1">
+                <a:highlight>
+                  <a:srgbClr val="C0C0C0"/>
+                </a:highlight>
               </a:rPr>
-              <a:t>Thiyagalingam</a:t>
-            </a:r>
-            <a:r>
-              <a:rPr lang="en-US" altLang="ko-KR" sz="600" dirty="0">
-                <a:solidFill>
-                  <a:srgbClr val="000000"/>
-                </a:solidFill>
-                <a:latin typeface="Proxima Nova Subset"/>
+              <a:t>semi-autonomously</a:t>
+            </a:r>
+            <a:r>
+              <a:rPr lang="ko-KR" altLang="ko-KR" dirty="0"/>
+              <a:t> </a:t>
+            </a:r>
+            <a:r>
+              <a:rPr lang="ko-KR" altLang="ko-KR" dirty="0" err="1"/>
+              <a:t>creates</a:t>
+            </a:r>
+            <a:r>
+              <a:rPr lang="ko-KR" altLang="ko-KR" dirty="0"/>
+              <a:t> </a:t>
+            </a:r>
+            <a:r>
+              <a:rPr lang="ko-KR" altLang="ko-KR" dirty="0" err="1"/>
+              <a:t>phrases</a:t>
+            </a:r>
+            <a:r>
+              <a:rPr lang="ko-KR" altLang="ko-KR" dirty="0"/>
+              <a:t> and </a:t>
+            </a:r>
+            <a:r>
+              <a:rPr lang="ko-KR" altLang="ko-KR" dirty="0" err="1"/>
+              <a:t>articles</a:t>
+            </a:r>
+            <a:r>
+              <a:rPr lang="ko-KR" altLang="ko-KR" dirty="0"/>
+              <a:t> </a:t>
+            </a:r>
+            <a:endParaRPr lang="en-US" altLang="ko-KR" dirty="0"/>
+          </a:p>
+          <a:p>
+            <a:pPr marL="457200" lvl="1" indent="0">
+              <a:buNone/>
+            </a:pPr>
+            <a:endParaRPr lang="en-US" altLang="ko-KR" dirty="0"/>
+          </a:p>
+          <a:p>
+            <a:pPr marL="457200" lvl="1" indent="0">
+              <a:buNone/>
+            </a:pPr>
+            <a:r>
+              <a:rPr lang="ko-KR" altLang="ko-KR" sz="2800" dirty="0" err="1">
+                <a:highlight>
+                  <a:srgbClr val="C0C0C0"/>
+                </a:highlight>
+              </a:rPr>
+              <a:t>based</a:t>
+            </a:r>
+            <a:r>
+              <a:rPr lang="ko-KR" altLang="ko-KR" sz="2800" dirty="0">
+                <a:highlight>
+                  <a:srgbClr val="C0C0C0"/>
+                </a:highlight>
               </a:rPr>
               <a:t> </a:t>
             </a:r>
             <a:r>
-              <a:rPr lang="en-US" altLang="ko-KR" sz="600" dirty="0">
-                <a:solidFill>
-                  <a:srgbClr val="333132"/>
-                </a:solidFill>
-                <a:latin typeface="Proxima Nova Subset"/>
+              <a:rPr lang="ko-KR" altLang="ko-KR" sz="2800" dirty="0" err="1">
+                <a:highlight>
+                  <a:srgbClr val="C0C0C0"/>
+                </a:highlight>
               </a:rPr>
-              <a:t>Published:</a:t>
-            </a:r>
-            <a:r>
-              <a:rPr lang="en-US" altLang="ko-KR" sz="600" b="1" dirty="0">
-                <a:solidFill>
-                  <a:srgbClr val="333132"/>
-                </a:solidFill>
-                <a:latin typeface="Proxima Nova Subset"/>
+              <a:t>on</a:t>
+            </a:r>
+            <a:r>
+              <a:rPr lang="ko-KR" altLang="ko-KR" sz="2800" dirty="0">
+                <a:highlight>
+                  <a:srgbClr val="C0C0C0"/>
+                </a:highlight>
               </a:rPr>
-              <a:t>20 January 2020</a:t>
-            </a:r>
-            <a:endParaRPr lang="en-US" altLang="ko-KR" sz="600" b="0" i="0" dirty="0">
-              <a:solidFill>
-                <a:srgbClr val="333132"/>
-              </a:solidFill>
-              <a:effectLst/>
-              <a:latin typeface="Proxima Nova Subset"/>
-            </a:endParaRPr>
+              <a:t> </a:t>
+            </a:r>
+            <a:r>
+              <a:rPr lang="ko-KR" altLang="ko-KR" sz="2800" dirty="0" err="1">
+                <a:highlight>
+                  <a:srgbClr val="C0C0C0"/>
+                </a:highlight>
+              </a:rPr>
+              <a:t>user</a:t>
+            </a:r>
+            <a:r>
+              <a:rPr lang="ko-KR" altLang="ko-KR" sz="2800" dirty="0">
+                <a:highlight>
+                  <a:srgbClr val="C0C0C0"/>
+                </a:highlight>
+              </a:rPr>
+              <a:t> </a:t>
+            </a:r>
+            <a:r>
+              <a:rPr lang="ko-KR" altLang="ko-KR" sz="2800" dirty="0" err="1">
+                <a:highlight>
+                  <a:srgbClr val="C0C0C0"/>
+                </a:highlight>
+              </a:rPr>
+              <a:t>input</a:t>
+            </a:r>
+            <a:r>
+              <a:rPr lang="ko-KR" altLang="ko-KR" sz="2800" dirty="0">
+                <a:highlight>
+                  <a:srgbClr val="C0C0C0"/>
+                </a:highlight>
+              </a:rPr>
+              <a:t>.</a:t>
+            </a:r>
+            <a:r>
+              <a:rPr lang="en-US" altLang="ko-KR" sz="2800" dirty="0">
+                <a:highlight>
+                  <a:srgbClr val="C0C0C0"/>
+                </a:highlight>
+              </a:rPr>
+              <a:t> </a:t>
+            </a:r>
+          </a:p>
+          <a:p>
+            <a:endParaRPr lang="ko-KR" altLang="en-US" dirty="0"/>
           </a:p>
         </p:txBody>
       </p:sp>
     </p:spTree>
     <p:extLst>
       <p:ext uri="{BB962C8B-B14F-4D97-AF65-F5344CB8AC3E}">
-        <p14:creationId xmlns:p14="http://schemas.microsoft.com/office/powerpoint/2010/main" val="1118936987"/>
+        <p14:creationId xmlns:p14="http://schemas.microsoft.com/office/powerpoint/2010/main" val="3958483156"/>
       </p:ext>
     </p:extLst>
   </p:cSld>
@@ -6250,7 +6073,7 @@
           <p:cNvPr id="2" name="제목 1">
             <a:extLst>
               <a:ext uri="{FF2B5EF4-FFF2-40B4-BE49-F238E27FC236}">
-                <a16:creationId xmlns:a16="http://schemas.microsoft.com/office/drawing/2014/main" id="{A9A7CCC1-3A7F-4618-84CE-B095DA748B69}"/>
+                <a16:creationId xmlns:a16="http://schemas.microsoft.com/office/drawing/2014/main" id="{C4FDD06B-ED4C-4874-9CEC-6266E17A59B3}"/>
               </a:ext>
             </a:extLst>
           </p:cNvPr>
@@ -6264,59 +6087,44 @@
         <p:spPr/>
         <p:txBody>
           <a:bodyPr>
-            <a:normAutofit/>
+            <a:noAutofit/>
           </a:bodyPr>
           <a:lstStyle/>
           <a:p>
             <a:pPr algn="ctr"/>
             <a:r>
-              <a:rPr lang="en-US" altLang="ko-KR" sz="2400" dirty="0"/>
-              <a:t>Number of publications in dependence </a:t>
+              <a:rPr lang="en-US" altLang="ko-KR" sz="2800" dirty="0"/>
+              <a:t>The ML explosion in materials science. </a:t>
             </a:r>
             <a:br>
-              <a:rPr lang="en-US" altLang="ko-KR" sz="2400" dirty="0"/>
+              <a:rPr lang="en-US" altLang="ko-KR" sz="2800" dirty="0"/>
             </a:br>
             <a:r>
-              <a:rPr lang="en-US" altLang="ko-KR" sz="2400" dirty="0"/>
-              <a:t>on the publication year for DL, deep learning;</a:t>
-            </a:r>
-            <a:endParaRPr lang="ko-KR" altLang="en-US" sz="2400" dirty="0"/>
-          </a:p>
-        </p:txBody>
-      </p:sp>
-      <p:pic>
-        <p:nvPicPr>
-          <p:cNvPr id="10242" name="Picture 2">
-            <a:extLst>
-              <a:ext uri="{FF2B5EF4-FFF2-40B4-BE49-F238E27FC236}">
-                <a16:creationId xmlns:a16="http://schemas.microsoft.com/office/drawing/2014/main" id="{E95F5A67-0967-4E5E-953C-F657D643C7A5}"/>
-              </a:ext>
-            </a:extLst>
-          </p:cNvPr>
-          <p:cNvPicPr>
-            <a:picLocks noGrp="1" noChangeAspect="1" noChangeArrowheads="1"/>
-          </p:cNvPicPr>
-          <p:nvPr>
-            <p:ph idx="1"/>
-          </p:nvPr>
-        </p:nvPicPr>
-        <p:blipFill>
-          <a:blip r:embed="rId2">
-            <a:extLst>
-              <a:ext uri="{28A0092B-C50C-407E-A947-70E740481C1C}">
-                <a14:useLocalDpi xmlns:a14="http://schemas.microsoft.com/office/drawing/2010/main" val="0"/>
-              </a:ext>
-            </a:extLst>
-          </a:blip>
-          <a:srcRect/>
-          <a:stretch>
-            <a:fillRect/>
-          </a:stretch>
-        </p:blipFill>
+              <a:rPr lang="en-US" altLang="ko-KR" sz="2800" dirty="0"/>
+              <a:t>The number of papers containing the terms machine learning</a:t>
+            </a:r>
+            <a:endParaRPr lang="ko-KR" altLang="en-US" sz="2800" dirty="0"/>
+          </a:p>
+        </p:txBody>
+      </p:sp>
+      <p:sp>
+        <p:nvSpPr>
+          <p:cNvPr id="6" name="AutoShape 6" descr="Figure 4. ">
+            <a:extLst>
+              <a:ext uri="{FF2B5EF4-FFF2-40B4-BE49-F238E27FC236}">
+                <a16:creationId xmlns:a16="http://schemas.microsoft.com/office/drawing/2014/main" id="{C6A2BF5C-1B6D-4045-8A20-3D5E7F8E840D}"/>
+              </a:ext>
+            </a:extLst>
+          </p:cNvPr>
+          <p:cNvSpPr>
+            <a:spLocks noChangeAspect="1" noChangeArrowheads="1"/>
+          </p:cNvSpPr>
+          <p:nvPr/>
+        </p:nvSpPr>
         <p:spPr bwMode="auto">
           <a:xfrm>
-            <a:off x="2838450" y="1999798"/>
-            <a:ext cx="6515100" cy="3860800"/>
+            <a:off x="5943600" y="3276600"/>
+            <a:ext cx="304800" cy="304800"/>
           </a:xfrm>
           <a:prstGeom prst="rect">
             <a:avLst/>
@@ -6332,49 +6140,241 @@
             </a:ext>
           </a:extLst>
         </p:spPr>
-      </p:pic>
-      <p:sp>
-        <p:nvSpPr>
-          <p:cNvPr id="4" name="직사각형 3">
-            <a:extLst>
-              <a:ext uri="{FF2B5EF4-FFF2-40B4-BE49-F238E27FC236}">
-                <a16:creationId xmlns:a16="http://schemas.microsoft.com/office/drawing/2014/main" id="{789A4F46-E1D4-4BDC-8378-7CD634AD66DB}"/>
-              </a:ext>
-            </a:extLst>
-          </p:cNvPr>
-          <p:cNvSpPr/>
-          <p:nvPr/>
-        </p:nvSpPr>
+        <p:txBody>
+          <a:bodyPr vert="horz" wrap="square" lIns="91440" tIns="45720" rIns="91440" bIns="45720" numCol="1" anchor="t" anchorCtr="0" compatLnSpc="1">
+            <a:prstTxWarp prst="textNoShape">
+              <a:avLst/>
+            </a:prstTxWarp>
+          </a:bodyPr>
+          <a:lstStyle/>
+          <a:p>
+            <a:endParaRPr lang="ko-KR" altLang="en-US"/>
+          </a:p>
+        </p:txBody>
+      </p:sp>
+      <p:pic>
+        <p:nvPicPr>
+          <p:cNvPr id="10" name="내용 개체 틀 9">
+            <a:extLst>
+              <a:ext uri="{FF2B5EF4-FFF2-40B4-BE49-F238E27FC236}">
+                <a16:creationId xmlns:a16="http://schemas.microsoft.com/office/drawing/2014/main" id="{87A21B1E-763A-4547-98AF-4B652EC8A60A}"/>
+              </a:ext>
+            </a:extLst>
+          </p:cNvPr>
+          <p:cNvPicPr>
+            <a:picLocks noGrp="1" noChangeAspect="1"/>
+          </p:cNvPicPr>
+          <p:nvPr>
+            <p:ph idx="1"/>
+          </p:nvPr>
+        </p:nvPicPr>
+        <p:blipFill>
+          <a:blip r:embed="rId2"/>
+          <a:stretch>
+            <a:fillRect/>
+          </a:stretch>
+        </p:blipFill>
         <p:spPr>
           <a:xfrm>
-            <a:off x="89042" y="6169709"/>
-            <a:ext cx="12102957" cy="261610"/>
+            <a:off x="2413015" y="1611475"/>
+            <a:ext cx="7502771" cy="4688454"/>
           </a:xfrm>
           <a:prstGeom prst="rect">
             <a:avLst/>
           </a:prstGeom>
         </p:spPr>
+      </p:pic>
+      <p:sp>
+        <p:nvSpPr>
+          <p:cNvPr id="11" name="직사각형 10">
+            <a:extLst>
+              <a:ext uri="{FF2B5EF4-FFF2-40B4-BE49-F238E27FC236}">
+                <a16:creationId xmlns:a16="http://schemas.microsoft.com/office/drawing/2014/main" id="{9879F7F6-A68E-481F-B034-EFF5A36B1827}"/>
+              </a:ext>
+            </a:extLst>
+          </p:cNvPr>
+          <p:cNvSpPr/>
+          <p:nvPr/>
+        </p:nvSpPr>
+        <p:spPr>
+          <a:xfrm>
+            <a:off x="113141" y="6620903"/>
+            <a:ext cx="12102518" cy="184666"/>
+          </a:xfrm>
+          <a:prstGeom prst="rect">
+            <a:avLst/>
+          </a:prstGeom>
+        </p:spPr>
         <p:txBody>
           <a:bodyPr wrap="square">
             <a:spAutoFit/>
           </a:bodyPr>
           <a:lstStyle/>
           <a:p>
-            <a:pPr algn="ctr"/>
-            <a:r>
-              <a:rPr lang="en-US" altLang="ko-KR" sz="1100" dirty="0">
-                <a:hlinkClick r:id="rId3"/>
+            <a:r>
+              <a:rPr lang="en-US" altLang="ko-KR" sz="600" b="1" dirty="0">
+                <a:solidFill>
+                  <a:srgbClr val="333132"/>
+                </a:solidFill>
+                <a:latin typeface="Proxima Nova Subset"/>
               </a:rPr>
-              <a:t>Frontiers | An Introductory Review of Deep Learning for Prediction Models With Big Data (frontiersin.org)</a:t>
-            </a:r>
-            <a:endParaRPr lang="ko-KR" altLang="en-US" sz="1100" dirty="0"/>
+              <a:t>Machine learning and big scientific data </a:t>
+            </a:r>
+            <a:r>
+              <a:rPr lang="en-US" altLang="ko-KR" sz="600" dirty="0">
+                <a:solidFill>
+                  <a:srgbClr val="000000"/>
+                </a:solidFill>
+                <a:latin typeface="Proxima Nova Subset"/>
+                <a:hlinkClick r:id="rId3" tooltip="Tony Hey"/>
+              </a:rPr>
+              <a:t>Tony Hey</a:t>
+            </a:r>
+            <a:r>
+              <a:rPr lang="en-US" altLang="ko-KR" sz="600" dirty="0">
+                <a:solidFill>
+                  <a:srgbClr val="000000"/>
+                </a:solidFill>
+                <a:latin typeface="Proxima Nova Subset"/>
+              </a:rPr>
+              <a:t> </a:t>
+            </a:r>
+            <a:r>
+              <a:rPr lang="en-US" altLang="ko-KR" sz="600" dirty="0">
+                <a:solidFill>
+                  <a:srgbClr val="333132"/>
+                </a:solidFill>
+                <a:latin typeface="Proxima Nova Subset"/>
+              </a:rPr>
+              <a:t>, </a:t>
+            </a:r>
+            <a:r>
+              <a:rPr lang="en-US" altLang="ko-KR" sz="600" dirty="0">
+                <a:solidFill>
+                  <a:srgbClr val="000000"/>
+                </a:solidFill>
+                <a:latin typeface="Proxima Nova Subset"/>
+                <a:hlinkClick r:id="rId3" tooltip="Keith Butler"/>
+              </a:rPr>
+              <a:t>Keith Butler</a:t>
+            </a:r>
+            <a:r>
+              <a:rPr lang="en-US" altLang="ko-KR" sz="600" dirty="0">
+                <a:solidFill>
+                  <a:srgbClr val="000000"/>
+                </a:solidFill>
+                <a:latin typeface="Proxima Nova Subset"/>
+              </a:rPr>
+              <a:t> </a:t>
+            </a:r>
+            <a:r>
+              <a:rPr lang="en-US" altLang="ko-KR" sz="600" dirty="0">
+                <a:solidFill>
+                  <a:srgbClr val="333132"/>
+                </a:solidFill>
+                <a:latin typeface="Proxima Nova Subset"/>
+              </a:rPr>
+              <a:t>, </a:t>
+            </a:r>
+            <a:r>
+              <a:rPr lang="en-US" altLang="ko-KR" sz="600" dirty="0">
+                <a:solidFill>
+                  <a:srgbClr val="000000"/>
+                </a:solidFill>
+                <a:latin typeface="Proxima Nova Subset"/>
+                <a:hlinkClick r:id="rId3" tooltip="Sam Jackson"/>
+              </a:rPr>
+              <a:t>Sam Jackson</a:t>
+            </a:r>
+            <a:r>
+              <a:rPr lang="en-US" altLang="ko-KR" sz="600" dirty="0">
+                <a:solidFill>
+                  <a:srgbClr val="000000"/>
+                </a:solidFill>
+                <a:latin typeface="Proxima Nova Subset"/>
+              </a:rPr>
+              <a:t> </a:t>
+            </a:r>
+            <a:r>
+              <a:rPr lang="en-US" altLang="ko-KR" sz="600" dirty="0">
+                <a:solidFill>
+                  <a:srgbClr val="333132"/>
+                </a:solidFill>
+                <a:latin typeface="Proxima Nova Subset"/>
+              </a:rPr>
+              <a:t>and </a:t>
+            </a:r>
+            <a:r>
+              <a:rPr lang="en-US" altLang="ko-KR" sz="600" dirty="0" err="1">
+                <a:solidFill>
+                  <a:srgbClr val="000000"/>
+                </a:solidFill>
+                <a:latin typeface="Proxima Nova Subset"/>
+                <a:hlinkClick r:id="rId3" tooltip="Jeyarajan Thiyagalingam"/>
+              </a:rPr>
+              <a:t>Jeyarajan</a:t>
+            </a:r>
+            <a:r>
+              <a:rPr lang="en-US" altLang="ko-KR" sz="600" dirty="0">
+                <a:solidFill>
+                  <a:srgbClr val="000000"/>
+                </a:solidFill>
+                <a:latin typeface="Proxima Nova Subset"/>
+                <a:hlinkClick r:id="rId3" tooltip="Jeyarajan Thiyagalingam"/>
+              </a:rPr>
+              <a:t> </a:t>
+            </a:r>
+            <a:r>
+              <a:rPr lang="en-US" altLang="ko-KR" sz="600" dirty="0" err="1">
+                <a:solidFill>
+                  <a:srgbClr val="000000"/>
+                </a:solidFill>
+                <a:latin typeface="Proxima Nova Subset"/>
+                <a:hlinkClick r:id="rId3" tooltip="Jeyarajan Thiyagalingam"/>
+              </a:rPr>
+              <a:t>Thiyagalingam</a:t>
+            </a:r>
+            <a:r>
+              <a:rPr lang="en-US" altLang="ko-KR" sz="600" dirty="0">
+                <a:solidFill>
+                  <a:srgbClr val="000000"/>
+                </a:solidFill>
+                <a:latin typeface="Proxima Nova Subset"/>
+              </a:rPr>
+              <a:t> </a:t>
+            </a:r>
+            <a:r>
+              <a:rPr lang="en-US" altLang="ko-KR" sz="600" dirty="0">
+                <a:solidFill>
+                  <a:srgbClr val="333132"/>
+                </a:solidFill>
+                <a:latin typeface="Proxima Nova Subset"/>
+              </a:rPr>
+              <a:t>Published:</a:t>
+            </a:r>
+            <a:r>
+              <a:rPr lang="en-US" altLang="ko-KR" sz="600" b="1" dirty="0">
+                <a:solidFill>
+                  <a:srgbClr val="333132"/>
+                </a:solidFill>
+                <a:latin typeface="Proxima Nova Subset"/>
+              </a:rPr>
+              <a:t>20 January 2020</a:t>
+            </a:r>
+            <a:endParaRPr lang="en-US" altLang="ko-KR" sz="600" b="0" i="0" dirty="0">
+              <a:solidFill>
+                <a:srgbClr val="333132"/>
+              </a:solidFill>
+              <a:effectLst/>
+              <a:latin typeface="Proxima Nova Subset"/>
+            </a:endParaRPr>
           </a:p>
         </p:txBody>
       </p:sp>
     </p:spTree>
     <p:extLst>
       <p:ext uri="{BB962C8B-B14F-4D97-AF65-F5344CB8AC3E}">
-        <p14:creationId xmlns:p14="http://schemas.microsoft.com/office/powerpoint/2010/main" val="2013402916"/>
+        <p14:creationId xmlns:p14="http://schemas.microsoft.com/office/powerpoint/2010/main" val="1118936987"/>
       </p:ext>
     </p:extLst>
   </p:cSld>
@@ -6406,7 +6406,7 @@
           <p:cNvPr id="2" name="제목 1">
             <a:extLst>
               <a:ext uri="{FF2B5EF4-FFF2-40B4-BE49-F238E27FC236}">
-                <a16:creationId xmlns:a16="http://schemas.microsoft.com/office/drawing/2014/main" id="{A0F7A97A-9677-4628-B5DA-A9F8E8C16FEE}"/>
+                <a16:creationId xmlns:a16="http://schemas.microsoft.com/office/drawing/2014/main" id="{A9A7CCC1-3A7F-4618-84CE-B095DA748B69}"/>
               </a:ext>
             </a:extLst>
           </p:cNvPr>
@@ -6426,51 +6426,31 @@
           <a:p>
             <a:pPr algn="ctr"/>
             <a:r>
-              <a:rPr lang="en-US" altLang="ko-KR" sz="1200" dirty="0"/>
-              <a:t>Error rate in the </a:t>
-            </a:r>
-            <a:r>
-              <a:rPr lang="en-US" altLang="ko-KR" sz="2200" dirty="0"/>
-              <a:t>ImageNet Large Scale Visual Recognition Challenge. </a:t>
-            </a:r>
-            <a:r>
-              <a:rPr lang="en-US" altLang="ko-KR" sz="500" dirty="0"/>
-              <a:t>Data for AI performance from </a:t>
-            </a:r>
-            <a:r>
-              <a:rPr lang="en-US" altLang="ko-KR" sz="500" dirty="0" err="1"/>
-              <a:t>Shoham</a:t>
-            </a:r>
-            <a:r>
-              <a:rPr lang="en-US" altLang="ko-KR" sz="500" dirty="0"/>
-              <a:t> et al. (2018, p. 90), for human performance from </a:t>
-            </a:r>
-            <a:r>
-              <a:rPr lang="en-US" altLang="ko-KR" sz="500" dirty="0" err="1"/>
-              <a:t>Russakovsky</a:t>
-            </a:r>
-            <a:r>
-              <a:rPr lang="en-US" altLang="ko-KR" sz="500" dirty="0"/>
-              <a:t> et al. (2015, pp. 241&amp;242).</a:t>
+              <a:rPr lang="en-US" altLang="ko-KR" sz="2400" dirty="0"/>
+              <a:t>Number of publications in dependence </a:t>
             </a:r>
             <a:br>
-              <a:rPr lang="en-US" altLang="ko-KR" sz="1000" dirty="0"/>
+              <a:rPr lang="en-US" altLang="ko-KR" sz="2400" dirty="0"/>
             </a:br>
-            <a:endParaRPr lang="ko-KR" altLang="en-US" dirty="0"/>
+            <a:r>
+              <a:rPr lang="en-US" altLang="ko-KR" sz="2400" dirty="0"/>
+              <a:t>on the publication year for DL, deep learning;</a:t>
+            </a:r>
+            <a:endParaRPr lang="ko-KR" altLang="en-US" sz="2400" dirty="0"/>
           </a:p>
         </p:txBody>
       </p:sp>
       <p:pic>
         <p:nvPicPr>
-          <p:cNvPr id="7" name="내용 개체 틀 6">
-            <a:extLst>
-              <a:ext uri="{FF2B5EF4-FFF2-40B4-BE49-F238E27FC236}">
-                <a16:creationId xmlns:a16="http://schemas.microsoft.com/office/drawing/2014/main" id="{B5156492-3148-4F0E-9ED8-775A6E978ACA}"/>
+          <p:cNvPr id="10242" name="Picture 2">
+            <a:extLst>
+              <a:ext uri="{FF2B5EF4-FFF2-40B4-BE49-F238E27FC236}">
+                <a16:creationId xmlns:a16="http://schemas.microsoft.com/office/drawing/2014/main" id="{E95F5A67-0967-4E5E-953C-F657D643C7A5}"/>
               </a:ext>
             </a:extLst>
           </p:cNvPr>
           <p:cNvPicPr>
-            <a:picLocks noGrp="1" noChangeAspect="1"/>
+            <a:picLocks noGrp="1" noChangeAspect="1" noChangeArrowheads="1"/>
           </p:cNvPicPr>
           <p:nvPr>
             <p:ph idx="1"/>
@@ -6484,14 +6464,15 @@
               </a:ext>
             </a:extLst>
           </a:blip>
+          <a:srcRect/>
           <a:stretch>
             <a:fillRect/>
           </a:stretch>
         </p:blipFill>
         <p:spPr bwMode="auto">
           <a:xfrm>
-            <a:off x="1299207" y="1933969"/>
-            <a:ext cx="10054593" cy="3678798"/>
+            <a:off x="2838450" y="1999798"/>
+            <a:ext cx="6515100" cy="3860800"/>
           </a:xfrm>
           <a:prstGeom prst="rect">
             <a:avLst/>
@@ -6508,10 +6489,48 @@
           </a:extLst>
         </p:spPr>
       </p:pic>
+      <p:sp>
+        <p:nvSpPr>
+          <p:cNvPr id="4" name="직사각형 3">
+            <a:extLst>
+              <a:ext uri="{FF2B5EF4-FFF2-40B4-BE49-F238E27FC236}">
+                <a16:creationId xmlns:a16="http://schemas.microsoft.com/office/drawing/2014/main" id="{789A4F46-E1D4-4BDC-8378-7CD634AD66DB}"/>
+              </a:ext>
+            </a:extLst>
+          </p:cNvPr>
+          <p:cNvSpPr/>
+          <p:nvPr/>
+        </p:nvSpPr>
+        <p:spPr>
+          <a:xfrm>
+            <a:off x="89042" y="6169709"/>
+            <a:ext cx="12102957" cy="261610"/>
+          </a:xfrm>
+          <a:prstGeom prst="rect">
+            <a:avLst/>
+          </a:prstGeom>
+        </p:spPr>
+        <p:txBody>
+          <a:bodyPr wrap="square">
+            <a:spAutoFit/>
+          </a:bodyPr>
+          <a:lstStyle/>
+          <a:p>
+            <a:pPr algn="ctr"/>
+            <a:r>
+              <a:rPr lang="en-US" altLang="ko-KR" sz="1100" dirty="0">
+                <a:hlinkClick r:id="rId3"/>
+              </a:rPr>
+              <a:t>Frontiers | An Introductory Review of Deep Learning for Prediction Models With Big Data (frontiersin.org)</a:t>
+            </a:r>
+            <a:endParaRPr lang="ko-KR" altLang="en-US" sz="1100" dirty="0"/>
+          </a:p>
+        </p:txBody>
+      </p:sp>
     </p:spTree>
     <p:extLst>
       <p:ext uri="{BB962C8B-B14F-4D97-AF65-F5344CB8AC3E}">
-        <p14:creationId xmlns:p14="http://schemas.microsoft.com/office/powerpoint/2010/main" val="3403398167"/>
+        <p14:creationId xmlns:p14="http://schemas.microsoft.com/office/powerpoint/2010/main" val="2013402916"/>
       </p:ext>
     </p:extLst>
   </p:cSld>
@@ -6543,7 +6562,7 @@
           <p:cNvPr id="2" name="제목 1">
             <a:extLst>
               <a:ext uri="{FF2B5EF4-FFF2-40B4-BE49-F238E27FC236}">
-                <a16:creationId xmlns:a16="http://schemas.microsoft.com/office/drawing/2014/main" id="{2D519A7D-D7F1-4736-B840-FEFC10711E32}"/>
+                <a16:creationId xmlns:a16="http://schemas.microsoft.com/office/drawing/2014/main" id="{A0F7A97A-9677-4628-B5DA-A9F8E8C16FEE}"/>
               </a:ext>
             </a:extLst>
           </p:cNvPr>
@@ -6556,28 +6575,58 @@
         </p:nvSpPr>
         <p:spPr/>
         <p:txBody>
-          <a:bodyPr/>
-          <a:lstStyle/>
-          <a:p>
-            <a:r>
-              <a:rPr lang="en-US" altLang="ko-KR" dirty="0"/>
-              <a:t>Function</a:t>
-            </a:r>
+          <a:bodyPr>
+            <a:normAutofit/>
+          </a:bodyPr>
+          <a:lstStyle/>
+          <a:p>
+            <a:pPr algn="ctr"/>
+            <a:r>
+              <a:rPr lang="en-US" altLang="ko-KR" sz="1200" dirty="0"/>
+              <a:t>Error rate in the </a:t>
+            </a:r>
+            <a:r>
+              <a:rPr lang="en-US" altLang="ko-KR" sz="2200" dirty="0"/>
+              <a:t>ImageNet Large Scale Visual Recognition Challenge. </a:t>
+            </a:r>
+            <a:r>
+              <a:rPr lang="en-US" altLang="ko-KR" sz="500" dirty="0"/>
+              <a:t>Data for AI performance from </a:t>
+            </a:r>
+            <a:r>
+              <a:rPr lang="en-US" altLang="ko-KR" sz="500" dirty="0" err="1"/>
+              <a:t>Shoham</a:t>
+            </a:r>
+            <a:r>
+              <a:rPr lang="en-US" altLang="ko-KR" sz="500" dirty="0"/>
+              <a:t> et al. (2018, p. 90), for human performance from </a:t>
+            </a:r>
+            <a:r>
+              <a:rPr lang="en-US" altLang="ko-KR" sz="500" dirty="0" err="1"/>
+              <a:t>Russakovsky</a:t>
+            </a:r>
+            <a:r>
+              <a:rPr lang="en-US" altLang="ko-KR" sz="500" dirty="0"/>
+              <a:t> et al. (2015, pp. 241&amp;242).</a:t>
+            </a:r>
+            <a:br>
+              <a:rPr lang="en-US" altLang="ko-KR" sz="1000" dirty="0"/>
+            </a:br>
             <a:endParaRPr lang="ko-KR" altLang="en-US" dirty="0"/>
           </a:p>
         </p:txBody>
       </p:sp>
       <p:pic>
         <p:nvPicPr>
-          <p:cNvPr id="1026" name="Picture 2" descr="함수는 입력값에 따라 출력값을 만들어 내는 ‘블랙 박스’와 같다.">
-            <a:extLst>
-              <a:ext uri="{FF2B5EF4-FFF2-40B4-BE49-F238E27FC236}">
-                <a16:creationId xmlns:a16="http://schemas.microsoft.com/office/drawing/2014/main" id="{0A812A7D-1D47-4D93-AB71-151A64A9A0BE}"/>
+          <p:cNvPr id="7" name="내용 개체 틀 6">
+            <a:extLst>
+              <a:ext uri="{FF2B5EF4-FFF2-40B4-BE49-F238E27FC236}">
+                <a16:creationId xmlns:a16="http://schemas.microsoft.com/office/drawing/2014/main" id="{B5156492-3148-4F0E-9ED8-775A6E978ACA}"/>
               </a:ext>
             </a:extLst>
           </p:cNvPr>
           <p:cNvPicPr>
-            <a:picLocks noGrp="1" noChangeAspect="1" noChangeArrowheads="1"/>
+            <a:picLocks noGrp="1" noChangeAspect="1"/>
           </p:cNvPicPr>
           <p:nvPr>
             <p:ph idx="1"/>
@@ -6591,15 +6640,14 @@
               </a:ext>
             </a:extLst>
           </a:blip>
-          <a:srcRect/>
           <a:stretch>
             <a:fillRect/>
           </a:stretch>
         </p:blipFill>
         <p:spPr bwMode="auto">
           <a:xfrm>
-            <a:off x="3896960" y="1825625"/>
-            <a:ext cx="4398080" cy="4351338"/>
+            <a:off x="1299207" y="1933969"/>
+            <a:ext cx="10054593" cy="3678798"/>
           </a:xfrm>
           <a:prstGeom prst="rect">
             <a:avLst/>
@@ -6619,7 +6667,7 @@
     </p:spTree>
     <p:extLst>
       <p:ext uri="{BB962C8B-B14F-4D97-AF65-F5344CB8AC3E}">
-        <p14:creationId xmlns:p14="http://schemas.microsoft.com/office/powerpoint/2010/main" val="4184617168"/>
+        <p14:creationId xmlns:p14="http://schemas.microsoft.com/office/powerpoint/2010/main" val="3403398167"/>
       </p:ext>
     </p:extLst>
   </p:cSld>
@@ -6651,7 +6699,7 @@
           <p:cNvPr id="2" name="제목 1">
             <a:extLst>
               <a:ext uri="{FF2B5EF4-FFF2-40B4-BE49-F238E27FC236}">
-                <a16:creationId xmlns:a16="http://schemas.microsoft.com/office/drawing/2014/main" id="{12583335-4B5A-428E-90FC-174D2BEED0B5}"/>
+                <a16:creationId xmlns:a16="http://schemas.microsoft.com/office/drawing/2014/main" id="{2D519A7D-D7F1-4736-B840-FEFC10711E32}"/>
               </a:ext>
             </a:extLst>
           </p:cNvPr>
@@ -6664,102 +6712,35 @@
         </p:nvSpPr>
         <p:spPr/>
         <p:txBody>
-          <a:bodyPr>
-            <a:normAutofit fontScale="90000"/>
-          </a:bodyPr>
-          <a:lstStyle/>
-          <a:p>
-            <a:pPr algn="ctr"/>
+          <a:bodyPr/>
+          <a:lstStyle/>
+          <a:p>
             <a:r>
               <a:rPr lang="en-US" altLang="ko-KR" dirty="0"/>
-              <a:t>Leonhard Euler</a:t>
-            </a:r>
-            <a:br>
-              <a:rPr lang="en-US" altLang="ko-KR" dirty="0"/>
-            </a:br>
-            <a:r>
-              <a:rPr lang="en-US" altLang="ko-KR" sz="3200" i="1" dirty="0"/>
-              <a:t> </a:t>
-            </a:r>
-            <a:r>
-              <a:rPr lang="en-US" altLang="ko-KR" sz="3200" i="1" dirty="0" err="1"/>
-              <a:t>Introductio</a:t>
-            </a:r>
-            <a:r>
-              <a:rPr lang="en-US" altLang="ko-KR" sz="3200" i="1" dirty="0"/>
-              <a:t> in </a:t>
-            </a:r>
-            <a:r>
-              <a:rPr lang="en-US" altLang="ko-KR" sz="3200" i="1" dirty="0" err="1"/>
-              <a:t>Analysin</a:t>
-            </a:r>
-            <a:r>
-              <a:rPr lang="en-US" altLang="ko-KR" sz="3200" i="1" dirty="0"/>
-              <a:t> </a:t>
-            </a:r>
-            <a:r>
-              <a:rPr lang="en-US" altLang="ko-KR" sz="3200" i="1" dirty="0" err="1"/>
-              <a:t>Infinitorum</a:t>
-            </a:r>
-            <a:r>
-              <a:rPr lang="en-US" altLang="ko-KR" sz="3200" i="1" dirty="0"/>
-              <a:t>. 1748</a:t>
-            </a:r>
-            <a:br>
-              <a:rPr lang="en-US" altLang="ko-KR" sz="3200" dirty="0"/>
-            </a:br>
-            <a:endParaRPr lang="ko-KR" altLang="en-US" sz="3200" dirty="0"/>
+              <a:t>Function</a:t>
+            </a:r>
+            <a:endParaRPr lang="ko-KR" altLang="en-US" dirty="0"/>
           </a:p>
         </p:txBody>
       </p:sp>
       <p:pic>
         <p:nvPicPr>
-          <p:cNvPr id="4" name="내용 개체 틀 3">
-            <a:extLst>
-              <a:ext uri="{FF2B5EF4-FFF2-40B4-BE49-F238E27FC236}">
-                <a16:creationId xmlns:a16="http://schemas.microsoft.com/office/drawing/2014/main" id="{870CCDD9-40F3-4B0B-8ECC-6D048EB9FCB8}"/>
+          <p:cNvPr id="1026" name="Picture 2" descr="함수는 입력값에 따라 출력값을 만들어 내는 ‘블랙 박스’와 같다.">
+            <a:extLst>
+              <a:ext uri="{FF2B5EF4-FFF2-40B4-BE49-F238E27FC236}">
+                <a16:creationId xmlns:a16="http://schemas.microsoft.com/office/drawing/2014/main" id="{0A812A7D-1D47-4D93-AB71-151A64A9A0BE}"/>
               </a:ext>
             </a:extLst>
           </p:cNvPr>
           <p:cNvPicPr>
-            <a:picLocks noGrp="1" noChangeAspect="1"/>
+            <a:picLocks noGrp="1" noChangeAspect="1" noChangeArrowheads="1"/>
           </p:cNvPicPr>
           <p:nvPr>
             <p:ph idx="1"/>
           </p:nvPr>
         </p:nvPicPr>
         <p:blipFill>
-          <a:blip r:embed="rId2"/>
-          <a:stretch>
-            <a:fillRect/>
-          </a:stretch>
-        </p:blipFill>
-        <p:spPr>
-          <a:xfrm>
-            <a:off x="78144" y="2142461"/>
-            <a:ext cx="6362700" cy="3400425"/>
-          </a:xfrm>
-          <a:prstGeom prst="rect">
-            <a:avLst/>
-          </a:prstGeom>
-        </p:spPr>
-      </p:pic>
-      <p:pic>
-        <p:nvPicPr>
-          <p:cNvPr id="6148" name="Picture 4">
-            <a:extLst>
-              <a:ext uri="{FF2B5EF4-FFF2-40B4-BE49-F238E27FC236}">
-                <a16:creationId xmlns:a16="http://schemas.microsoft.com/office/drawing/2014/main" id="{AD20EB6F-87D4-4AE8-B628-8157E99C3D94}"/>
-              </a:ext>
-            </a:extLst>
-          </p:cNvPr>
-          <p:cNvPicPr>
-            <a:picLocks noChangeAspect="1" noChangeArrowheads="1"/>
-          </p:cNvPicPr>
-          <p:nvPr/>
-        </p:nvPicPr>
-        <p:blipFill>
-          <a:blip r:embed="rId3">
+          <a:blip r:embed="rId2">
             <a:extLst>
               <a:ext uri="{28A0092B-C50C-407E-A947-70E740481C1C}">
                 <a14:useLocalDpi xmlns:a14="http://schemas.microsoft.com/office/drawing/2010/main" val="0"/>
@@ -6773,8 +6754,8 @@
         </p:blipFill>
         <p:spPr bwMode="auto">
           <a:xfrm>
-            <a:off x="7651101" y="1690688"/>
-            <a:ext cx="3537857" cy="4574815"/>
+            <a:off x="3896960" y="1825625"/>
+            <a:ext cx="4398080" cy="4351338"/>
           </a:xfrm>
           <a:prstGeom prst="rect">
             <a:avLst/>
@@ -6794,7 +6775,7 @@
     </p:spTree>
     <p:extLst>
       <p:ext uri="{BB962C8B-B14F-4D97-AF65-F5344CB8AC3E}">
-        <p14:creationId xmlns:p14="http://schemas.microsoft.com/office/powerpoint/2010/main" val="1524171881"/>
+        <p14:creationId xmlns:p14="http://schemas.microsoft.com/office/powerpoint/2010/main" val="4184617168"/>
       </p:ext>
     </p:extLst>
   </p:cSld>
@@ -6826,7 +6807,7 @@
           <p:cNvPr id="2" name="제목 1">
             <a:extLst>
               <a:ext uri="{FF2B5EF4-FFF2-40B4-BE49-F238E27FC236}">
-                <a16:creationId xmlns:a16="http://schemas.microsoft.com/office/drawing/2014/main" id="{16714813-7B97-4E9D-9E9D-0BB5068BA3C6}"/>
+                <a16:creationId xmlns:a16="http://schemas.microsoft.com/office/drawing/2014/main" id="{12583335-4B5A-428E-90FC-174D2BEED0B5}"/>
               </a:ext>
             </a:extLst>
           </p:cNvPr>
@@ -6839,35 +6820,102 @@
         </p:nvSpPr>
         <p:spPr/>
         <p:txBody>
-          <a:bodyPr/>
-          <a:lstStyle/>
-          <a:p>
+          <a:bodyPr>
+            <a:normAutofit fontScale="90000"/>
+          </a:bodyPr>
+          <a:lstStyle/>
+          <a:p>
+            <a:pPr algn="ctr"/>
             <a:r>
               <a:rPr lang="en-US" altLang="ko-KR" dirty="0"/>
-              <a:t>function</a:t>
-            </a:r>
-            <a:endParaRPr lang="ko-KR" altLang="en-US" dirty="0"/>
+              <a:t>Leonhard Euler</a:t>
+            </a:r>
+            <a:br>
+              <a:rPr lang="en-US" altLang="ko-KR" dirty="0"/>
+            </a:br>
+            <a:r>
+              <a:rPr lang="en-US" altLang="ko-KR" sz="3200" i="1" dirty="0"/>
+              <a:t> </a:t>
+            </a:r>
+            <a:r>
+              <a:rPr lang="en-US" altLang="ko-KR" sz="3200" i="1" dirty="0" err="1"/>
+              <a:t>Introductio</a:t>
+            </a:r>
+            <a:r>
+              <a:rPr lang="en-US" altLang="ko-KR" sz="3200" i="1" dirty="0"/>
+              <a:t> in </a:t>
+            </a:r>
+            <a:r>
+              <a:rPr lang="en-US" altLang="ko-KR" sz="3200" i="1" dirty="0" err="1"/>
+              <a:t>Analysin</a:t>
+            </a:r>
+            <a:r>
+              <a:rPr lang="en-US" altLang="ko-KR" sz="3200" i="1" dirty="0"/>
+              <a:t> </a:t>
+            </a:r>
+            <a:r>
+              <a:rPr lang="en-US" altLang="ko-KR" sz="3200" i="1" dirty="0" err="1"/>
+              <a:t>Infinitorum</a:t>
+            </a:r>
+            <a:r>
+              <a:rPr lang="en-US" altLang="ko-KR" sz="3200" i="1" dirty="0"/>
+              <a:t>. 1748</a:t>
+            </a:r>
+            <a:br>
+              <a:rPr lang="en-US" altLang="ko-KR" sz="3200" dirty="0"/>
+            </a:br>
+            <a:endParaRPr lang="ko-KR" altLang="en-US" sz="3200" dirty="0"/>
           </a:p>
         </p:txBody>
       </p:sp>
       <p:pic>
         <p:nvPicPr>
-          <p:cNvPr id="2050" name="Picture 2" descr="What is a Function 1">
-            <a:extLst>
-              <a:ext uri="{FF2B5EF4-FFF2-40B4-BE49-F238E27FC236}">
-                <a16:creationId xmlns:a16="http://schemas.microsoft.com/office/drawing/2014/main" id="{16B8EB8D-DFD4-4BC0-95A6-6597DB5AF0A9}"/>
+          <p:cNvPr id="4" name="내용 개체 틀 3">
+            <a:extLst>
+              <a:ext uri="{FF2B5EF4-FFF2-40B4-BE49-F238E27FC236}">
+                <a16:creationId xmlns:a16="http://schemas.microsoft.com/office/drawing/2014/main" id="{870CCDD9-40F3-4B0B-8ECC-6D048EB9FCB8}"/>
               </a:ext>
             </a:extLst>
           </p:cNvPr>
           <p:cNvPicPr>
-            <a:picLocks noGrp="1" noChangeAspect="1" noChangeArrowheads="1"/>
+            <a:picLocks noGrp="1" noChangeAspect="1"/>
           </p:cNvPicPr>
           <p:nvPr>
             <p:ph idx="1"/>
           </p:nvPr>
         </p:nvPicPr>
         <p:blipFill>
-          <a:blip r:embed="rId2">
+          <a:blip r:embed="rId2"/>
+          <a:stretch>
+            <a:fillRect/>
+          </a:stretch>
+        </p:blipFill>
+        <p:spPr>
+          <a:xfrm>
+            <a:off x="78144" y="2142461"/>
+            <a:ext cx="6362700" cy="3400425"/>
+          </a:xfrm>
+          <a:prstGeom prst="rect">
+            <a:avLst/>
+          </a:prstGeom>
+        </p:spPr>
+      </p:pic>
+      <p:pic>
+        <p:nvPicPr>
+          <p:cNvPr id="6148" name="Picture 4">
+            <a:extLst>
+              <a:ext uri="{FF2B5EF4-FFF2-40B4-BE49-F238E27FC236}">
+                <a16:creationId xmlns:a16="http://schemas.microsoft.com/office/drawing/2014/main" id="{AD20EB6F-87D4-4AE8-B628-8157E99C3D94}"/>
+              </a:ext>
+            </a:extLst>
+          </p:cNvPr>
+          <p:cNvPicPr>
+            <a:picLocks noChangeAspect="1" noChangeArrowheads="1"/>
+          </p:cNvPicPr>
+          <p:nvPr/>
+        </p:nvPicPr>
+        <p:blipFill>
+          <a:blip r:embed="rId3">
             <a:extLst>
               <a:ext uri="{28A0092B-C50C-407E-A947-70E740481C1C}">
                 <a14:useLocalDpi xmlns:a14="http://schemas.microsoft.com/office/drawing/2010/main" val="0"/>
@@ -6881,8 +6929,8 @@
         </p:blipFill>
         <p:spPr bwMode="auto">
           <a:xfrm>
-            <a:off x="2242547" y="1627464"/>
-            <a:ext cx="8988373" cy="4865411"/>
+            <a:off x="7651101" y="1690688"/>
+            <a:ext cx="3537857" cy="4574815"/>
           </a:xfrm>
           <a:prstGeom prst="rect">
             <a:avLst/>
@@ -6902,7 +6950,7 @@
     </p:spTree>
     <p:extLst>
       <p:ext uri="{BB962C8B-B14F-4D97-AF65-F5344CB8AC3E}">
-        <p14:creationId xmlns:p14="http://schemas.microsoft.com/office/powerpoint/2010/main" val="4036693063"/>
+        <p14:creationId xmlns:p14="http://schemas.microsoft.com/office/powerpoint/2010/main" val="1524171881"/>
       </p:ext>
     </p:extLst>
   </p:cSld>
